--- a/lectures/Python - day1.pptx
+++ b/lectures/Python - day1.pptx
@@ -6,7 +6,7 @@
     <p:sldMasterId id="2147483661" r:id="rId2"/>
   </p:sldMasterIdLst>
   <p:notesMasterIdLst>
-    <p:notesMasterId r:id="rId22"/>
+    <p:notesMasterId r:id="rId29"/>
   </p:notesMasterIdLst>
   <p:sldIdLst>
     <p:sldId id="256" r:id="rId3"/>
@@ -28,6 +28,13 @@
     <p:sldId id="272" r:id="rId19"/>
     <p:sldId id="274" r:id="rId20"/>
     <p:sldId id="273" r:id="rId21"/>
+    <p:sldId id="275" r:id="rId22"/>
+    <p:sldId id="276" r:id="rId23"/>
+    <p:sldId id="277" r:id="rId24"/>
+    <p:sldId id="278" r:id="rId25"/>
+    <p:sldId id="279" r:id="rId26"/>
+    <p:sldId id="280" r:id="rId27"/>
+    <p:sldId id="281" r:id="rId28"/>
   </p:sldIdLst>
   <p:sldSz cx="9144000" cy="5143500" type="screen16x9"/>
   <p:notesSz cx="6858000" cy="9144000"/>
@@ -126,6 +133,11 @@
       </a:defRPr>
     </a:lvl9pPr>
   </p:defaultTextStyle>
+  <p:extLst>
+    <p:ext uri="{EFAFB233-063F-42B5-8137-9DF3F51BA10A}">
+      <p15:sldGuideLst xmlns:p15="http://schemas.microsoft.com/office/powerpoint/2012/main"/>
+    </p:ext>
+  </p:extLst>
 </p:presentation>
 </file>
 
@@ -8307,7 +8319,7 @@
               </a:lnSpc>
             </a:pPr>
             <a:r>
-              <a:rPr lang="en-US" sz="1400" b="0" strike="noStrike" spc="-1">
+              <a:rPr lang="en-US" sz="1400" b="0" strike="noStrike" spc="-1" dirty="0">
                 <a:solidFill>
                   <a:srgbClr val="000000"/>
                 </a:solidFill>
@@ -8317,7 +8329,7 @@
               <a:t>#string are </a:t>
             </a:r>
             <a:r>
-              <a:rPr lang="en-US" sz="1400" b="1" strike="noStrike" spc="-1">
+              <a:rPr lang="en-US" sz="1400" b="1" strike="noStrike" spc="-1" dirty="0">
                 <a:solidFill>
                   <a:srgbClr val="000000"/>
                 </a:solidFill>
@@ -8326,208 +8338,268 @@
               </a:rPr>
               <a:t>immutable</a:t>
             </a:r>
-            <a:endParaRPr lang="en-US" sz="1400" b="0" strike="noStrike" spc="-1">
-              <a:latin typeface="Arial"/>
-            </a:endParaRPr>
-          </a:p>
-          <a:p>
-            <a:pPr>
-              <a:lnSpc>
-                <a:spcPct val="100000"/>
-              </a:lnSpc>
-            </a:pPr>
-            <a:endParaRPr lang="en-US" sz="1400" b="0" strike="noStrike" spc="-1">
-              <a:latin typeface="Arial"/>
-            </a:endParaRPr>
-          </a:p>
-          <a:p>
-            <a:pPr>
-              <a:lnSpc>
-                <a:spcPct val="100000"/>
-              </a:lnSpc>
-            </a:pPr>
-            <a:r>
-              <a:rPr lang="en-US" sz="1400" b="0" strike="noStrike" spc="-1">
+            <a:endParaRPr lang="en-US" sz="1400" b="0" strike="noStrike" spc="-1" dirty="0">
+              <a:latin typeface="Arial"/>
+            </a:endParaRPr>
+          </a:p>
+          <a:p>
+            <a:pPr>
+              <a:lnSpc>
+                <a:spcPct val="100000"/>
+              </a:lnSpc>
+            </a:pPr>
+            <a:endParaRPr lang="en-US" sz="1400" b="0" strike="noStrike" spc="-1" dirty="0">
+              <a:latin typeface="Arial"/>
+            </a:endParaRPr>
+          </a:p>
+          <a:p>
+            <a:pPr>
+              <a:lnSpc>
+                <a:spcPct val="100000"/>
+              </a:lnSpc>
+            </a:pPr>
+            <a:r>
+              <a:rPr lang="en-US" sz="1400" b="0" strike="noStrike" spc="-1" dirty="0" err="1">
                 <a:solidFill>
                   <a:srgbClr val="000000"/>
                 </a:solidFill>
                 <a:latin typeface="Arial"/>
                 <a:ea typeface="Arial"/>
               </a:rPr>
-              <a:t>str(x)   # creates a string object from x</a:t>
-            </a:r>
-            <a:endParaRPr lang="en-US" sz="1400" b="0" strike="noStrike" spc="-1">
-              <a:latin typeface="Arial"/>
-            </a:endParaRPr>
-          </a:p>
-          <a:p>
-            <a:pPr>
-              <a:lnSpc>
-                <a:spcPct val="100000"/>
-              </a:lnSpc>
-            </a:pPr>
-            <a:endParaRPr lang="en-US" sz="1400" b="0" strike="noStrike" spc="-1">
-              <a:latin typeface="Arial"/>
-            </a:endParaRPr>
-          </a:p>
-          <a:p>
-            <a:pPr>
-              <a:lnSpc>
-                <a:spcPct val="100000"/>
-              </a:lnSpc>
-            </a:pPr>
-            <a:r>
-              <a:rPr lang="en-US" sz="1400" b="0" strike="noStrike" spc="-1">
+              <a:t>str</a:t>
+            </a:r>
+            <a:r>
+              <a:rPr lang="en-US" sz="1400" b="0" strike="noStrike" spc="-1" dirty="0">
                 <a:solidFill>
                   <a:srgbClr val="000000"/>
                 </a:solidFill>
                 <a:latin typeface="Arial"/>
                 <a:ea typeface="Arial"/>
               </a:rPr>
+              <a:t>(x)   # creates a string object from x</a:t>
+            </a:r>
+            <a:endParaRPr lang="en-US" sz="1400" b="0" strike="noStrike" spc="-1" dirty="0">
+              <a:latin typeface="Arial"/>
+            </a:endParaRPr>
+          </a:p>
+          <a:p>
+            <a:pPr>
+              <a:lnSpc>
+                <a:spcPct val="100000"/>
+              </a:lnSpc>
+            </a:pPr>
+            <a:endParaRPr lang="en-US" sz="1400" b="0" strike="noStrike" spc="-1" dirty="0">
+              <a:latin typeface="Arial"/>
+            </a:endParaRPr>
+          </a:p>
+          <a:p>
+            <a:pPr>
+              <a:lnSpc>
+                <a:spcPct val="100000"/>
+              </a:lnSpc>
+            </a:pPr>
+            <a:r>
+              <a:rPr lang="en-US" sz="1400" b="0" strike="noStrike" spc="-1" dirty="0">
+                <a:solidFill>
+                  <a:srgbClr val="000000"/>
+                </a:solidFill>
+                <a:latin typeface="Arial"/>
+                <a:ea typeface="Arial"/>
+              </a:rPr>
               <a:t>s = “This is a python class”</a:t>
             </a:r>
-            <a:endParaRPr lang="en-US" sz="1400" b="0" strike="noStrike" spc="-1">
-              <a:latin typeface="Arial"/>
-            </a:endParaRPr>
-          </a:p>
-          <a:p>
-            <a:pPr>
-              <a:lnSpc>
-                <a:spcPct val="100000"/>
-              </a:lnSpc>
-            </a:pPr>
-            <a:r>
-              <a:rPr lang="en-US" sz="1400" b="0" strike="noStrike" spc="-1">
+            <a:endParaRPr lang="en-US" sz="1400" b="0" strike="noStrike" spc="-1" dirty="0">
+              <a:latin typeface="Arial"/>
+            </a:endParaRPr>
+          </a:p>
+          <a:p>
+            <a:pPr>
+              <a:lnSpc>
+                <a:spcPct val="100000"/>
+              </a:lnSpc>
+            </a:pPr>
+            <a:r>
+              <a:rPr lang="en-US" sz="1400" b="0" strike="noStrike" spc="-1" dirty="0" err="1">
                 <a:solidFill>
                   <a:srgbClr val="000000"/>
                 </a:solidFill>
                 <a:latin typeface="Arial"/>
                 <a:ea typeface="Arial"/>
               </a:rPr>
-              <a:t>s.capitalize()</a:t>
-            </a:r>
-            <a:endParaRPr lang="en-US" sz="1400" b="0" strike="noStrike" spc="-1">
-              <a:latin typeface="Arial"/>
-            </a:endParaRPr>
-          </a:p>
-          <a:p>
-            <a:pPr>
-              <a:lnSpc>
-                <a:spcPct val="100000"/>
-              </a:lnSpc>
-            </a:pPr>
-            <a:r>
-              <a:rPr lang="en-US" sz="1400" b="0" strike="noStrike" spc="-1">
+              <a:t>s.capitalize</a:t>
+            </a:r>
+            <a:r>
+              <a:rPr lang="en-US" sz="1400" b="0" strike="noStrike" spc="-1" dirty="0">
                 <a:solidFill>
                   <a:srgbClr val="000000"/>
                 </a:solidFill>
                 <a:latin typeface="Arial"/>
                 <a:ea typeface="Arial"/>
               </a:rPr>
-              <a:t>s.count(t)</a:t>
-            </a:r>
-            <a:endParaRPr lang="en-US" sz="1400" b="0" strike="noStrike" spc="-1">
-              <a:latin typeface="Arial"/>
-            </a:endParaRPr>
-          </a:p>
-          <a:p>
-            <a:pPr>
-              <a:lnSpc>
-                <a:spcPct val="100000"/>
-              </a:lnSpc>
-            </a:pPr>
-            <a:r>
-              <a:rPr lang="en-US" sz="1400" b="0" strike="noStrike" spc="-1">
+              <a:t>()</a:t>
+            </a:r>
+            <a:endParaRPr lang="en-US" sz="1400" b="0" strike="noStrike" spc="-1" dirty="0">
+              <a:latin typeface="Arial"/>
+            </a:endParaRPr>
+          </a:p>
+          <a:p>
+            <a:pPr>
+              <a:lnSpc>
+                <a:spcPct val="100000"/>
+              </a:lnSpc>
+            </a:pPr>
+            <a:r>
+              <a:rPr lang="en-US" sz="1400" b="0" strike="noStrike" spc="-1" dirty="0" err="1">
                 <a:solidFill>
                   <a:srgbClr val="000000"/>
                 </a:solidFill>
                 <a:latin typeface="Arial"/>
                 <a:ea typeface="Arial"/>
               </a:rPr>
-              <a:t>s.isalpha()</a:t>
-            </a:r>
-            <a:endParaRPr lang="en-US" sz="1400" b="0" strike="noStrike" spc="-1">
-              <a:latin typeface="Arial"/>
-            </a:endParaRPr>
-          </a:p>
-          <a:p>
-            <a:pPr>
-              <a:lnSpc>
-                <a:spcPct val="100000"/>
-              </a:lnSpc>
-            </a:pPr>
-            <a:endParaRPr lang="en-US" sz="1400" b="0" strike="noStrike" spc="-1">
-              <a:latin typeface="Arial"/>
-            </a:endParaRPr>
-          </a:p>
-          <a:p>
-            <a:pPr>
-              <a:lnSpc>
-                <a:spcPct val="100000"/>
-              </a:lnSpc>
-            </a:pPr>
-            <a:endParaRPr lang="en-US" sz="1400" b="0" strike="noStrike" spc="-1">
-              <a:latin typeface="Arial"/>
-            </a:endParaRPr>
-          </a:p>
-          <a:p>
-            <a:pPr>
-              <a:lnSpc>
-                <a:spcPct val="100000"/>
-              </a:lnSpc>
-            </a:pPr>
-            <a:endParaRPr lang="en-US" sz="1400" b="0" strike="noStrike" spc="-1">
-              <a:latin typeface="Arial"/>
-            </a:endParaRPr>
-          </a:p>
-          <a:p>
-            <a:pPr>
-              <a:lnSpc>
-                <a:spcPct val="100000"/>
-              </a:lnSpc>
-            </a:pPr>
-            <a:endParaRPr lang="en-US" sz="1400" b="0" strike="noStrike" spc="-1">
-              <a:latin typeface="Arial"/>
-            </a:endParaRPr>
-          </a:p>
-          <a:p>
-            <a:pPr>
-              <a:lnSpc>
-                <a:spcPct val="100000"/>
-              </a:lnSpc>
-            </a:pPr>
-            <a:r>
-              <a:rPr lang="en-US" sz="1400" b="0" strike="noStrike" spc="-1">
+              <a:t>s.count</a:t>
+            </a:r>
+            <a:r>
+              <a:rPr lang="en-US" sz="1400" b="0" strike="noStrike" spc="-1" dirty="0">
+                <a:solidFill>
+                  <a:srgbClr val="000000"/>
+                </a:solidFill>
+                <a:latin typeface="Arial"/>
+                <a:ea typeface="Arial"/>
+              </a:rPr>
+              <a:t>(t)</a:t>
+            </a:r>
+            <a:endParaRPr lang="en-US" sz="1400" b="0" strike="noStrike" spc="-1" dirty="0">
+              <a:latin typeface="Arial"/>
+            </a:endParaRPr>
+          </a:p>
+          <a:p>
+            <a:pPr>
+              <a:lnSpc>
+                <a:spcPct val="100000"/>
+              </a:lnSpc>
+            </a:pPr>
+            <a:r>
+              <a:rPr lang="en-US" sz="1400" b="0" strike="noStrike" spc="-1" dirty="0" err="1">
+                <a:solidFill>
+                  <a:srgbClr val="000000"/>
+                </a:solidFill>
+                <a:latin typeface="Arial"/>
+                <a:ea typeface="Arial"/>
+              </a:rPr>
+              <a:t>s.isalpha</a:t>
+            </a:r>
+            <a:r>
+              <a:rPr lang="en-US" sz="1400" b="0" strike="noStrike" spc="-1" dirty="0">
+                <a:solidFill>
+                  <a:srgbClr val="000000"/>
+                </a:solidFill>
+                <a:latin typeface="Arial"/>
+                <a:ea typeface="Arial"/>
+              </a:rPr>
+              <a:t>()</a:t>
+            </a:r>
+            <a:endParaRPr lang="en-US" sz="1400" b="0" strike="noStrike" spc="-1" dirty="0">
+              <a:latin typeface="Arial"/>
+            </a:endParaRPr>
+          </a:p>
+          <a:p>
+            <a:pPr>
+              <a:lnSpc>
+                <a:spcPct val="100000"/>
+              </a:lnSpc>
+            </a:pPr>
+            <a:endParaRPr lang="en-US" sz="1400" b="0" strike="noStrike" spc="-1" dirty="0">
+              <a:latin typeface="Arial"/>
+            </a:endParaRPr>
+          </a:p>
+          <a:p>
+            <a:pPr>
+              <a:lnSpc>
+                <a:spcPct val="100000"/>
+              </a:lnSpc>
+            </a:pPr>
+            <a:endParaRPr lang="en-US" sz="1400" b="0" strike="noStrike" spc="-1" dirty="0">
+              <a:latin typeface="Arial"/>
+            </a:endParaRPr>
+          </a:p>
+          <a:p>
+            <a:pPr>
+              <a:lnSpc>
+                <a:spcPct val="100000"/>
+              </a:lnSpc>
+            </a:pPr>
+            <a:endParaRPr lang="en-US" sz="1400" b="0" strike="noStrike" spc="-1" dirty="0">
+              <a:latin typeface="Arial"/>
+            </a:endParaRPr>
+          </a:p>
+          <a:p>
+            <a:pPr>
+              <a:lnSpc>
+                <a:spcPct val="100000"/>
+              </a:lnSpc>
+            </a:pPr>
+            <a:endParaRPr lang="en-US" sz="1400" b="0" strike="noStrike" spc="-1" dirty="0">
+              <a:latin typeface="Arial"/>
+            </a:endParaRPr>
+          </a:p>
+          <a:p>
+            <a:pPr>
+              <a:lnSpc>
+                <a:spcPct val="100000"/>
+              </a:lnSpc>
+            </a:pPr>
+            <a:r>
+              <a:rPr lang="en-US" sz="1400" b="0" strike="noStrike" spc="-1" dirty="0">
                 <a:solidFill>
                   <a:srgbClr val="FF0000"/>
                 </a:solidFill>
                 <a:latin typeface="Arial"/>
                 <a:ea typeface="Arial"/>
               </a:rPr>
-              <a:t>#Pythonic way!!</a:t>
-            </a:r>
-            <a:endParaRPr lang="en-US" sz="1400" b="0" strike="noStrike" spc="-1">
-              <a:latin typeface="Arial"/>
-            </a:endParaRPr>
-          </a:p>
-          <a:p>
-            <a:pPr>
-              <a:lnSpc>
-                <a:spcPct val="100000"/>
-              </a:lnSpc>
-            </a:pPr>
-            <a:endParaRPr lang="en-US" sz="1400" b="0" strike="noStrike" spc="-1">
-              <a:latin typeface="Arial"/>
-            </a:endParaRPr>
-          </a:p>
-          <a:p>
-            <a:pPr>
-              <a:lnSpc>
-                <a:spcPct val="100000"/>
-              </a:lnSpc>
-            </a:pPr>
-            <a:r>
-              <a:rPr lang="en-US" sz="1400" b="0" strike="noStrike" spc="-1">
+              <a:t>#</a:t>
+            </a:r>
+            <a:r>
+              <a:rPr lang="en-US" sz="1400" b="0" strike="noStrike" spc="-1" dirty="0" err="1">
+                <a:solidFill>
+                  <a:srgbClr val="FF0000"/>
+                </a:solidFill>
+                <a:latin typeface="Arial"/>
+                <a:ea typeface="Arial"/>
+              </a:rPr>
+              <a:t>Pythonic</a:t>
+            </a:r>
+            <a:r>
+              <a:rPr lang="en-US" sz="1400" b="0" strike="noStrike" spc="-1" dirty="0">
+                <a:solidFill>
+                  <a:srgbClr val="FF0000"/>
+                </a:solidFill>
+                <a:latin typeface="Arial"/>
+                <a:ea typeface="Arial"/>
+              </a:rPr>
+              <a:t> way!!</a:t>
+            </a:r>
+            <a:endParaRPr lang="en-US" sz="1400" b="0" strike="noStrike" spc="-1" dirty="0">
+              <a:latin typeface="Arial"/>
+            </a:endParaRPr>
+          </a:p>
+          <a:p>
+            <a:pPr>
+              <a:lnSpc>
+                <a:spcPct val="100000"/>
+              </a:lnSpc>
+            </a:pPr>
+            <a:endParaRPr lang="en-US" sz="1400" b="0" strike="noStrike" spc="-1" dirty="0">
+              <a:latin typeface="Arial"/>
+            </a:endParaRPr>
+          </a:p>
+          <a:p>
+            <a:pPr>
+              <a:lnSpc>
+                <a:spcPct val="100000"/>
+              </a:lnSpc>
+            </a:pPr>
+            <a:r>
+              <a:rPr lang="en-US" sz="1400" b="0" strike="noStrike" spc="-1" dirty="0">
                 <a:solidFill>
                   <a:srgbClr val="000000"/>
                 </a:solidFill>
@@ -8536,18 +8608,18 @@
               </a:rPr>
               <a:t>For loop - see the structure &amp; indentation</a:t>
             </a:r>
-            <a:endParaRPr lang="en-US" sz="1400" b="0" strike="noStrike" spc="-1">
-              <a:latin typeface="Arial"/>
-            </a:endParaRPr>
-          </a:p>
-          <a:p>
-            <a:pPr>
-              <a:lnSpc>
-                <a:spcPct val="100000"/>
-              </a:lnSpc>
-            </a:pPr>
-            <a:r>
-              <a:rPr lang="en-US" sz="1400" b="0" strike="noStrike" spc="-1">
+            <a:endParaRPr lang="en-US" sz="1400" b="0" strike="noStrike" spc="-1" dirty="0">
+              <a:latin typeface="Arial"/>
+            </a:endParaRPr>
+          </a:p>
+          <a:p>
+            <a:pPr>
+              <a:lnSpc>
+                <a:spcPct val="100000"/>
+              </a:lnSpc>
+            </a:pPr>
+            <a:r>
+              <a:rPr lang="en-US" sz="1400" b="0" strike="noStrike" spc="-1" dirty="0">
                 <a:solidFill>
                   <a:srgbClr val="000000"/>
                 </a:solidFill>
@@ -8556,38 +8628,38 @@
               </a:rPr>
               <a:t>Key words : for, in</a:t>
             </a:r>
-            <a:endParaRPr lang="en-US" sz="1400" b="0" strike="noStrike" spc="-1">
-              <a:latin typeface="Arial"/>
-            </a:endParaRPr>
-          </a:p>
-          <a:p>
-            <a:pPr>
-              <a:lnSpc>
-                <a:spcPct val="100000"/>
-              </a:lnSpc>
-            </a:pPr>
-            <a:endParaRPr lang="en-US" sz="1400" b="0" strike="noStrike" spc="-1">
-              <a:latin typeface="Arial"/>
-            </a:endParaRPr>
-          </a:p>
-          <a:p>
-            <a:pPr>
-              <a:lnSpc>
-                <a:spcPct val="100000"/>
-              </a:lnSpc>
-            </a:pPr>
-            <a:endParaRPr lang="en-US" sz="1400" b="0" strike="noStrike" spc="-1">
-              <a:latin typeface="Arial"/>
-            </a:endParaRPr>
-          </a:p>
-          <a:p>
-            <a:pPr>
-              <a:lnSpc>
-                <a:spcPct val="100000"/>
-              </a:lnSpc>
-            </a:pPr>
-            <a:r>
-              <a:rPr lang="en-US" sz="1400" b="0" strike="noStrike" spc="-1">
+            <a:endParaRPr lang="en-US" sz="1400" b="0" strike="noStrike" spc="-1" dirty="0">
+              <a:latin typeface="Arial"/>
+            </a:endParaRPr>
+          </a:p>
+          <a:p>
+            <a:pPr>
+              <a:lnSpc>
+                <a:spcPct val="100000"/>
+              </a:lnSpc>
+            </a:pPr>
+            <a:endParaRPr lang="en-US" sz="1400" b="0" strike="noStrike" spc="-1" dirty="0">
+              <a:latin typeface="Arial"/>
+            </a:endParaRPr>
+          </a:p>
+          <a:p>
+            <a:pPr>
+              <a:lnSpc>
+                <a:spcPct val="100000"/>
+              </a:lnSpc>
+            </a:pPr>
+            <a:endParaRPr lang="en-US" sz="1400" b="0" strike="noStrike" spc="-1" dirty="0">
+              <a:latin typeface="Arial"/>
+            </a:endParaRPr>
+          </a:p>
+          <a:p>
+            <a:pPr>
+              <a:lnSpc>
+                <a:spcPct val="100000"/>
+              </a:lnSpc>
+            </a:pPr>
+            <a:r>
+              <a:rPr lang="en-US" sz="1400" b="0" strike="noStrike" spc="-1" dirty="0">
                 <a:solidFill>
                   <a:srgbClr val="000000"/>
                 </a:solidFill>
@@ -8596,7 +8668,7 @@
               </a:rPr>
               <a:t>Can use one line to do multiple assignment!</a:t>
             </a:r>
-            <a:endParaRPr lang="en-US" sz="1400" b="0" strike="noStrike" spc="-1">
+            <a:endParaRPr lang="en-US" sz="1400" b="0" strike="noStrike" spc="-1" dirty="0">
               <a:latin typeface="Arial"/>
             </a:endParaRPr>
           </a:p>
@@ -11304,59 +11376,44 @@
               </a:lnSpc>
             </a:pPr>
             <a:r>
+              <a:rPr lang="en-US" sz="1400" b="1" strike="noStrike" spc="-1" dirty="0" smtClean="0">
+                <a:solidFill>
+                  <a:srgbClr val="000000"/>
+                </a:solidFill>
+                <a:latin typeface="Arial"/>
+                <a:ea typeface="Arial"/>
+              </a:rPr>
+              <a:t>List Comprehensions</a:t>
+            </a:r>
+          </a:p>
+          <a:p>
+            <a:pPr>
+              <a:lnSpc>
+                <a:spcPct val="100000"/>
+              </a:lnSpc>
+            </a:pPr>
+            <a:endParaRPr lang="en-US" sz="1400" spc="-1" dirty="0" smtClean="0">
+              <a:solidFill>
+                <a:srgbClr val="000000"/>
+              </a:solidFill>
+              <a:latin typeface="Arial"/>
+            </a:endParaRPr>
+          </a:p>
+          <a:p>
+            <a:pPr>
+              <a:lnSpc>
+                <a:spcPct val="100000"/>
+              </a:lnSpc>
+            </a:pPr>
+            <a:r>
               <a:rPr lang="en-US" sz="1400" b="0" strike="noStrike" spc="-1" dirty="0" smtClean="0">
                 <a:solidFill>
                   <a:srgbClr val="000000"/>
                 </a:solidFill>
                 <a:latin typeface="Arial"/>
-                <a:ea typeface="Arial"/>
-              </a:rPr>
-              <a:t>List Comprehensions</a:t>
-            </a:r>
-          </a:p>
-          <a:p>
-            <a:pPr>
-              <a:lnSpc>
-                <a:spcPct val="100000"/>
-              </a:lnSpc>
-            </a:pPr>
-            <a:endParaRPr lang="en-US" sz="1400" spc="-1" dirty="0" smtClean="0">
-              <a:solidFill>
-                <a:srgbClr val="000000"/>
-              </a:solidFill>
-              <a:latin typeface="Arial"/>
-            </a:endParaRPr>
-          </a:p>
-          <a:p>
-            <a:pPr>
-              <a:lnSpc>
-                <a:spcPct val="100000"/>
-              </a:lnSpc>
-            </a:pPr>
-            <a:r>
-              <a:rPr lang="en-US" sz="1400" b="0" strike="noStrike" spc="-1" dirty="0" smtClean="0">
-                <a:solidFill>
-                  <a:srgbClr val="000000"/>
-                </a:solidFill>
-                <a:latin typeface="Arial"/>
-              </a:rPr>
-              <a:t>Allows for creation of a list where each element is a result of an operation on </a:t>
-            </a:r>
-            <a:r>
-              <a:rPr lang="en-US" sz="1400" b="0" strike="noStrike" spc="-1" smtClean="0">
-                <a:solidFill>
-                  <a:srgbClr val="000000"/>
-                </a:solidFill>
-                <a:latin typeface="Arial"/>
-              </a:rPr>
-              <a:t>another list!</a:t>
-            </a:r>
-            <a:endParaRPr lang="en-US" sz="1400" b="0" strike="noStrike" spc="-1" dirty="0" smtClean="0">
-              <a:solidFill>
-                <a:srgbClr val="000000"/>
-              </a:solidFill>
-              <a:latin typeface="Arial"/>
-            </a:endParaRPr>
+              </a:rPr>
+              <a:t>Allows for creation of a list where each element is a result of an operation on another list!</a:t>
+            </a:r>
           </a:p>
           <a:p>
             <a:pPr>
@@ -11907,7 +11964,7 @@
         <p:spPr>
           <a:xfrm>
             <a:off x="395640" y="592560"/>
-            <a:ext cx="4907880" cy="3796560"/>
+            <a:ext cx="4907880" cy="4491720"/>
           </a:xfrm>
           <a:prstGeom prst="rect">
             <a:avLst/>
@@ -11939,7 +11996,7 @@
               </a:lnSpc>
             </a:pPr>
             <a:r>
-              <a:rPr lang="en-US" sz="1300" b="0" strike="noStrike" spc="-1">
+              <a:rPr lang="en-US" sz="1300" b="1" strike="noStrike" spc="-1" dirty="0">
                 <a:solidFill>
                   <a:srgbClr val="595959"/>
                 </a:solidFill>
@@ -11948,7 +12005,7 @@
               </a:rPr>
               <a:t>Functions</a:t>
             </a:r>
-            <a:endParaRPr lang="en-US" sz="1300" b="0" strike="noStrike" spc="-1">
+            <a:endParaRPr lang="en-US" sz="1300" b="1" strike="noStrike" spc="-1" dirty="0">
               <a:latin typeface="Arial"/>
             </a:endParaRPr>
           </a:p>
@@ -11962,16 +12019,66 @@
               </a:spcBef>
             </a:pPr>
             <a:r>
-              <a:rPr lang="en-US" sz="1300" b="0" strike="noStrike" spc="-1">
-                <a:solidFill>
-                  <a:srgbClr val="595959"/>
+              <a:rPr lang="en-US" sz="1300" b="0" strike="noStrike" spc="-1" dirty="0" err="1">
+                <a:solidFill>
+                  <a:srgbClr val="FF0000"/>
                 </a:solidFill>
                 <a:latin typeface="Lato"/>
                 <a:ea typeface="Lato"/>
               </a:rPr>
-              <a:t>def function_name(arg list):</a:t>
-            </a:r>
-            <a:endParaRPr lang="en-US" sz="1300" b="0" strike="noStrike" spc="-1">
+              <a:t>def</a:t>
+            </a:r>
+            <a:r>
+              <a:rPr lang="en-US" sz="1300" b="0" strike="noStrike" spc="-1" dirty="0">
+                <a:solidFill>
+                  <a:srgbClr val="FF0000"/>
+                </a:solidFill>
+                <a:latin typeface="Lato"/>
+                <a:ea typeface="Lato"/>
+              </a:rPr>
+              <a:t> </a:t>
+            </a:r>
+            <a:r>
+              <a:rPr lang="en-US" sz="1300" b="1" strike="noStrike" spc="-1" dirty="0" err="1">
+                <a:solidFill>
+                  <a:srgbClr val="595959"/>
+                </a:solidFill>
+                <a:latin typeface="Lato"/>
+                <a:ea typeface="Lato"/>
+              </a:rPr>
+              <a:t>function_name</a:t>
+            </a:r>
+            <a:r>
+              <a:rPr lang="en-US" sz="1300" b="1" strike="noStrike" spc="-1" dirty="0">
+                <a:solidFill>
+                  <a:srgbClr val="595959"/>
+                </a:solidFill>
+                <a:latin typeface="Lato"/>
+                <a:ea typeface="Lato"/>
+              </a:rPr>
+              <a:t>(</a:t>
+            </a:r>
+            <a:r>
+              <a:rPr lang="en-US" sz="1300" b="1" strike="noStrike" spc="-1" dirty="0" err="1">
+                <a:solidFill>
+                  <a:srgbClr val="595959"/>
+                </a:solidFill>
+                <a:latin typeface="Lato"/>
+                <a:ea typeface="Lato"/>
+              </a:rPr>
+              <a:t>arg</a:t>
+            </a:r>
+            <a:r>
+              <a:rPr lang="en-US" sz="1300" b="1" strike="noStrike" spc="-1" dirty="0">
+                <a:solidFill>
+                  <a:srgbClr val="595959"/>
+                </a:solidFill>
+                <a:latin typeface="Lato"/>
+                <a:ea typeface="Lato"/>
+              </a:rPr>
+              <a:t> list):</a:t>
+            </a:r>
+            <a:endParaRPr lang="en-US" sz="1300" b="1" strike="noStrike" spc="-1" dirty="0">
               <a:latin typeface="Arial"/>
             </a:endParaRPr>
           </a:p>
@@ -11985,7 +12092,7 @@
               </a:spcBef>
             </a:pPr>
             <a:r>
-              <a:rPr lang="en-US" sz="1300" b="0" strike="noStrike" spc="-1">
+              <a:rPr lang="en-US" sz="1300" b="0" strike="noStrike" spc="-1" dirty="0">
                 <a:solidFill>
                   <a:srgbClr val="595959"/>
                 </a:solidFill>
@@ -11994,7 +12101,7 @@
               </a:rPr>
               <a:t>	…</a:t>
             </a:r>
-            <a:endParaRPr lang="en-US" sz="1300" b="0" strike="noStrike" spc="-1">
+            <a:endParaRPr lang="en-US" sz="1300" b="0" strike="noStrike" spc="-1" dirty="0">
               <a:latin typeface="Arial"/>
             </a:endParaRPr>
           </a:p>
@@ -12008,7 +12115,7 @@
               </a:spcBef>
             </a:pPr>
             <a:r>
-              <a:rPr lang="en-US" sz="1300" b="0" strike="noStrike" spc="-1">
+              <a:rPr lang="en-US" sz="1300" b="0" strike="noStrike" spc="-1" dirty="0">
                 <a:solidFill>
                   <a:srgbClr val="595959"/>
                 </a:solidFill>
@@ -12017,7 +12124,7 @@
               </a:rPr>
               <a:t>	…</a:t>
             </a:r>
-            <a:endParaRPr lang="en-US" sz="1300" b="0" strike="noStrike" spc="-1">
+            <a:endParaRPr lang="en-US" sz="1300" b="0" strike="noStrike" spc="-1" dirty="0">
               <a:latin typeface="Arial"/>
             </a:endParaRPr>
           </a:p>
@@ -12031,16 +12138,36 @@
               </a:spcBef>
             </a:pPr>
             <a:r>
-              <a:rPr lang="en-US" sz="1300" b="0" strike="noStrike" spc="-1">
+              <a:rPr lang="en-US" sz="1300" b="0" strike="noStrike" spc="-1" dirty="0">
                 <a:solidFill>
                   <a:srgbClr val="595959"/>
                 </a:solidFill>
                 <a:latin typeface="Lato"/>
                 <a:ea typeface="Lato"/>
               </a:rPr>
-              <a:t>Good practice to include docstring (??) as first line </a:t>
-            </a:r>
-            <a:endParaRPr lang="en-US" sz="1300" b="0" strike="noStrike" spc="-1">
+              <a:t>Good practice to include </a:t>
+            </a:r>
+            <a:r>
+              <a:rPr lang="en-US" sz="1300" b="0" strike="noStrike" spc="-1" dirty="0" err="1">
+                <a:solidFill>
+                  <a:srgbClr val="595959"/>
+                </a:solidFill>
+                <a:latin typeface="Lato"/>
+                <a:ea typeface="Lato"/>
+              </a:rPr>
+              <a:t>docstring</a:t>
+            </a:r>
+            <a:r>
+              <a:rPr lang="en-US" sz="1300" b="0" strike="noStrike" spc="-1" dirty="0">
+                <a:solidFill>
+                  <a:srgbClr val="595959"/>
+                </a:solidFill>
+                <a:latin typeface="Lato"/>
+                <a:ea typeface="Lato"/>
+              </a:rPr>
+              <a:t> (??) as first line </a:t>
+            </a:r>
+            <a:endParaRPr lang="en-US" sz="1300" b="0" strike="noStrike" spc="-1" dirty="0">
               <a:latin typeface="Arial"/>
             </a:endParaRPr>
           </a:p>
@@ -12054,7 +12181,7 @@
               </a:spcBef>
             </a:pPr>
             <a:r>
-              <a:rPr lang="en-US" sz="1300" b="0" strike="noStrike" spc="-1">
+              <a:rPr lang="en-US" sz="1300" b="0" strike="noStrike" spc="-1" dirty="0">
                 <a:solidFill>
                   <a:srgbClr val="595959"/>
                 </a:solidFill>
@@ -12063,7 +12190,7 @@
               </a:rPr>
               <a:t>in the function</a:t>
             </a:r>
-            <a:endParaRPr lang="en-US" sz="1300" b="0" strike="noStrike" spc="-1">
+            <a:endParaRPr lang="en-US" sz="1300" b="0" strike="noStrike" spc="-1" dirty="0">
               <a:latin typeface="Arial"/>
             </a:endParaRPr>
           </a:p>
@@ -12077,7 +12204,7 @@
               </a:spcBef>
             </a:pPr>
             <a:r>
-              <a:rPr lang="en-US" sz="1300" b="0" strike="noStrike" spc="-1">
+              <a:rPr lang="en-US" sz="1300" b="0" strike="noStrike" spc="-1" dirty="0">
                 <a:solidFill>
                   <a:srgbClr val="595959"/>
                 </a:solidFill>
@@ -12086,7 +12213,7 @@
               </a:rPr>
               <a:t>“””This is what the function is supposed to do</a:t>
             </a:r>
-            <a:endParaRPr lang="en-US" sz="1300" b="0" strike="noStrike" spc="-1">
+            <a:endParaRPr lang="en-US" sz="1300" b="0" strike="noStrike" spc="-1" dirty="0">
               <a:latin typeface="Arial"/>
             </a:endParaRPr>
           </a:p>
@@ -12100,17 +12227,110 @@
               </a:spcBef>
             </a:pPr>
             <a:r>
-              <a:rPr lang="en-US" sz="1300" b="0" strike="noStrike" spc="-1">
+              <a:rPr lang="en-US" sz="1300" b="0" strike="noStrike" spc="-1" dirty="0">
                 <a:solidFill>
                   <a:srgbClr val="595959"/>
                 </a:solidFill>
                 <a:latin typeface="Lato"/>
                 <a:ea typeface="Lato"/>
               </a:rPr>
-              <a:t>It needs an input etc … “””</a:t>
-            </a:r>
-            <a:endParaRPr lang="en-US" sz="1300" b="0" strike="noStrike" spc="-1">
-              <a:latin typeface="Arial"/>
+              <a:t>It needs an input </a:t>
+            </a:r>
+            <a:r>
+              <a:rPr lang="en-US" sz="1300" b="0" strike="noStrike" spc="-1" dirty="0" err="1">
+                <a:solidFill>
+                  <a:srgbClr val="595959"/>
+                </a:solidFill>
+                <a:latin typeface="Lato"/>
+                <a:ea typeface="Lato"/>
+              </a:rPr>
+              <a:t>etc</a:t>
+            </a:r>
+            <a:r>
+              <a:rPr lang="en-US" sz="1300" b="0" strike="noStrike" spc="-1" dirty="0">
+                <a:solidFill>
+                  <a:srgbClr val="595959"/>
+                </a:solidFill>
+                <a:latin typeface="Lato"/>
+                <a:ea typeface="Lato"/>
+              </a:rPr>
+              <a:t> </a:t>
+            </a:r>
+            <a:r>
+              <a:rPr lang="en-US" sz="1300" b="0" strike="noStrike" spc="-1" dirty="0" smtClean="0">
+                <a:solidFill>
+                  <a:srgbClr val="595959"/>
+                </a:solidFill>
+                <a:latin typeface="Lato"/>
+                <a:ea typeface="Lato"/>
+              </a:rPr>
+              <a:t>…”””</a:t>
+            </a:r>
+          </a:p>
+          <a:p>
+            <a:pPr>
+              <a:lnSpc>
+                <a:spcPct val="115000"/>
+              </a:lnSpc>
+              <a:spcBef>
+                <a:spcPts val="1599"/>
+              </a:spcBef>
+            </a:pPr>
+            <a:r>
+              <a:rPr lang="en-US" sz="1300" spc="-1" dirty="0" err="1" smtClean="0">
+                <a:solidFill>
+                  <a:srgbClr val="595959"/>
+                </a:solidFill>
+                <a:latin typeface="Lato"/>
+                <a:ea typeface="Lato"/>
+              </a:rPr>
+              <a:t>Builtin</a:t>
+            </a:r>
+            <a:r>
+              <a:rPr lang="en-US" sz="1300" spc="-1" dirty="0" smtClean="0">
+                <a:solidFill>
+                  <a:srgbClr val="595959"/>
+                </a:solidFill>
+                <a:latin typeface="Lato"/>
+                <a:ea typeface="Lato"/>
+              </a:rPr>
+              <a:t> functions:</a:t>
+            </a:r>
+            <a:endParaRPr lang="en-US" sz="1300" spc="-1" dirty="0" smtClean="0">
+              <a:solidFill>
+                <a:srgbClr val="595959"/>
+              </a:solidFill>
+              <a:latin typeface="Lato"/>
+              <a:ea typeface="Lato"/>
+              <a:hlinkClick r:id="rId2"/>
+            </a:endParaRPr>
+          </a:p>
+          <a:p>
+            <a:pPr>
+              <a:lnSpc>
+                <a:spcPct val="115000"/>
+              </a:lnSpc>
+              <a:spcBef>
+                <a:spcPts val="1599"/>
+              </a:spcBef>
+            </a:pPr>
+            <a:r>
+              <a:rPr lang="en-US" sz="1300" spc="-1" dirty="0" smtClean="0">
+                <a:solidFill>
+                  <a:srgbClr val="595959"/>
+                </a:solidFill>
+                <a:latin typeface="Lato"/>
+                <a:ea typeface="Lato"/>
+                <a:hlinkClick r:id="rId2"/>
+              </a:rPr>
+              <a:t>https://docs.python.org/3.7/library/functions.html</a:t>
+            </a:r>
+            <a:endParaRPr lang="en-US" sz="1300" spc="-1" dirty="0" smtClean="0">
+              <a:solidFill>
+                <a:srgbClr val="595959"/>
+              </a:solidFill>
+              <a:latin typeface="Lato"/>
+              <a:ea typeface="Lato"/>
             </a:endParaRPr>
           </a:p>
           <a:p>
@@ -12126,7 +12346,7 @@
               </a:spcAft>
             </a:pPr>
             <a:r>
-              <a:rPr lang="en-US" sz="1300" b="0" strike="noStrike" spc="-1">
+              <a:rPr lang="en-US" sz="1300" spc="-1" dirty="0" smtClean="0">
                 <a:solidFill>
                   <a:srgbClr val="595959"/>
                 </a:solidFill>
@@ -12135,7 +12355,7 @@
               </a:rPr>
               <a:t> </a:t>
             </a:r>
-            <a:endParaRPr lang="en-US" sz="1300" b="0" strike="noStrike" spc="-1">
+            <a:endParaRPr lang="en-US" sz="1300" b="0" strike="noStrike" spc="-1" dirty="0">
               <a:latin typeface="Arial"/>
             </a:endParaRPr>
           </a:p>
@@ -12149,7 +12369,7 @@
         </p:nvSpPr>
         <p:spPr>
           <a:xfrm>
-            <a:off x="4754880" y="622080"/>
+            <a:off x="4345200" y="561176"/>
             <a:ext cx="3792960" cy="3858480"/>
           </a:xfrm>
           <a:prstGeom prst="rect">
@@ -12184,22 +12404,32 @@
             <a:r>
               <a:rPr lang="en-US" sz="1000" b="0" strike="noStrike" spc="-1" dirty="0" err="1">
                 <a:solidFill>
+                  <a:srgbClr val="FF0000"/>
+                </a:solidFill>
+                <a:latin typeface="Lato"/>
+                <a:ea typeface="Lato"/>
+              </a:rPr>
+              <a:t>def</a:t>
+            </a:r>
+            <a:r>
+              <a:rPr lang="en-US" sz="1000" b="0" strike="noStrike" spc="-1" dirty="0">
+                <a:solidFill>
+                  <a:srgbClr val="FF0000"/>
+                </a:solidFill>
+                <a:latin typeface="Lato"/>
+                <a:ea typeface="Lato"/>
+              </a:rPr>
+              <a:t> </a:t>
+            </a:r>
+            <a:r>
+              <a:rPr lang="en-US" sz="1000" b="0" strike="noStrike" spc="-1" dirty="0">
+                <a:solidFill>
                   <a:srgbClr val="21409A"/>
                 </a:solidFill>
                 <a:latin typeface="Lato"/>
                 <a:ea typeface="Lato"/>
               </a:rPr>
-              <a:t>def</a:t>
-            </a:r>
-            <a:r>
-              <a:rPr lang="en-US" sz="1000" b="0" strike="noStrike" spc="-1" dirty="0">
-                <a:solidFill>
-                  <a:srgbClr val="21409A"/>
-                </a:solidFill>
-                <a:latin typeface="Lato"/>
-                <a:ea typeface="Lato"/>
-              </a:rPr>
-              <a:t> fib(n):</a:t>
+              <a:t>fib(n):</a:t>
             </a:r>
             <a:endParaRPr lang="en-US" sz="1000" b="0" strike="noStrike" spc="-1" dirty="0">
               <a:solidFill>
@@ -12320,7 +12550,27 @@
                 <a:latin typeface="Lato"/>
                 <a:ea typeface="Lato"/>
               </a:rPr>
-              <a:t>, b = 0, 1              #Note multiple </a:t>
+              <a:t>, b = 0, 1    </a:t>
+            </a:r>
+            <a:r>
+              <a:rPr lang="en-US" sz="1000" b="0" strike="noStrike" spc="-1" dirty="0" smtClean="0">
+                <a:solidFill>
+                  <a:srgbClr val="21409A"/>
+                </a:solidFill>
+                <a:latin typeface="Lato"/>
+                <a:ea typeface="Lato"/>
+              </a:rPr>
+              <a:t>#</a:t>
+            </a:r>
+            <a:r>
+              <a:rPr lang="en-US" sz="1000" b="0" strike="noStrike" spc="-1" dirty="0">
+                <a:solidFill>
+                  <a:srgbClr val="21409A"/>
+                </a:solidFill>
+                <a:latin typeface="Lato"/>
+                <a:ea typeface="Lato"/>
+              </a:rPr>
+              <a:t>Note multiple </a:t>
             </a:r>
             <a:r>
               <a:rPr lang="en-US" sz="1000" b="0" strike="noStrike" spc="-1" dirty="0" smtClean="0">
@@ -12683,15 +12933,17 @@
         </p:nvSpPr>
         <p:spPr>
           <a:xfrm>
-            <a:off x="7601040" y="2651760"/>
-            <a:ext cx="1542960" cy="2432520"/>
+            <a:off x="6981713" y="534600"/>
+            <a:ext cx="2162287" cy="4549680"/>
           </a:xfrm>
           <a:prstGeom prst="rect">
             <a:avLst/>
           </a:prstGeom>
           <a:noFill/>
           <a:ln>
-            <a:noFill/>
+            <a:solidFill>
+              <a:schemeClr val="tx2"/>
+            </a:solidFill>
           </a:ln>
         </p:spPr>
         <p:style>
@@ -12712,34 +12964,44 @@
           <a:p>
             <a:pPr>
               <a:lnSpc>
-                <a:spcPct val="115000"/>
-              </a:lnSpc>
-            </a:pPr>
-            <a:r>
-              <a:rPr lang="en-US" sz="1300" b="0" strike="noStrike" spc="-1">
-                <a:solidFill>
-                  <a:srgbClr val="595959"/>
+                <a:spcPts val="200"/>
+              </a:lnSpc>
+            </a:pPr>
+            <a:r>
+              <a:rPr lang="en-US" sz="1300" b="1" strike="noStrike" spc="-1" dirty="0">
+                <a:solidFill>
+                  <a:srgbClr val="00B0F0"/>
                 </a:solidFill>
                 <a:latin typeface="Lato"/>
                 <a:ea typeface="Lato"/>
               </a:rPr>
-              <a:t>fib(10)</a:t>
-            </a:r>
-            <a:endParaRPr lang="en-US" sz="1300" b="0" strike="noStrike" spc="-1">
-              <a:latin typeface="Arial"/>
-            </a:endParaRPr>
-          </a:p>
-          <a:p>
-            <a:pPr>
-              <a:lnSpc>
-                <a:spcPct val="115000"/>
+              <a:t>fib</a:t>
+            </a:r>
+            <a:r>
+              <a:rPr lang="en-US" sz="1300" b="0" strike="noStrike" spc="-1" dirty="0">
+                <a:solidFill>
+                  <a:srgbClr val="595959"/>
+                </a:solidFill>
+                <a:latin typeface="Lato"/>
+                <a:ea typeface="Lato"/>
+              </a:rPr>
+              <a:t>(10)</a:t>
+            </a:r>
+            <a:endParaRPr lang="en-US" sz="1300" b="0" strike="noStrike" spc="-1" dirty="0">
+              <a:latin typeface="Arial"/>
+            </a:endParaRPr>
+          </a:p>
+          <a:p>
+            <a:pPr>
+              <a:lnSpc>
+                <a:spcPts val="200"/>
               </a:lnSpc>
               <a:spcBef>
                 <a:spcPts val="1599"/>
               </a:spcBef>
             </a:pPr>
             <a:r>
-              <a:rPr lang="en-US" sz="1300" b="0" strike="noStrike" spc="-1">
+              <a:rPr lang="en-US" sz="1300" b="0" strike="noStrike" spc="-1" dirty="0">
                 <a:solidFill>
                   <a:srgbClr val="595959"/>
                 </a:solidFill>
@@ -12748,21 +13010,21 @@
               </a:rPr>
               <a:t>fib</a:t>
             </a:r>
-            <a:endParaRPr lang="en-US" sz="1300" b="0" strike="noStrike" spc="-1">
-              <a:latin typeface="Arial"/>
-            </a:endParaRPr>
-          </a:p>
-          <a:p>
-            <a:pPr>
-              <a:lnSpc>
-                <a:spcPct val="115000"/>
+            <a:endParaRPr lang="en-US" sz="1300" b="0" strike="noStrike" spc="-1" dirty="0">
+              <a:latin typeface="Arial"/>
+            </a:endParaRPr>
+          </a:p>
+          <a:p>
+            <a:pPr>
+              <a:lnSpc>
+                <a:spcPts val="200"/>
               </a:lnSpc>
               <a:spcBef>
                 <a:spcPts val="1599"/>
               </a:spcBef>
             </a:pPr>
             <a:r>
-              <a:rPr lang="en-US" sz="1300" b="0" strike="noStrike" spc="-1">
+              <a:rPr lang="en-US" sz="1300" b="0" strike="noStrike" spc="-1" dirty="0">
                 <a:solidFill>
                   <a:srgbClr val="595959"/>
                 </a:solidFill>
@@ -12771,21 +13033,21 @@
               </a:rPr>
               <a:t>id(fib)</a:t>
             </a:r>
-            <a:endParaRPr lang="en-US" sz="1300" b="0" strike="noStrike" spc="-1">
-              <a:latin typeface="Arial"/>
-            </a:endParaRPr>
-          </a:p>
-          <a:p>
-            <a:pPr>
-              <a:lnSpc>
-                <a:spcPct val="115000"/>
+            <a:endParaRPr lang="en-US" sz="1300" b="0" strike="noStrike" spc="-1" dirty="0">
+              <a:latin typeface="Arial"/>
+            </a:endParaRPr>
+          </a:p>
+          <a:p>
+            <a:pPr>
+              <a:lnSpc>
+                <a:spcPts val="200"/>
               </a:lnSpc>
               <a:spcBef>
                 <a:spcPts val="1599"/>
               </a:spcBef>
             </a:pPr>
             <a:r>
-              <a:rPr lang="en-US" sz="1300" b="0" strike="noStrike" spc="-1">
+              <a:rPr lang="en-US" sz="1300" b="0" strike="noStrike" spc="-1" dirty="0">
                 <a:solidFill>
                   <a:srgbClr val="595959"/>
                 </a:solidFill>
@@ -12794,21 +13056,21 @@
               </a:rPr>
               <a:t>f = fib</a:t>
             </a:r>
-            <a:endParaRPr lang="en-US" sz="1300" b="0" strike="noStrike" spc="-1">
-              <a:latin typeface="Arial"/>
-            </a:endParaRPr>
-          </a:p>
-          <a:p>
-            <a:pPr>
-              <a:lnSpc>
-                <a:spcPct val="115000"/>
+            <a:endParaRPr lang="en-US" sz="1300" b="0" strike="noStrike" spc="-1" dirty="0">
+              <a:latin typeface="Arial"/>
+            </a:endParaRPr>
+          </a:p>
+          <a:p>
+            <a:pPr>
+              <a:lnSpc>
+                <a:spcPts val="200"/>
               </a:lnSpc>
               <a:spcBef>
                 <a:spcPts val="1599"/>
               </a:spcBef>
             </a:pPr>
             <a:r>
-              <a:rPr lang="en-US" sz="1300" b="0" strike="noStrike" spc="-1">
+              <a:rPr lang="en-US" sz="1300" b="0" strike="noStrike" spc="-1" dirty="0">
                 <a:solidFill>
                   <a:srgbClr val="595959"/>
                 </a:solidFill>
@@ -12817,20 +13079,128 @@
               </a:rPr>
               <a:t>f(100)</a:t>
             </a:r>
-            <a:endParaRPr lang="en-US" sz="1300" b="0" strike="noStrike" spc="-1">
-              <a:latin typeface="Arial"/>
-            </a:endParaRPr>
-          </a:p>
-          <a:p>
-            <a:pPr>
-              <a:lnSpc>
-                <a:spcPct val="100000"/>
+            <a:endParaRPr lang="en-US" sz="1300" b="0" strike="noStrike" spc="-1" dirty="0">
+              <a:latin typeface="Arial"/>
+            </a:endParaRPr>
+          </a:p>
+          <a:p>
+            <a:pPr>
+              <a:lnSpc>
+                <a:spcPts val="200"/>
               </a:lnSpc>
               <a:spcBef>
                 <a:spcPts val="1599"/>
               </a:spcBef>
             </a:pPr>
-            <a:endParaRPr lang="en-US" sz="1300" b="0" strike="noStrike" spc="-1">
+            <a:endParaRPr lang="en-US" sz="1300" spc="-1" dirty="0" smtClean="0">
+              <a:latin typeface="Arial"/>
+            </a:endParaRPr>
+          </a:p>
+          <a:p>
+            <a:pPr>
+              <a:lnSpc>
+                <a:spcPts val="200"/>
+              </a:lnSpc>
+              <a:spcBef>
+                <a:spcPts val="1599"/>
+              </a:spcBef>
+            </a:pPr>
+            <a:endParaRPr lang="en-US" sz="1300" spc="-1" dirty="0">
+              <a:latin typeface="Arial"/>
+            </a:endParaRPr>
+          </a:p>
+          <a:p>
+            <a:pPr>
+              <a:lnSpc>
+                <a:spcPts val="200"/>
+              </a:lnSpc>
+              <a:spcBef>
+                <a:spcPts val="1599"/>
+              </a:spcBef>
+            </a:pPr>
+            <a:endParaRPr lang="en-US" sz="1300" spc="-1" dirty="0" smtClean="0">
+              <a:latin typeface="Arial"/>
+            </a:endParaRPr>
+          </a:p>
+          <a:p>
+            <a:pPr>
+              <a:lnSpc>
+                <a:spcPts val="200"/>
+              </a:lnSpc>
+              <a:spcBef>
+                <a:spcPts val="1599"/>
+              </a:spcBef>
+            </a:pPr>
+            <a:endParaRPr lang="en-US" sz="1300" spc="-1" dirty="0">
+              <a:latin typeface="Arial"/>
+            </a:endParaRPr>
+          </a:p>
+          <a:p>
+            <a:pPr>
+              <a:lnSpc>
+                <a:spcPts val="200"/>
+              </a:lnSpc>
+              <a:spcBef>
+                <a:spcPts val="1599"/>
+              </a:spcBef>
+            </a:pPr>
+            <a:r>
+              <a:rPr lang="en-US" sz="1300" spc="-1" dirty="0" smtClean="0">
+                <a:latin typeface="Arial"/>
+              </a:rPr>
+              <a:t>Try </a:t>
+            </a:r>
+            <a:r>
+              <a:rPr lang="en-US" sz="1300" spc="-1" dirty="0" err="1" smtClean="0">
+                <a:latin typeface="Arial"/>
+              </a:rPr>
+              <a:t>Builtin</a:t>
+            </a:r>
+            <a:r>
+              <a:rPr lang="en-US" sz="1300" spc="-1" dirty="0" smtClean="0">
+                <a:latin typeface="Arial"/>
+              </a:rPr>
+              <a:t> functions:</a:t>
+            </a:r>
+          </a:p>
+          <a:p>
+            <a:pPr>
+              <a:lnSpc>
+                <a:spcPts val="200"/>
+              </a:lnSpc>
+              <a:spcBef>
+                <a:spcPts val="1599"/>
+              </a:spcBef>
+            </a:pPr>
+            <a:r>
+              <a:rPr lang="en-US" sz="1300" b="0" strike="noStrike" spc="-1" dirty="0" err="1" smtClean="0">
+                <a:latin typeface="Arial"/>
+              </a:rPr>
+              <a:t>dir</a:t>
+            </a:r>
+            <a:r>
+              <a:rPr lang="en-US" sz="1300" b="0" strike="noStrike" spc="-1" dirty="0" smtClean="0">
+                <a:latin typeface="Arial"/>
+              </a:rPr>
+              <a:t>()</a:t>
+            </a:r>
+          </a:p>
+          <a:p>
+            <a:pPr>
+              <a:lnSpc>
+                <a:spcPts val="200"/>
+              </a:lnSpc>
+              <a:spcBef>
+                <a:spcPts val="1599"/>
+              </a:spcBef>
+            </a:pPr>
+            <a:r>
+              <a:rPr lang="en-US" sz="1300" spc="-1" dirty="0" smtClean="0">
+                <a:latin typeface="Arial"/>
+              </a:rPr>
+              <a:t>exec(open(“fib.py”).read())</a:t>
+            </a:r>
+            <a:endParaRPr lang="en-US" sz="1300" b="0" strike="noStrike" spc="-1" dirty="0" smtClean="0">
               <a:latin typeface="Arial"/>
             </a:endParaRPr>
           </a:p>
@@ -13423,6 +13793,8434 @@
   <p:clrMapOvr>
     <a:masterClrMapping/>
   </p:clrMapOvr>
+</p:sld>
+</file>
+
+<file path=ppt/slides/slide20.xml><?xml version="1.0" encoding="utf-8"?>
+<p:sld xmlns:a="http://schemas.openxmlformats.org/drawingml/2006/main" xmlns:r="http://schemas.openxmlformats.org/officeDocument/2006/relationships" xmlns:p="http://schemas.openxmlformats.org/presentationml/2006/main">
+  <p:cSld>
+    <p:spTree>
+      <p:nvGrpSpPr>
+        <p:cNvPr id="1" name=""/>
+        <p:cNvGrpSpPr/>
+        <p:nvPr/>
+      </p:nvGrpSpPr>
+      <p:grpSpPr>
+        <a:xfrm>
+          <a:off x="0" y="0"/>
+          <a:ext cx="0" cy="0"/>
+          <a:chOff x="0" y="0"/>
+          <a:chExt cx="0" cy="0"/>
+        </a:xfrm>
+      </p:grpSpPr>
+      <p:sp>
+        <p:nvSpPr>
+          <p:cNvPr id="153" name="CustomShape 1"/>
+          <p:cNvSpPr/>
+          <p:nvPr/>
+        </p:nvSpPr>
+        <p:spPr>
+          <a:xfrm>
+            <a:off x="450000" y="0"/>
+            <a:ext cx="7688160" cy="534600"/>
+          </a:xfrm>
+          <a:prstGeom prst="rect">
+            <a:avLst/>
+          </a:prstGeom>
+          <a:noFill/>
+          <a:ln>
+            <a:noFill/>
+          </a:ln>
+        </p:spPr>
+        <p:style>
+          <a:lnRef idx="0">
+            <a:scrgbClr r="0" g="0" b="0"/>
+          </a:lnRef>
+          <a:fillRef idx="0">
+            <a:scrgbClr r="0" g="0" b="0"/>
+          </a:fillRef>
+          <a:effectRef idx="0">
+            <a:scrgbClr r="0" g="0" b="0"/>
+          </a:effectRef>
+          <a:fontRef idx="minor"/>
+        </p:style>
+        <p:txBody>
+          <a:bodyPr lIns="90000" tIns="91440" rIns="90000" bIns="91440"/>
+          <a:lstStyle/>
+          <a:p>
+            <a:pPr>
+              <a:lnSpc>
+                <a:spcPct val="100000"/>
+              </a:lnSpc>
+            </a:pPr>
+            <a:r>
+              <a:rPr lang="en-US" sz="2600" b="1" strike="noStrike" spc="-1" dirty="0">
+                <a:solidFill>
+                  <a:srgbClr val="1A1A1A"/>
+                </a:solidFill>
+                <a:latin typeface="Raleway"/>
+                <a:ea typeface="Raleway"/>
+              </a:rPr>
+              <a:t>Basic Python - cont. </a:t>
+            </a:r>
+            <a:r>
+              <a:rPr dirty="0"/>
+              <a:t/>
+            </a:r>
+            <a:br>
+              <a:rPr dirty="0"/>
+            </a:br>
+            <a:endParaRPr lang="en-US" sz="2600" b="0" strike="noStrike" spc="-1" dirty="0">
+              <a:latin typeface="Arial"/>
+            </a:endParaRPr>
+          </a:p>
+        </p:txBody>
+      </p:sp>
+      <p:sp>
+        <p:nvSpPr>
+          <p:cNvPr id="154" name="CustomShape 2"/>
+          <p:cNvSpPr/>
+          <p:nvPr/>
+        </p:nvSpPr>
+        <p:spPr>
+          <a:xfrm>
+            <a:off x="395640" y="592560"/>
+            <a:ext cx="4606666" cy="4420504"/>
+          </a:xfrm>
+          <a:prstGeom prst="rect">
+            <a:avLst/>
+          </a:prstGeom>
+          <a:noFill/>
+          <a:ln>
+            <a:noFill/>
+          </a:ln>
+        </p:spPr>
+        <p:style>
+          <a:lnRef idx="0">
+            <a:scrgbClr r="0" g="0" b="0"/>
+          </a:lnRef>
+          <a:fillRef idx="0">
+            <a:scrgbClr r="0" g="0" b="0"/>
+          </a:fillRef>
+          <a:effectRef idx="0">
+            <a:scrgbClr r="0" g="0" b="0"/>
+          </a:effectRef>
+          <a:fontRef idx="minor"/>
+        </p:style>
+        <p:txBody>
+          <a:bodyPr lIns="90000" tIns="91440" rIns="90000" bIns="91440"/>
+          <a:lstStyle/>
+          <a:p>
+            <a:pPr>
+              <a:lnSpc>
+                <a:spcPct val="50000"/>
+              </a:lnSpc>
+            </a:pPr>
+            <a:r>
+              <a:rPr lang="en-US" sz="1300" b="1" strike="noStrike" spc="-1" dirty="0" smtClean="0">
+                <a:solidFill>
+                  <a:srgbClr val="595959"/>
+                </a:solidFill>
+                <a:latin typeface="Lato"/>
+                <a:ea typeface="Lato"/>
+              </a:rPr>
+              <a:t>Modules </a:t>
+            </a:r>
+            <a:endParaRPr lang="en-US" sz="1300" b="1" strike="noStrike" spc="-1" dirty="0">
+              <a:latin typeface="Arial"/>
+            </a:endParaRPr>
+          </a:p>
+          <a:p>
+            <a:pPr>
+              <a:lnSpc>
+                <a:spcPct val="50000"/>
+              </a:lnSpc>
+              <a:spcBef>
+                <a:spcPts val="1599"/>
+              </a:spcBef>
+            </a:pPr>
+            <a:r>
+              <a:rPr lang="en-US" sz="1300" b="0" strike="noStrike" spc="-1" dirty="0" smtClean="0">
+                <a:solidFill>
+                  <a:srgbClr val="FF0000"/>
+                </a:solidFill>
+                <a:latin typeface="Lato"/>
+                <a:ea typeface="Lato"/>
+              </a:rPr>
+              <a:t>import</a:t>
+            </a:r>
+            <a:r>
+              <a:rPr lang="en-US" sz="1300" b="0" strike="noStrike" spc="-1" dirty="0" smtClean="0">
+                <a:solidFill>
+                  <a:srgbClr val="595959"/>
+                </a:solidFill>
+                <a:latin typeface="Lato"/>
+                <a:ea typeface="Lato"/>
+              </a:rPr>
+              <a:t> </a:t>
+            </a:r>
+            <a:r>
+              <a:rPr lang="en-US" sz="1300" b="1" strike="noStrike" spc="-1" dirty="0" smtClean="0">
+                <a:solidFill>
+                  <a:srgbClr val="595959"/>
+                </a:solidFill>
+                <a:latin typeface="Lato"/>
+                <a:ea typeface="Lato"/>
+              </a:rPr>
+              <a:t>math</a:t>
+            </a:r>
+            <a:r>
+              <a:rPr lang="en-US" sz="1300" b="0" strike="noStrike" spc="-1" dirty="0" smtClean="0">
+                <a:solidFill>
+                  <a:srgbClr val="595959"/>
+                </a:solidFill>
+                <a:latin typeface="Lato"/>
+                <a:ea typeface="Lato"/>
+              </a:rPr>
+              <a:t>		</a:t>
+            </a:r>
+            <a:r>
+              <a:rPr lang="en-US" sz="1300" b="0" strike="noStrike" spc="-1" dirty="0" smtClean="0">
+                <a:solidFill>
+                  <a:srgbClr val="FF0000"/>
+                </a:solidFill>
+                <a:latin typeface="Lato"/>
+                <a:ea typeface="Lato"/>
+              </a:rPr>
+              <a:t>import</a:t>
+            </a:r>
+            <a:r>
+              <a:rPr lang="en-US" sz="1300" b="0" strike="noStrike" spc="-1" dirty="0" smtClean="0">
+                <a:solidFill>
+                  <a:srgbClr val="595959"/>
+                </a:solidFill>
+                <a:latin typeface="Lato"/>
+                <a:ea typeface="Lato"/>
+              </a:rPr>
+              <a:t> </a:t>
+            </a:r>
+            <a:r>
+              <a:rPr lang="en-US" sz="1300" b="1" strike="noStrike" spc="-1" dirty="0" smtClean="0">
+                <a:solidFill>
+                  <a:srgbClr val="595959"/>
+                </a:solidFill>
+                <a:latin typeface="Lato"/>
+                <a:ea typeface="Lato"/>
+              </a:rPr>
+              <a:t>math as m</a:t>
+            </a:r>
+            <a:endParaRPr lang="en-US" sz="1300" b="1" spc="-1" dirty="0">
+              <a:latin typeface="Arial"/>
+            </a:endParaRPr>
+          </a:p>
+          <a:p>
+            <a:pPr>
+              <a:lnSpc>
+                <a:spcPct val="50000"/>
+              </a:lnSpc>
+              <a:spcBef>
+                <a:spcPts val="1599"/>
+              </a:spcBef>
+            </a:pPr>
+            <a:r>
+              <a:rPr lang="en-US" sz="1300" b="0" strike="noStrike" spc="-1" dirty="0" smtClean="0">
+                <a:solidFill>
+                  <a:srgbClr val="595959"/>
+                </a:solidFill>
+                <a:latin typeface="Arial"/>
+                <a:ea typeface="Lato"/>
+              </a:rPr>
+              <a:t>help(math)</a:t>
+            </a:r>
+            <a:r>
+              <a:rPr lang="en-US" sz="1300" b="0" strike="noStrike" spc="-1" dirty="0" smtClean="0">
+                <a:solidFill>
+                  <a:srgbClr val="595959"/>
+                </a:solidFill>
+                <a:latin typeface="Lato"/>
+                <a:ea typeface="Lato"/>
+              </a:rPr>
+              <a:t> 		help(m)</a:t>
+            </a:r>
+          </a:p>
+          <a:p>
+            <a:pPr>
+              <a:lnSpc>
+                <a:spcPct val="50000"/>
+              </a:lnSpc>
+              <a:spcBef>
+                <a:spcPts val="1599"/>
+              </a:spcBef>
+            </a:pPr>
+            <a:r>
+              <a:rPr lang="en-US" sz="1300" spc="-1" dirty="0" err="1" smtClean="0">
+                <a:solidFill>
+                  <a:srgbClr val="595959"/>
+                </a:solidFill>
+                <a:latin typeface="Lato"/>
+              </a:rPr>
+              <a:t>math.sqrt</a:t>
+            </a:r>
+            <a:r>
+              <a:rPr lang="en-US" sz="1300" spc="-1" dirty="0" smtClean="0">
+                <a:solidFill>
+                  <a:srgbClr val="595959"/>
+                </a:solidFill>
+                <a:latin typeface="Lato"/>
+              </a:rPr>
+              <a:t>(20)	</a:t>
+            </a:r>
+            <a:r>
+              <a:rPr lang="en-US" sz="1300" spc="-1" dirty="0" err="1" smtClean="0">
+                <a:solidFill>
+                  <a:srgbClr val="595959"/>
+                </a:solidFill>
+                <a:latin typeface="Lato"/>
+              </a:rPr>
+              <a:t>m.sqrt</a:t>
+            </a:r>
+            <a:r>
+              <a:rPr lang="en-US" sz="1300" spc="-1" dirty="0" smtClean="0">
+                <a:solidFill>
+                  <a:srgbClr val="595959"/>
+                </a:solidFill>
+                <a:latin typeface="Lato"/>
+              </a:rPr>
+              <a:t>(20)</a:t>
+            </a:r>
+          </a:p>
+          <a:p>
+            <a:pPr>
+              <a:lnSpc>
+                <a:spcPct val="50000"/>
+              </a:lnSpc>
+              <a:spcBef>
+                <a:spcPts val="1599"/>
+              </a:spcBef>
+            </a:pPr>
+            <a:r>
+              <a:rPr lang="en-US" sz="1300" spc="-1" dirty="0" err="1" smtClean="0">
+                <a:solidFill>
+                  <a:srgbClr val="595959"/>
+                </a:solidFill>
+                <a:latin typeface="Lato"/>
+              </a:rPr>
+              <a:t>math.pi</a:t>
+            </a:r>
+            <a:r>
+              <a:rPr lang="en-US" sz="1300" spc="-1" dirty="0" smtClean="0">
+                <a:solidFill>
+                  <a:srgbClr val="595959"/>
+                </a:solidFill>
+                <a:latin typeface="Lato"/>
+              </a:rPr>
+              <a:t>		</a:t>
+            </a:r>
+            <a:r>
+              <a:rPr lang="en-US" sz="1300" spc="-1" dirty="0" err="1" smtClean="0">
+                <a:solidFill>
+                  <a:srgbClr val="595959"/>
+                </a:solidFill>
+                <a:latin typeface="Lato"/>
+              </a:rPr>
+              <a:t>m.pi</a:t>
+            </a:r>
+            <a:endParaRPr lang="en-US" sz="1300" spc="-1" dirty="0" smtClean="0">
+              <a:solidFill>
+                <a:srgbClr val="595959"/>
+              </a:solidFill>
+              <a:latin typeface="Lato"/>
+            </a:endParaRPr>
+          </a:p>
+          <a:p>
+            <a:pPr>
+              <a:lnSpc>
+                <a:spcPct val="50000"/>
+              </a:lnSpc>
+              <a:spcBef>
+                <a:spcPts val="1599"/>
+              </a:spcBef>
+            </a:pPr>
+            <a:r>
+              <a:rPr lang="en-US" sz="1300" b="1" spc="-1" dirty="0" smtClean="0">
+                <a:solidFill>
+                  <a:srgbClr val="595959"/>
+                </a:solidFill>
+                <a:latin typeface="Lato"/>
+              </a:rPr>
+              <a:t># only import what you need!</a:t>
+            </a:r>
+          </a:p>
+          <a:p>
+            <a:pPr>
+              <a:lnSpc>
+                <a:spcPct val="50000"/>
+              </a:lnSpc>
+              <a:spcBef>
+                <a:spcPts val="1599"/>
+              </a:spcBef>
+            </a:pPr>
+            <a:r>
+              <a:rPr lang="en-US" sz="1300" spc="-1" dirty="0" smtClean="0">
+                <a:solidFill>
+                  <a:srgbClr val="595959"/>
+                </a:solidFill>
+                <a:latin typeface="Lato"/>
+              </a:rPr>
+              <a:t>from math import </a:t>
+            </a:r>
+            <a:r>
+              <a:rPr lang="en-US" sz="1300" spc="-1" dirty="0" err="1" smtClean="0">
+                <a:solidFill>
+                  <a:srgbClr val="595959"/>
+                </a:solidFill>
+                <a:latin typeface="Lato"/>
+              </a:rPr>
+              <a:t>sqrt</a:t>
+            </a:r>
+            <a:r>
+              <a:rPr lang="en-US" sz="1300" spc="-1" dirty="0" smtClean="0">
+                <a:solidFill>
+                  <a:srgbClr val="595959"/>
+                </a:solidFill>
+                <a:latin typeface="Lato"/>
+              </a:rPr>
+              <a:t>, pi</a:t>
+            </a:r>
+          </a:p>
+          <a:p>
+            <a:pPr>
+              <a:lnSpc>
+                <a:spcPct val="0"/>
+              </a:lnSpc>
+              <a:spcBef>
+                <a:spcPts val="1599"/>
+              </a:spcBef>
+            </a:pPr>
+            <a:r>
+              <a:rPr lang="en-US" sz="1300" b="0" strike="noStrike" spc="-1" dirty="0" err="1" smtClean="0">
+                <a:latin typeface="Arial"/>
+              </a:rPr>
+              <a:t>sqrt</a:t>
+            </a:r>
+            <a:r>
+              <a:rPr lang="en-US" sz="1300" b="0" strike="noStrike" spc="-1" dirty="0" smtClean="0">
+                <a:latin typeface="Arial"/>
+              </a:rPr>
+              <a:t>(9)</a:t>
+            </a:r>
+          </a:p>
+          <a:p>
+            <a:pPr>
+              <a:lnSpc>
+                <a:spcPct val="0"/>
+              </a:lnSpc>
+              <a:spcBef>
+                <a:spcPts val="1599"/>
+              </a:spcBef>
+            </a:pPr>
+            <a:endParaRPr lang="en-US" sz="1300" spc="-1" dirty="0" smtClean="0">
+              <a:latin typeface="Arial"/>
+            </a:endParaRPr>
+          </a:p>
+          <a:p>
+            <a:pPr>
+              <a:lnSpc>
+                <a:spcPct val="0"/>
+              </a:lnSpc>
+              <a:spcBef>
+                <a:spcPts val="1599"/>
+              </a:spcBef>
+            </a:pPr>
+            <a:r>
+              <a:rPr lang="en-US" sz="1300" spc="-1" dirty="0" smtClean="0">
+                <a:latin typeface="Arial"/>
+              </a:rPr>
+              <a:t>pi</a:t>
+            </a:r>
+          </a:p>
+          <a:p>
+            <a:pPr>
+              <a:lnSpc>
+                <a:spcPct val="0"/>
+              </a:lnSpc>
+              <a:spcBef>
+                <a:spcPts val="1599"/>
+              </a:spcBef>
+            </a:pPr>
+            <a:endParaRPr lang="en-US" sz="1300" b="0" strike="noStrike" spc="-1" dirty="0">
+              <a:latin typeface="Arial"/>
+            </a:endParaRPr>
+          </a:p>
+          <a:p>
+            <a:pPr>
+              <a:lnSpc>
+                <a:spcPct val="0"/>
+              </a:lnSpc>
+              <a:spcBef>
+                <a:spcPts val="1599"/>
+              </a:spcBef>
+            </a:pPr>
+            <a:endParaRPr lang="en-US" sz="1300" spc="-1" dirty="0" smtClean="0">
+              <a:latin typeface="Arial"/>
+            </a:endParaRPr>
+          </a:p>
+          <a:p>
+            <a:pPr>
+              <a:lnSpc>
+                <a:spcPct val="0"/>
+              </a:lnSpc>
+              <a:spcBef>
+                <a:spcPts val="1599"/>
+              </a:spcBef>
+            </a:pPr>
+            <a:endParaRPr lang="en-US" sz="1300" b="0" strike="noStrike" spc="-1" dirty="0">
+              <a:latin typeface="Arial"/>
+            </a:endParaRPr>
+          </a:p>
+          <a:p>
+            <a:pPr>
+              <a:lnSpc>
+                <a:spcPct val="0"/>
+              </a:lnSpc>
+              <a:spcBef>
+                <a:spcPts val="1599"/>
+              </a:spcBef>
+            </a:pPr>
+            <a:endParaRPr lang="en-US" sz="1300" spc="-1" dirty="0" smtClean="0">
+              <a:latin typeface="Arial"/>
+            </a:endParaRPr>
+          </a:p>
+          <a:p>
+            <a:pPr>
+              <a:lnSpc>
+                <a:spcPct val="0"/>
+              </a:lnSpc>
+              <a:spcBef>
+                <a:spcPts val="1599"/>
+              </a:spcBef>
+            </a:pPr>
+            <a:endParaRPr lang="en-US" sz="1300" b="0" strike="noStrike" spc="-1" dirty="0">
+              <a:latin typeface="Arial"/>
+            </a:endParaRPr>
+          </a:p>
+          <a:p>
+            <a:pPr>
+              <a:lnSpc>
+                <a:spcPct val="0"/>
+              </a:lnSpc>
+              <a:spcBef>
+                <a:spcPts val="1599"/>
+              </a:spcBef>
+            </a:pPr>
+            <a:r>
+              <a:rPr lang="en-US" sz="1300" spc="-1" dirty="0" smtClean="0">
+                <a:latin typeface="Arial"/>
+              </a:rPr>
+              <a:t>Full list of python modules</a:t>
+            </a:r>
+          </a:p>
+          <a:p>
+            <a:pPr>
+              <a:lnSpc>
+                <a:spcPct val="0"/>
+              </a:lnSpc>
+              <a:spcBef>
+                <a:spcPts val="1599"/>
+              </a:spcBef>
+            </a:pPr>
+            <a:r>
+              <a:rPr lang="en-US" sz="1300" spc="-1" dirty="0">
+                <a:hlinkClick r:id="rId2"/>
+              </a:rPr>
+              <a:t>https://</a:t>
+            </a:r>
+            <a:r>
+              <a:rPr lang="en-US" sz="1300" spc="-1" dirty="0" smtClean="0">
+                <a:hlinkClick r:id="rId2"/>
+              </a:rPr>
+              <a:t>docs.python.org/release/3.3.7/py-modindex.htm</a:t>
+            </a:r>
+            <a:endParaRPr lang="en-US" sz="1300" spc="-1" dirty="0" smtClean="0"/>
+          </a:p>
+          <a:p>
+            <a:pPr>
+              <a:lnSpc>
+                <a:spcPct val="0"/>
+              </a:lnSpc>
+              <a:spcBef>
+                <a:spcPts val="1599"/>
+              </a:spcBef>
+            </a:pPr>
+            <a:r>
+              <a:rPr lang="en-US" sz="1300" spc="-1" dirty="0" smtClean="0"/>
+              <a:t>l</a:t>
+            </a:r>
+            <a:endParaRPr lang="en-US" sz="1300" b="0" strike="noStrike" spc="-1" dirty="0">
+              <a:latin typeface="Arial"/>
+            </a:endParaRPr>
+          </a:p>
+        </p:txBody>
+      </p:sp>
+      <p:sp>
+        <p:nvSpPr>
+          <p:cNvPr id="155" name="CustomShape 3"/>
+          <p:cNvSpPr/>
+          <p:nvPr/>
+        </p:nvSpPr>
+        <p:spPr>
+          <a:xfrm>
+            <a:off x="5002306" y="0"/>
+            <a:ext cx="3792960" cy="5143500"/>
+          </a:xfrm>
+          <a:prstGeom prst="rect">
+            <a:avLst/>
+          </a:prstGeom>
+          <a:noFill/>
+          <a:ln>
+            <a:solidFill>
+              <a:schemeClr val="tx2"/>
+            </a:solidFill>
+          </a:ln>
+        </p:spPr>
+        <p:style>
+          <a:lnRef idx="0">
+            <a:scrgbClr r="0" g="0" b="0"/>
+          </a:lnRef>
+          <a:fillRef idx="0">
+            <a:scrgbClr r="0" g="0" b="0"/>
+          </a:fillRef>
+          <a:effectRef idx="0">
+            <a:scrgbClr r="0" g="0" b="0"/>
+          </a:effectRef>
+          <a:fontRef idx="minor"/>
+        </p:style>
+        <p:txBody>
+          <a:bodyPr lIns="90000" tIns="91440" rIns="90000" bIns="91440"/>
+          <a:lstStyle/>
+          <a:p>
+            <a:pPr>
+              <a:lnSpc>
+                <a:spcPts val="865"/>
+              </a:lnSpc>
+            </a:pPr>
+            <a:r>
+              <a:rPr lang="en-US" sz="1400" spc="-1" dirty="0" smtClean="0">
+                <a:latin typeface="Lato"/>
+                <a:ea typeface="Noto Sans CJK SC Regular"/>
+              </a:rPr>
+              <a:t>We will import a module we created</a:t>
+            </a:r>
+          </a:p>
+          <a:p>
+            <a:pPr>
+              <a:lnSpc>
+                <a:spcPts val="865"/>
+              </a:lnSpc>
+            </a:pPr>
+            <a:endParaRPr lang="en-US" sz="1400" b="0" strike="noStrike" spc="-1" dirty="0">
+              <a:latin typeface="Lato"/>
+              <a:ea typeface="Noto Sans CJK SC Regular"/>
+            </a:endParaRPr>
+          </a:p>
+          <a:p>
+            <a:pPr>
+              <a:lnSpc>
+                <a:spcPts val="865"/>
+              </a:lnSpc>
+            </a:pPr>
+            <a:endParaRPr lang="en-US" sz="1400" spc="-1" dirty="0" smtClean="0">
+              <a:latin typeface="Lato"/>
+              <a:ea typeface="Noto Sans CJK SC Regular"/>
+            </a:endParaRPr>
+          </a:p>
+          <a:p>
+            <a:pPr>
+              <a:lnSpc>
+                <a:spcPts val="865"/>
+              </a:lnSpc>
+            </a:pPr>
+            <a:r>
+              <a:rPr lang="en-US" sz="1400" spc="-1" dirty="0" smtClean="0">
+                <a:latin typeface="Lato"/>
+                <a:ea typeface="Noto Sans CJK SC Regular"/>
+              </a:rPr>
+              <a:t>import </a:t>
+            </a:r>
+            <a:r>
+              <a:rPr lang="en-US" sz="1400" spc="-1" dirty="0" err="1" smtClean="0">
+                <a:latin typeface="Lato"/>
+                <a:ea typeface="Noto Sans CJK SC Regular"/>
+              </a:rPr>
+              <a:t>os</a:t>
+            </a:r>
+            <a:endParaRPr lang="en-US" sz="1400" spc="-1" dirty="0" smtClean="0">
+              <a:latin typeface="Lato"/>
+              <a:ea typeface="Noto Sans CJK SC Regular"/>
+            </a:endParaRPr>
+          </a:p>
+          <a:p>
+            <a:pPr>
+              <a:lnSpc>
+                <a:spcPts val="865"/>
+              </a:lnSpc>
+            </a:pPr>
+            <a:endParaRPr lang="en-US" sz="1400" b="0" strike="noStrike" spc="-1" dirty="0">
+              <a:latin typeface="Lato"/>
+              <a:ea typeface="Noto Sans CJK SC Regular"/>
+            </a:endParaRPr>
+          </a:p>
+          <a:p>
+            <a:pPr>
+              <a:lnSpc>
+                <a:spcPts val="865"/>
+              </a:lnSpc>
+            </a:pPr>
+            <a:endParaRPr lang="en-US" sz="1400" spc="-1" dirty="0" smtClean="0">
+              <a:latin typeface="Lato"/>
+              <a:ea typeface="Noto Sans CJK SC Regular"/>
+            </a:endParaRPr>
+          </a:p>
+          <a:p>
+            <a:pPr>
+              <a:lnSpc>
+                <a:spcPts val="865"/>
+              </a:lnSpc>
+            </a:pPr>
+            <a:r>
+              <a:rPr lang="en-US" sz="1400" spc="-1" dirty="0" err="1" smtClean="0">
+                <a:latin typeface="Lato"/>
+                <a:ea typeface="Noto Sans CJK SC Regular"/>
+              </a:rPr>
+              <a:t>os.chdir</a:t>
+            </a:r>
+            <a:r>
+              <a:rPr lang="en-US" sz="1400" spc="-1" dirty="0" smtClean="0">
+                <a:latin typeface="Lato"/>
+                <a:ea typeface="Noto Sans CJK SC Regular"/>
+              </a:rPr>
+              <a:t>(“file path to your fibonacci.py”)</a:t>
+            </a:r>
+          </a:p>
+          <a:p>
+            <a:pPr>
+              <a:lnSpc>
+                <a:spcPts val="865"/>
+              </a:lnSpc>
+            </a:pPr>
+            <a:endParaRPr lang="en-US" sz="1400" b="0" strike="noStrike" spc="-1" dirty="0">
+              <a:latin typeface="Lato"/>
+              <a:ea typeface="Noto Sans CJK SC Regular"/>
+            </a:endParaRPr>
+          </a:p>
+          <a:p>
+            <a:pPr>
+              <a:lnSpc>
+                <a:spcPts val="865"/>
+              </a:lnSpc>
+            </a:pPr>
+            <a:endParaRPr lang="en-US" sz="1400" spc="-1" dirty="0" smtClean="0">
+              <a:latin typeface="Lato"/>
+              <a:ea typeface="Noto Sans CJK SC Regular"/>
+            </a:endParaRPr>
+          </a:p>
+          <a:p>
+            <a:pPr>
+              <a:lnSpc>
+                <a:spcPts val="865"/>
+              </a:lnSpc>
+            </a:pPr>
+            <a:r>
+              <a:rPr lang="en-US" sz="1400" spc="-1" dirty="0" smtClean="0">
+                <a:latin typeface="Lato"/>
+                <a:ea typeface="Noto Sans CJK SC Regular"/>
+              </a:rPr>
+              <a:t>i</a:t>
+            </a:r>
+            <a:r>
+              <a:rPr lang="en-US" sz="1400" spc="-1" dirty="0" smtClean="0">
+                <a:latin typeface="Lato"/>
+                <a:ea typeface="Noto Sans CJK SC Regular"/>
+              </a:rPr>
+              <a:t>mport </a:t>
+            </a:r>
+            <a:r>
+              <a:rPr lang="en-US" sz="1400" spc="-1" dirty="0" err="1" smtClean="0">
+                <a:latin typeface="Lato"/>
+                <a:ea typeface="Noto Sans CJK SC Regular"/>
+              </a:rPr>
+              <a:t>fibonacci</a:t>
+            </a:r>
+            <a:r>
+              <a:rPr lang="en-US" sz="1400" spc="-1" dirty="0" smtClean="0">
+                <a:latin typeface="Lato"/>
+                <a:ea typeface="Noto Sans CJK SC Regular"/>
+              </a:rPr>
+              <a:t> as f</a:t>
+            </a:r>
+          </a:p>
+          <a:p>
+            <a:pPr>
+              <a:lnSpc>
+                <a:spcPts val="865"/>
+              </a:lnSpc>
+            </a:pPr>
+            <a:endParaRPr lang="en-US" sz="1400" b="0" strike="noStrike" spc="-1" dirty="0">
+              <a:latin typeface="Lato"/>
+              <a:ea typeface="Noto Sans CJK SC Regular"/>
+            </a:endParaRPr>
+          </a:p>
+          <a:p>
+            <a:pPr>
+              <a:lnSpc>
+                <a:spcPts val="865"/>
+              </a:lnSpc>
+            </a:pPr>
+            <a:endParaRPr lang="en-US" sz="1400" spc="-1" dirty="0" smtClean="0">
+              <a:latin typeface="Lato"/>
+              <a:ea typeface="Noto Sans CJK SC Regular"/>
+            </a:endParaRPr>
+          </a:p>
+          <a:p>
+            <a:pPr>
+              <a:lnSpc>
+                <a:spcPts val="865"/>
+              </a:lnSpc>
+            </a:pPr>
+            <a:r>
+              <a:rPr lang="en-US" sz="1400" spc="-1" dirty="0" smtClean="0">
+                <a:latin typeface="Lato"/>
+                <a:ea typeface="Noto Sans CJK SC Regular"/>
+              </a:rPr>
+              <a:t>h</a:t>
+            </a:r>
+            <a:r>
+              <a:rPr lang="en-US" sz="1400" spc="-1" dirty="0" smtClean="0">
+                <a:latin typeface="Lato"/>
+                <a:ea typeface="Noto Sans CJK SC Regular"/>
+              </a:rPr>
+              <a:t>elp(f)</a:t>
+            </a:r>
+          </a:p>
+          <a:p>
+            <a:pPr>
+              <a:lnSpc>
+                <a:spcPts val="865"/>
+              </a:lnSpc>
+            </a:pPr>
+            <a:endParaRPr lang="en-US" sz="1400" b="0" strike="noStrike" spc="-1" dirty="0">
+              <a:latin typeface="Lato"/>
+              <a:ea typeface="Noto Sans CJK SC Regular"/>
+            </a:endParaRPr>
+          </a:p>
+          <a:p>
+            <a:pPr>
+              <a:lnSpc>
+                <a:spcPts val="865"/>
+              </a:lnSpc>
+            </a:pPr>
+            <a:endParaRPr lang="en-US" sz="1400" spc="-1" dirty="0" smtClean="0">
+              <a:latin typeface="Lato"/>
+              <a:ea typeface="Noto Sans CJK SC Regular"/>
+            </a:endParaRPr>
+          </a:p>
+          <a:p>
+            <a:pPr>
+              <a:lnSpc>
+                <a:spcPts val="865"/>
+              </a:lnSpc>
+            </a:pPr>
+            <a:r>
+              <a:rPr lang="en-US" sz="1400" spc="-1" dirty="0" err="1" smtClean="0">
+                <a:latin typeface="Lato"/>
+                <a:ea typeface="Noto Sans CJK SC Regular"/>
+              </a:rPr>
+              <a:t>f.fib</a:t>
+            </a:r>
+            <a:r>
+              <a:rPr lang="en-US" sz="1400" spc="-1" dirty="0" smtClean="0">
+                <a:latin typeface="Lato"/>
+                <a:ea typeface="Noto Sans CJK SC Regular"/>
+              </a:rPr>
+              <a:t>(10)</a:t>
+            </a:r>
+            <a:endParaRPr lang="en-US" sz="1400" b="0" strike="noStrike" spc="-1" dirty="0">
+              <a:latin typeface="Lato"/>
+              <a:ea typeface="Noto Sans CJK SC Regular"/>
+            </a:endParaRPr>
+          </a:p>
+          <a:p>
+            <a:pPr>
+              <a:lnSpc>
+                <a:spcPts val="865"/>
+              </a:lnSpc>
+              <a:spcBef>
+                <a:spcPts val="1032"/>
+              </a:spcBef>
+            </a:pPr>
+            <a:endParaRPr lang="en-US" sz="1400" b="0" strike="noStrike" spc="-1" dirty="0" smtClean="0">
+              <a:solidFill>
+                <a:srgbClr val="21409A"/>
+              </a:solidFill>
+              <a:latin typeface="Lato"/>
+              <a:ea typeface="Noto Sans CJK SC Regular"/>
+            </a:endParaRPr>
+          </a:p>
+          <a:p>
+            <a:pPr>
+              <a:lnSpc>
+                <a:spcPts val="865"/>
+              </a:lnSpc>
+              <a:spcBef>
+                <a:spcPts val="1032"/>
+              </a:spcBef>
+            </a:pPr>
+            <a:r>
+              <a:rPr lang="en-US" sz="1400" spc="-1" dirty="0" smtClean="0">
+                <a:solidFill>
+                  <a:srgbClr val="00B0F0"/>
+                </a:solidFill>
+                <a:latin typeface="Lato"/>
+                <a:ea typeface="Noto Sans CJK SC Regular"/>
+              </a:rPr>
+              <a:t>#key point python executes the module as it </a:t>
+            </a:r>
+          </a:p>
+          <a:p>
+            <a:pPr>
+              <a:lnSpc>
+                <a:spcPts val="865"/>
+              </a:lnSpc>
+              <a:spcBef>
+                <a:spcPts val="1032"/>
+              </a:spcBef>
+            </a:pPr>
+            <a:r>
+              <a:rPr lang="en-US" sz="1400" spc="-1" dirty="0" smtClean="0">
+                <a:solidFill>
+                  <a:srgbClr val="00B0F0"/>
+                </a:solidFill>
+                <a:latin typeface="Lato"/>
+                <a:ea typeface="Noto Sans CJK SC Regular"/>
+              </a:rPr>
+              <a:t>imports them:</a:t>
+            </a:r>
+          </a:p>
+          <a:p>
+            <a:pPr>
+              <a:lnSpc>
+                <a:spcPts val="865"/>
+              </a:lnSpc>
+              <a:spcBef>
+                <a:spcPts val="1032"/>
+              </a:spcBef>
+            </a:pPr>
+            <a:r>
+              <a:rPr lang="en-US" sz="1400" spc="-1" dirty="0" smtClean="0">
+                <a:latin typeface="Lato"/>
+                <a:ea typeface="Noto Sans CJK SC Regular"/>
+              </a:rPr>
+              <a:t>import fib    </a:t>
+            </a:r>
+            <a:endParaRPr lang="en-US" sz="1400" spc="-1" dirty="0">
+              <a:latin typeface="Lato"/>
+              <a:ea typeface="Noto Sans CJK SC Regular"/>
+            </a:endParaRPr>
+          </a:p>
+          <a:p>
+            <a:pPr>
+              <a:lnSpc>
+                <a:spcPts val="865"/>
+              </a:lnSpc>
+              <a:spcBef>
+                <a:spcPts val="1032"/>
+              </a:spcBef>
+            </a:pPr>
+            <a:r>
+              <a:rPr lang="en-US" sz="1400" spc="-1" dirty="0" smtClean="0">
+                <a:solidFill>
+                  <a:srgbClr val="21409A"/>
+                </a:solidFill>
+                <a:latin typeface="Lato"/>
+                <a:ea typeface="Noto Sans CJK SC Regular"/>
+              </a:rPr>
+              <a:t># see the variable “__name__” </a:t>
+            </a:r>
+          </a:p>
+          <a:p>
+            <a:pPr>
+              <a:lnSpc>
+                <a:spcPts val="865"/>
+              </a:lnSpc>
+              <a:spcBef>
+                <a:spcPts val="1032"/>
+              </a:spcBef>
+            </a:pPr>
+            <a:r>
+              <a:rPr lang="en-US" sz="1400" b="0" strike="noStrike" spc="-1" dirty="0" smtClean="0">
+                <a:solidFill>
+                  <a:srgbClr val="21409A"/>
+                </a:solidFill>
+                <a:latin typeface="Lato"/>
+                <a:ea typeface="Noto Sans CJK SC Regular"/>
+              </a:rPr>
+              <a:t>If we want the code to run when the module is</a:t>
+            </a:r>
+          </a:p>
+          <a:p>
+            <a:pPr>
+              <a:lnSpc>
+                <a:spcPts val="865"/>
+              </a:lnSpc>
+              <a:spcBef>
+                <a:spcPts val="1032"/>
+              </a:spcBef>
+            </a:pPr>
+            <a:r>
+              <a:rPr lang="en-US" sz="1400" b="0" strike="noStrike" spc="-1" dirty="0" smtClean="0">
+                <a:solidFill>
+                  <a:srgbClr val="21409A"/>
+                </a:solidFill>
+                <a:latin typeface="Lato"/>
+                <a:ea typeface="Noto Sans CJK SC Regular"/>
+              </a:rPr>
+              <a:t> called directly include it in an if statement as </a:t>
+            </a:r>
+          </a:p>
+          <a:p>
+            <a:pPr>
+              <a:lnSpc>
+                <a:spcPts val="865"/>
+              </a:lnSpc>
+              <a:spcBef>
+                <a:spcPts val="1032"/>
+              </a:spcBef>
+            </a:pPr>
+            <a:r>
+              <a:rPr lang="en-US" sz="1400" b="0" strike="noStrike" spc="-1" dirty="0" smtClean="0">
+                <a:solidFill>
+                  <a:srgbClr val="21409A"/>
+                </a:solidFill>
+                <a:latin typeface="Lato"/>
+                <a:ea typeface="Noto Sans CJK SC Regular"/>
+              </a:rPr>
+              <a:t>below:</a:t>
+            </a:r>
+          </a:p>
+          <a:p>
+            <a:pPr>
+              <a:lnSpc>
+                <a:spcPts val="865"/>
+              </a:lnSpc>
+              <a:spcBef>
+                <a:spcPts val="1032"/>
+              </a:spcBef>
+            </a:pPr>
+            <a:r>
+              <a:rPr lang="en-US" sz="1400" dirty="0"/>
+              <a:t>if __name__ == "__main</a:t>
+            </a:r>
+            <a:r>
+              <a:rPr lang="en-US" sz="1400" dirty="0" smtClean="0"/>
+              <a:t>__":</a:t>
+            </a:r>
+          </a:p>
+          <a:p>
+            <a:pPr>
+              <a:lnSpc>
+                <a:spcPts val="865"/>
+              </a:lnSpc>
+              <a:spcBef>
+                <a:spcPts val="1032"/>
+              </a:spcBef>
+            </a:pPr>
+            <a:r>
+              <a:rPr lang="en-US" sz="1400" spc="-1" dirty="0" smtClean="0">
+                <a:solidFill>
+                  <a:srgbClr val="21409A"/>
+                </a:solidFill>
+                <a:latin typeface="Lato"/>
+                <a:ea typeface="Noto Sans CJK SC Regular"/>
+              </a:rPr>
+              <a:t>Python created variable </a:t>
+            </a:r>
+            <a:r>
+              <a:rPr lang="en-US" sz="1400" spc="-1" dirty="0" smtClean="0">
+                <a:solidFill>
+                  <a:srgbClr val="21409A"/>
+                </a:solidFill>
+                <a:latin typeface="Lato"/>
+                <a:ea typeface="Noto Sans CJK SC Regular"/>
+              </a:rPr>
+              <a:t>__name__ this gets </a:t>
+            </a:r>
+          </a:p>
+          <a:p>
+            <a:pPr>
+              <a:lnSpc>
+                <a:spcPts val="865"/>
+              </a:lnSpc>
+              <a:spcBef>
+                <a:spcPts val="1032"/>
+              </a:spcBef>
+            </a:pPr>
+            <a:r>
+              <a:rPr lang="en-US" sz="1400" spc="-1" dirty="0" smtClean="0">
+                <a:solidFill>
+                  <a:srgbClr val="21409A"/>
+                </a:solidFill>
+                <a:latin typeface="Lato"/>
+                <a:ea typeface="Noto Sans CJK SC Regular"/>
+              </a:rPr>
+              <a:t>assigned the name of the module or </a:t>
+            </a:r>
+          </a:p>
+          <a:p>
+            <a:pPr>
+              <a:lnSpc>
+                <a:spcPts val="865"/>
+              </a:lnSpc>
+              <a:spcBef>
+                <a:spcPts val="1032"/>
+              </a:spcBef>
+            </a:pPr>
+            <a:r>
+              <a:rPr lang="en-US" sz="1400" spc="-1" dirty="0" smtClean="0">
+                <a:solidFill>
+                  <a:srgbClr val="21409A"/>
+                </a:solidFill>
+                <a:latin typeface="Lato"/>
+                <a:ea typeface="Noto Sans CJK SC Regular"/>
+              </a:rPr>
+              <a:t>__main__ </a:t>
+            </a:r>
+            <a:endParaRPr lang="en-US" sz="1400" b="0" strike="noStrike" spc="-1" dirty="0">
+              <a:solidFill>
+                <a:srgbClr val="00B0F0"/>
+              </a:solidFill>
+              <a:latin typeface="Lato"/>
+              <a:ea typeface="Noto Sans CJK SC Regular"/>
+            </a:endParaRPr>
+          </a:p>
+        </p:txBody>
+      </p:sp>
+    </p:spTree>
+    <p:extLst>
+      <p:ext uri="{BB962C8B-B14F-4D97-AF65-F5344CB8AC3E}">
+        <p14:creationId xmlns:p14="http://schemas.microsoft.com/office/powerpoint/2010/main" val="3717206342"/>
+      </p:ext>
+    </p:extLst>
+  </p:cSld>
+  <p:clrMapOvr>
+    <a:masterClrMapping/>
+  </p:clrMapOvr>
+  <p:timing>
+    <p:tnLst>
+      <p:par>
+        <p:cTn id="1" dur="indefinite" restart="never" nodeType="tmRoot">
+          <p:childTnLst>
+            <p:seq>
+              <p:cTn id="2" dur="indefinite" nodeType="mainSeq"/>
+              <p:prevCondLst>
+                <p:cond evt="onPrev" delay="0">
+                  <p:tgtEl>
+                    <p:sldTgt/>
+                  </p:tgtEl>
+                </p:cond>
+              </p:prevCondLst>
+              <p:nextCondLst>
+                <p:cond evt="onNext" delay="0">
+                  <p:tgtEl>
+                    <p:sldTgt/>
+                  </p:tgtEl>
+                </p:cond>
+              </p:nextCondLst>
+            </p:seq>
+          </p:childTnLst>
+        </p:cTn>
+      </p:par>
+    </p:tnLst>
+  </p:timing>
+</p:sld>
+</file>
+
+<file path=ppt/slides/slide21.xml><?xml version="1.0" encoding="utf-8"?>
+<p:sld xmlns:a="http://schemas.openxmlformats.org/drawingml/2006/main" xmlns:r="http://schemas.openxmlformats.org/officeDocument/2006/relationships" xmlns:p="http://schemas.openxmlformats.org/presentationml/2006/main">
+  <p:cSld>
+    <p:spTree>
+      <p:nvGrpSpPr>
+        <p:cNvPr id="1" name=""/>
+        <p:cNvGrpSpPr/>
+        <p:nvPr/>
+      </p:nvGrpSpPr>
+      <p:grpSpPr>
+        <a:xfrm>
+          <a:off x="0" y="0"/>
+          <a:ext cx="0" cy="0"/>
+          <a:chOff x="0" y="0"/>
+          <a:chExt cx="0" cy="0"/>
+        </a:xfrm>
+      </p:grpSpPr>
+      <p:sp>
+        <p:nvSpPr>
+          <p:cNvPr id="153" name="CustomShape 1"/>
+          <p:cNvSpPr/>
+          <p:nvPr/>
+        </p:nvSpPr>
+        <p:spPr>
+          <a:xfrm>
+            <a:off x="450000" y="0"/>
+            <a:ext cx="7688160" cy="534600"/>
+          </a:xfrm>
+          <a:prstGeom prst="rect">
+            <a:avLst/>
+          </a:prstGeom>
+          <a:noFill/>
+          <a:ln>
+            <a:noFill/>
+          </a:ln>
+        </p:spPr>
+        <p:style>
+          <a:lnRef idx="0">
+            <a:scrgbClr r="0" g="0" b="0"/>
+          </a:lnRef>
+          <a:fillRef idx="0">
+            <a:scrgbClr r="0" g="0" b="0"/>
+          </a:fillRef>
+          <a:effectRef idx="0">
+            <a:scrgbClr r="0" g="0" b="0"/>
+          </a:effectRef>
+          <a:fontRef idx="minor"/>
+        </p:style>
+        <p:txBody>
+          <a:bodyPr lIns="90000" tIns="91440" rIns="90000" bIns="91440"/>
+          <a:lstStyle/>
+          <a:p>
+            <a:pPr>
+              <a:lnSpc>
+                <a:spcPct val="100000"/>
+              </a:lnSpc>
+            </a:pPr>
+            <a:r>
+              <a:rPr lang="en-US" sz="2600" b="1" strike="noStrike" spc="-1" dirty="0">
+                <a:solidFill>
+                  <a:srgbClr val="1A1A1A"/>
+                </a:solidFill>
+                <a:latin typeface="Raleway"/>
+                <a:ea typeface="Raleway"/>
+              </a:rPr>
+              <a:t>Basic Python - cont. </a:t>
+            </a:r>
+            <a:r>
+              <a:rPr dirty="0"/>
+              <a:t/>
+            </a:r>
+            <a:br>
+              <a:rPr dirty="0"/>
+            </a:br>
+            <a:endParaRPr lang="en-US" sz="2600" b="0" strike="noStrike" spc="-1" dirty="0">
+              <a:latin typeface="Arial"/>
+            </a:endParaRPr>
+          </a:p>
+        </p:txBody>
+      </p:sp>
+      <p:sp>
+        <p:nvSpPr>
+          <p:cNvPr id="154" name="CustomShape 2"/>
+          <p:cNvSpPr/>
+          <p:nvPr/>
+        </p:nvSpPr>
+        <p:spPr>
+          <a:xfrm>
+            <a:off x="395640" y="592560"/>
+            <a:ext cx="4606666" cy="4420504"/>
+          </a:xfrm>
+          <a:prstGeom prst="rect">
+            <a:avLst/>
+          </a:prstGeom>
+          <a:noFill/>
+          <a:ln>
+            <a:noFill/>
+          </a:ln>
+        </p:spPr>
+        <p:style>
+          <a:lnRef idx="0">
+            <a:scrgbClr r="0" g="0" b="0"/>
+          </a:lnRef>
+          <a:fillRef idx="0">
+            <a:scrgbClr r="0" g="0" b="0"/>
+          </a:fillRef>
+          <a:effectRef idx="0">
+            <a:scrgbClr r="0" g="0" b="0"/>
+          </a:effectRef>
+          <a:fontRef idx="minor"/>
+        </p:style>
+        <p:txBody>
+          <a:bodyPr lIns="90000" tIns="91440" rIns="90000" bIns="91440"/>
+          <a:lstStyle/>
+          <a:p>
+            <a:pPr>
+              <a:lnSpc>
+                <a:spcPct val="50000"/>
+              </a:lnSpc>
+            </a:pPr>
+            <a:r>
+              <a:rPr lang="en-US" sz="1300" b="1" strike="noStrike" spc="-1" dirty="0" smtClean="0">
+                <a:solidFill>
+                  <a:srgbClr val="595959"/>
+                </a:solidFill>
+                <a:latin typeface="Lato"/>
+                <a:ea typeface="Lato"/>
+              </a:rPr>
+              <a:t>Explore reading/writing files</a:t>
+            </a:r>
+          </a:p>
+          <a:p>
+            <a:pPr>
+              <a:lnSpc>
+                <a:spcPct val="50000"/>
+              </a:lnSpc>
+            </a:pPr>
+            <a:endParaRPr lang="en-US" sz="1300" b="1" spc="-1" dirty="0" smtClean="0">
+              <a:solidFill>
+                <a:srgbClr val="595959"/>
+              </a:solidFill>
+              <a:latin typeface="Lato"/>
+            </a:endParaRPr>
+          </a:p>
+          <a:p>
+            <a:pPr>
+              <a:lnSpc>
+                <a:spcPct val="50000"/>
+              </a:lnSpc>
+            </a:pPr>
+            <a:endParaRPr lang="en-US" sz="1300" b="1" spc="-1" dirty="0">
+              <a:solidFill>
+                <a:srgbClr val="595959"/>
+              </a:solidFill>
+              <a:latin typeface="Lato"/>
+            </a:endParaRPr>
+          </a:p>
+          <a:p>
+            <a:pPr>
+              <a:lnSpc>
+                <a:spcPct val="50000"/>
+              </a:lnSpc>
+            </a:pPr>
+            <a:r>
+              <a:rPr lang="en-US" sz="1300" b="1" spc="-1" dirty="0" smtClean="0">
+                <a:solidFill>
+                  <a:srgbClr val="595959"/>
+                </a:solidFill>
+                <a:latin typeface="Lato"/>
+              </a:rPr>
+              <a:t>Let look at a function cat in the file: file_io.py </a:t>
+            </a:r>
+            <a:endParaRPr lang="en-US" sz="1300" b="1" spc="-1" dirty="0">
+              <a:solidFill>
+                <a:srgbClr val="595959"/>
+              </a:solidFill>
+              <a:latin typeface="Lato"/>
+            </a:endParaRPr>
+          </a:p>
+        </p:txBody>
+      </p:sp>
+      <p:sp>
+        <p:nvSpPr>
+          <p:cNvPr id="2" name="Rectangle 1"/>
+          <p:cNvSpPr/>
+          <p:nvPr/>
+        </p:nvSpPr>
+        <p:spPr>
+          <a:xfrm>
+            <a:off x="395640" y="1226340"/>
+            <a:ext cx="8748360" cy="3785652"/>
+          </a:xfrm>
+          <a:prstGeom prst="rect">
+            <a:avLst/>
+          </a:prstGeom>
+        </p:spPr>
+        <p:txBody>
+          <a:bodyPr wrap="square">
+            <a:spAutoFit/>
+          </a:bodyPr>
+          <a:lstStyle/>
+          <a:p>
+            <a:r>
+              <a:rPr lang="en-US" sz="1200" dirty="0" err="1">
+                <a:solidFill>
+                  <a:prstClr val="black"/>
+                </a:solidFill>
+                <a:latin typeface="Lucida Console" panose="020B0609040504020204" pitchFamily="49" charset="0"/>
+              </a:rPr>
+              <a:t>def</a:t>
+            </a:r>
+            <a:r>
+              <a:rPr lang="en-US" sz="1200" dirty="0">
+                <a:solidFill>
+                  <a:prstClr val="black"/>
+                </a:solidFill>
+                <a:latin typeface="Lucida Console" panose="020B0609040504020204" pitchFamily="49" charset="0"/>
+              </a:rPr>
+              <a:t> </a:t>
+            </a:r>
+            <a:r>
+              <a:rPr lang="en-US" sz="1200" dirty="0" smtClean="0">
+                <a:solidFill>
+                  <a:prstClr val="black"/>
+                </a:solidFill>
+                <a:latin typeface="Lucida Console" panose="020B0609040504020204" pitchFamily="49" charset="0"/>
+              </a:rPr>
+              <a:t>cat(</a:t>
+            </a:r>
+            <a:r>
+              <a:rPr lang="en-US" sz="1200" dirty="0" err="1" smtClean="0">
+                <a:solidFill>
+                  <a:prstClr val="black"/>
+                </a:solidFill>
+                <a:latin typeface="Lucida Console" panose="020B0609040504020204" pitchFamily="49" charset="0"/>
+              </a:rPr>
+              <a:t>in_file</a:t>
+            </a:r>
+            <a:r>
+              <a:rPr lang="en-US" sz="1200" dirty="0" smtClean="0">
+                <a:solidFill>
+                  <a:prstClr val="black"/>
+                </a:solidFill>
+                <a:latin typeface="Lucida Console" panose="020B0609040504020204" pitchFamily="49" charset="0"/>
+              </a:rPr>
+              <a:t>):</a:t>
+            </a:r>
+            <a:endParaRPr lang="en-US" sz="1200" dirty="0">
+              <a:solidFill>
+                <a:prstClr val="black"/>
+              </a:solidFill>
+              <a:latin typeface="Lucida Console" panose="020B0609040504020204" pitchFamily="49" charset="0"/>
+            </a:endParaRPr>
+          </a:p>
+          <a:p>
+            <a:r>
+              <a:rPr lang="en-US" sz="1200" dirty="0">
+                <a:solidFill>
+                  <a:prstClr val="black"/>
+                </a:solidFill>
+                <a:latin typeface="Lucida Console" panose="020B0609040504020204" pitchFamily="49" charset="0"/>
+              </a:rPr>
+              <a:t>        # try / except block try to open the file</a:t>
+            </a:r>
+          </a:p>
+          <a:p>
+            <a:r>
+              <a:rPr lang="en-US" sz="1200" dirty="0">
+                <a:solidFill>
+                  <a:prstClr val="black"/>
+                </a:solidFill>
+                <a:latin typeface="Lucida Console" panose="020B0609040504020204" pitchFamily="49" charset="0"/>
+              </a:rPr>
+              <a:t>        try:</a:t>
+            </a:r>
+          </a:p>
+          <a:p>
+            <a:r>
+              <a:rPr lang="en-US" sz="1200" dirty="0">
+                <a:solidFill>
+                  <a:prstClr val="black"/>
+                </a:solidFill>
+                <a:latin typeface="Lucida Console" panose="020B0609040504020204" pitchFamily="49" charset="0"/>
+              </a:rPr>
+              <a:t>                # </a:t>
+            </a:r>
+            <a:r>
+              <a:rPr lang="en-US" sz="1200" dirty="0" err="1">
+                <a:solidFill>
+                  <a:prstClr val="black"/>
+                </a:solidFill>
+                <a:latin typeface="Lucida Console" panose="020B0609040504020204" pitchFamily="49" charset="0"/>
+              </a:rPr>
+              <a:t>initliaze</a:t>
+            </a:r>
+            <a:r>
+              <a:rPr lang="en-US" sz="1200" dirty="0">
+                <a:solidFill>
+                  <a:prstClr val="black"/>
+                </a:solidFill>
+                <a:latin typeface="Lucida Console" panose="020B0609040504020204" pitchFamily="49" charset="0"/>
+              </a:rPr>
+              <a:t> the file object</a:t>
+            </a:r>
+          </a:p>
+          <a:p>
+            <a:r>
+              <a:rPr lang="en-US" sz="1200" dirty="0">
+                <a:solidFill>
+                  <a:prstClr val="black"/>
+                </a:solidFill>
+                <a:latin typeface="Lucida Console" panose="020B0609040504020204" pitchFamily="49" charset="0"/>
+              </a:rPr>
+              <a:t>                </a:t>
+            </a:r>
+            <a:r>
+              <a:rPr lang="en-US" sz="1200" dirty="0" err="1">
+                <a:solidFill>
+                  <a:prstClr val="black"/>
+                </a:solidFill>
+                <a:latin typeface="Lucida Console" panose="020B0609040504020204" pitchFamily="49" charset="0"/>
+              </a:rPr>
+              <a:t>fobj</a:t>
+            </a:r>
+            <a:r>
+              <a:rPr lang="en-US" sz="1200" dirty="0">
+                <a:solidFill>
+                  <a:prstClr val="black"/>
+                </a:solidFill>
+                <a:latin typeface="Lucida Console" panose="020B0609040504020204" pitchFamily="49" charset="0"/>
+              </a:rPr>
+              <a:t> = open(</a:t>
+            </a:r>
+            <a:r>
+              <a:rPr lang="en-US" sz="1200" dirty="0" err="1">
+                <a:solidFill>
+                  <a:prstClr val="black"/>
+                </a:solidFill>
+                <a:latin typeface="Lucida Console" panose="020B0609040504020204" pitchFamily="49" charset="0"/>
+              </a:rPr>
+              <a:t>in_file</a:t>
+            </a:r>
+            <a:r>
+              <a:rPr lang="en-US" sz="1200" dirty="0">
+                <a:solidFill>
+                  <a:prstClr val="black"/>
+                </a:solidFill>
+                <a:latin typeface="Lucida Console" panose="020B0609040504020204" pitchFamily="49" charset="0"/>
+              </a:rPr>
+              <a:t>, "r")     # "r"-read, "w"-write, "a"-append, default without anything is "r"</a:t>
+            </a:r>
+          </a:p>
+          <a:p>
+            <a:r>
+              <a:rPr lang="en-US" sz="1200" dirty="0">
+                <a:solidFill>
+                  <a:prstClr val="black"/>
+                </a:solidFill>
+                <a:latin typeface="Lucida Console" panose="020B0609040504020204" pitchFamily="49" charset="0"/>
+              </a:rPr>
+              <a:t>                for s in </a:t>
+            </a:r>
+            <a:r>
+              <a:rPr lang="en-US" sz="1200" dirty="0" err="1">
+                <a:solidFill>
+                  <a:prstClr val="black"/>
+                </a:solidFill>
+                <a:latin typeface="Lucida Console" panose="020B0609040504020204" pitchFamily="49" charset="0"/>
+              </a:rPr>
+              <a:t>fobj</a:t>
+            </a:r>
+            <a:r>
+              <a:rPr lang="en-US" sz="1200" dirty="0">
+                <a:solidFill>
+                  <a:prstClr val="black"/>
+                </a:solidFill>
+                <a:latin typeface="Lucida Console" panose="020B0609040504020204" pitchFamily="49" charset="0"/>
+              </a:rPr>
+              <a:t>:</a:t>
+            </a:r>
+          </a:p>
+          <a:p>
+            <a:r>
+              <a:rPr lang="en-US" sz="1200" dirty="0">
+                <a:solidFill>
+                  <a:prstClr val="black"/>
+                </a:solidFill>
+                <a:latin typeface="Lucida Console" panose="020B0609040504020204" pitchFamily="49" charset="0"/>
+              </a:rPr>
+              <a:t>                        print(</a:t>
+            </a:r>
+            <a:r>
+              <a:rPr lang="en-US" sz="1200" dirty="0" err="1">
+                <a:solidFill>
+                  <a:prstClr val="black"/>
+                </a:solidFill>
+                <a:latin typeface="Lucida Console" panose="020B0609040504020204" pitchFamily="49" charset="0"/>
+              </a:rPr>
+              <a:t>s.rstrip</a:t>
+            </a:r>
+            <a:r>
+              <a:rPr lang="en-US" sz="1200" dirty="0">
+                <a:solidFill>
+                  <a:prstClr val="black"/>
+                </a:solidFill>
+                <a:latin typeface="Lucida Console" panose="020B0609040504020204" pitchFamily="49" charset="0"/>
+              </a:rPr>
+              <a:t>())</a:t>
+            </a:r>
+          </a:p>
+          <a:p>
+            <a:endParaRPr lang="en-US" sz="1200" dirty="0">
+              <a:solidFill>
+                <a:prstClr val="black"/>
+              </a:solidFill>
+              <a:latin typeface="Lucida Console" panose="020B0609040504020204" pitchFamily="49" charset="0"/>
+            </a:endParaRPr>
+          </a:p>
+          <a:p>
+            <a:r>
+              <a:rPr lang="en-US" sz="1200" dirty="0">
+                <a:solidFill>
+                  <a:prstClr val="black"/>
+                </a:solidFill>
+                <a:latin typeface="Lucida Console" panose="020B0609040504020204" pitchFamily="49" charset="0"/>
+              </a:rPr>
+              <a:t>                # always close the file</a:t>
+            </a:r>
+          </a:p>
+          <a:p>
+            <a:r>
+              <a:rPr lang="en-US" sz="1200" dirty="0">
+                <a:solidFill>
+                  <a:prstClr val="black"/>
+                </a:solidFill>
+                <a:latin typeface="Lucida Console" panose="020B0609040504020204" pitchFamily="49" charset="0"/>
+              </a:rPr>
+              <a:t>                </a:t>
+            </a:r>
+            <a:r>
+              <a:rPr lang="en-US" sz="1200" dirty="0" err="1">
+                <a:solidFill>
+                  <a:prstClr val="black"/>
+                </a:solidFill>
+                <a:latin typeface="Lucida Console" panose="020B0609040504020204" pitchFamily="49" charset="0"/>
+              </a:rPr>
+              <a:t>fobj.close</a:t>
+            </a:r>
+            <a:r>
+              <a:rPr lang="en-US" sz="1200" dirty="0">
+                <a:solidFill>
+                  <a:prstClr val="black"/>
+                </a:solidFill>
+                <a:latin typeface="Lucida Console" panose="020B0609040504020204" pitchFamily="49" charset="0"/>
+              </a:rPr>
+              <a:t>()</a:t>
+            </a:r>
+          </a:p>
+          <a:p>
+            <a:r>
+              <a:rPr lang="en-US" sz="1200" dirty="0">
+                <a:solidFill>
+                  <a:prstClr val="black"/>
+                </a:solidFill>
+                <a:latin typeface="Lucida Console" panose="020B0609040504020204" pitchFamily="49" charset="0"/>
+              </a:rPr>
+              <a:t>        except </a:t>
+            </a:r>
+            <a:r>
+              <a:rPr lang="en-US" sz="1200" dirty="0" err="1">
+                <a:solidFill>
+                  <a:prstClr val="black"/>
+                </a:solidFill>
+                <a:latin typeface="Lucida Console" panose="020B0609040504020204" pitchFamily="49" charset="0"/>
+              </a:rPr>
+              <a:t>FileNotFoundError</a:t>
+            </a:r>
+            <a:r>
+              <a:rPr lang="en-US" sz="1200" dirty="0">
+                <a:solidFill>
+                  <a:prstClr val="black"/>
+                </a:solidFill>
+                <a:latin typeface="Lucida Console" panose="020B0609040504020204" pitchFamily="49" charset="0"/>
+              </a:rPr>
+              <a:t>:</a:t>
+            </a:r>
+          </a:p>
+          <a:p>
+            <a:r>
+              <a:rPr lang="en-US" sz="1200" dirty="0">
+                <a:solidFill>
+                  <a:prstClr val="black"/>
+                </a:solidFill>
+                <a:latin typeface="Lucida Console" panose="020B0609040504020204" pitchFamily="49" charset="0"/>
+              </a:rPr>
+              <a:t>                print("{0} does not </a:t>
+            </a:r>
+            <a:r>
+              <a:rPr lang="en-US" sz="1200" dirty="0" err="1">
+                <a:solidFill>
+                  <a:prstClr val="black"/>
+                </a:solidFill>
+                <a:latin typeface="Lucida Console" panose="020B0609040504020204" pitchFamily="49" charset="0"/>
+              </a:rPr>
+              <a:t>exists!".format</a:t>
+            </a:r>
+            <a:r>
+              <a:rPr lang="en-US" sz="1200" dirty="0">
+                <a:solidFill>
+                  <a:prstClr val="black"/>
+                </a:solidFill>
+                <a:latin typeface="Lucida Console" panose="020B0609040504020204" pitchFamily="49" charset="0"/>
+              </a:rPr>
+              <a:t>(</a:t>
+            </a:r>
+            <a:r>
+              <a:rPr lang="en-US" sz="1200" dirty="0" err="1">
+                <a:solidFill>
+                  <a:prstClr val="black"/>
+                </a:solidFill>
+                <a:latin typeface="Lucida Console" panose="020B0609040504020204" pitchFamily="49" charset="0"/>
+              </a:rPr>
+              <a:t>in_file</a:t>
+            </a:r>
+            <a:r>
+              <a:rPr lang="en-US" sz="1200" dirty="0">
+                <a:solidFill>
+                  <a:prstClr val="black"/>
+                </a:solidFill>
+                <a:latin typeface="Lucida Console" panose="020B0609040504020204" pitchFamily="49" charset="0"/>
+              </a:rPr>
+              <a:t>))</a:t>
+            </a:r>
+          </a:p>
+          <a:p>
+            <a:r>
+              <a:rPr lang="en-US" sz="1200" dirty="0">
+                <a:solidFill>
+                  <a:prstClr val="black"/>
+                </a:solidFill>
+                <a:latin typeface="Lucida Console" panose="020B0609040504020204" pitchFamily="49" charset="0"/>
+              </a:rPr>
+              <a:t>        except </a:t>
+            </a:r>
+            <a:r>
+              <a:rPr lang="en-US" sz="1200" dirty="0" err="1">
+                <a:solidFill>
+                  <a:prstClr val="black"/>
+                </a:solidFill>
+                <a:latin typeface="Lucida Console" panose="020B0609040504020204" pitchFamily="49" charset="0"/>
+              </a:rPr>
+              <a:t>PermissionError</a:t>
+            </a:r>
+            <a:r>
+              <a:rPr lang="en-US" sz="1200" dirty="0">
+                <a:solidFill>
+                  <a:prstClr val="black"/>
+                </a:solidFill>
+                <a:latin typeface="Lucida Console" panose="020B0609040504020204" pitchFamily="49" charset="0"/>
+              </a:rPr>
+              <a:t>:</a:t>
+            </a:r>
+          </a:p>
+          <a:p>
+            <a:r>
+              <a:rPr lang="en-US" sz="1200" dirty="0">
+                <a:solidFill>
+                  <a:prstClr val="black"/>
+                </a:solidFill>
+                <a:latin typeface="Lucida Console" panose="020B0609040504020204" pitchFamily="49" charset="0"/>
+              </a:rPr>
+              <a:t>                print("Permission error reading file : {0}".format(</a:t>
+            </a:r>
+            <a:r>
+              <a:rPr lang="en-US" sz="1200" dirty="0" err="1">
+                <a:solidFill>
+                  <a:prstClr val="black"/>
+                </a:solidFill>
+                <a:latin typeface="Lucida Console" panose="020B0609040504020204" pitchFamily="49" charset="0"/>
+              </a:rPr>
+              <a:t>in_file</a:t>
+            </a:r>
+            <a:r>
+              <a:rPr lang="en-US" sz="1200" dirty="0">
+                <a:solidFill>
+                  <a:prstClr val="black"/>
+                </a:solidFill>
+                <a:latin typeface="Lucida Console" panose="020B0609040504020204" pitchFamily="49" charset="0"/>
+              </a:rPr>
+              <a:t>))</a:t>
+            </a:r>
+          </a:p>
+          <a:p>
+            <a:r>
+              <a:rPr lang="en-US" sz="1200" dirty="0">
+                <a:solidFill>
+                  <a:prstClr val="black"/>
+                </a:solidFill>
+                <a:latin typeface="Lucida Console" panose="020B0609040504020204" pitchFamily="49" charset="0"/>
+              </a:rPr>
+              <a:t>        except:</a:t>
+            </a:r>
+          </a:p>
+          <a:p>
+            <a:r>
+              <a:rPr lang="en-US" sz="1200" dirty="0">
+                <a:solidFill>
+                  <a:prstClr val="black"/>
+                </a:solidFill>
+                <a:latin typeface="Lucida Console" panose="020B0609040504020204" pitchFamily="49" charset="0"/>
+              </a:rPr>
+              <a:t>                print("Some other error reading file : {0}".format(</a:t>
+            </a:r>
+            <a:r>
+              <a:rPr lang="en-US" sz="1200" dirty="0" err="1">
+                <a:solidFill>
+                  <a:prstClr val="black"/>
+                </a:solidFill>
+                <a:latin typeface="Lucida Console" panose="020B0609040504020204" pitchFamily="49" charset="0"/>
+              </a:rPr>
+              <a:t>in_file</a:t>
+            </a:r>
+            <a:r>
+              <a:rPr lang="en-US" sz="1200" dirty="0">
+                <a:solidFill>
+                  <a:prstClr val="black"/>
+                </a:solidFill>
+                <a:latin typeface="Lucida Console" panose="020B0609040504020204" pitchFamily="49" charset="0"/>
+              </a:rPr>
+              <a:t>))</a:t>
+            </a:r>
+          </a:p>
+          <a:p>
+            <a:endParaRPr lang="en-US" sz="1200" dirty="0">
+              <a:solidFill>
+                <a:prstClr val="black"/>
+              </a:solidFill>
+              <a:latin typeface="Lucida Console" panose="020B0609040504020204" pitchFamily="49" charset="0"/>
+            </a:endParaRPr>
+          </a:p>
+          <a:p>
+            <a:r>
+              <a:rPr lang="en-US" sz="1200" dirty="0">
+                <a:solidFill>
+                  <a:prstClr val="black"/>
+                </a:solidFill>
+                <a:latin typeface="Lucida Console" panose="020B0609040504020204" pitchFamily="49" charset="0"/>
+              </a:rPr>
+              <a:t>        # return the dictionary</a:t>
+            </a:r>
+          </a:p>
+          <a:p>
+            <a:r>
+              <a:rPr lang="en-US" sz="1200" dirty="0">
+                <a:solidFill>
+                  <a:prstClr val="black"/>
+                </a:solidFill>
+                <a:latin typeface="Lucida Console" panose="020B0609040504020204" pitchFamily="49" charset="0"/>
+              </a:rPr>
+              <a:t>        return(0)</a:t>
+            </a:r>
+          </a:p>
+        </p:txBody>
+      </p:sp>
+    </p:spTree>
+    <p:extLst>
+      <p:ext uri="{BB962C8B-B14F-4D97-AF65-F5344CB8AC3E}">
+        <p14:creationId xmlns:p14="http://schemas.microsoft.com/office/powerpoint/2010/main" val="2134381006"/>
+      </p:ext>
+    </p:extLst>
+  </p:cSld>
+  <p:clrMapOvr>
+    <a:masterClrMapping/>
+  </p:clrMapOvr>
+  <p:timing>
+    <p:tnLst>
+      <p:par>
+        <p:cTn id="1" dur="indefinite" restart="never" nodeType="tmRoot">
+          <p:childTnLst>
+            <p:seq>
+              <p:cTn id="2" dur="indefinite" nodeType="mainSeq"/>
+              <p:prevCondLst>
+                <p:cond evt="onPrev" delay="0">
+                  <p:tgtEl>
+                    <p:sldTgt/>
+                  </p:tgtEl>
+                </p:cond>
+              </p:prevCondLst>
+              <p:nextCondLst>
+                <p:cond evt="onNext" delay="0">
+                  <p:tgtEl>
+                    <p:sldTgt/>
+                  </p:tgtEl>
+                </p:cond>
+              </p:nextCondLst>
+            </p:seq>
+          </p:childTnLst>
+        </p:cTn>
+      </p:par>
+    </p:tnLst>
+  </p:timing>
+</p:sld>
+</file>
+
+<file path=ppt/slides/slide22.xml><?xml version="1.0" encoding="utf-8"?>
+<p:sld xmlns:a="http://schemas.openxmlformats.org/drawingml/2006/main" xmlns:r="http://schemas.openxmlformats.org/officeDocument/2006/relationships" xmlns:p="http://schemas.openxmlformats.org/presentationml/2006/main">
+  <p:cSld>
+    <p:spTree>
+      <p:nvGrpSpPr>
+        <p:cNvPr id="1" name=""/>
+        <p:cNvGrpSpPr/>
+        <p:nvPr/>
+      </p:nvGrpSpPr>
+      <p:grpSpPr>
+        <a:xfrm>
+          <a:off x="0" y="0"/>
+          <a:ext cx="0" cy="0"/>
+          <a:chOff x="0" y="0"/>
+          <a:chExt cx="0" cy="0"/>
+        </a:xfrm>
+      </p:grpSpPr>
+      <p:sp>
+        <p:nvSpPr>
+          <p:cNvPr id="153" name="CustomShape 1"/>
+          <p:cNvSpPr/>
+          <p:nvPr/>
+        </p:nvSpPr>
+        <p:spPr>
+          <a:xfrm>
+            <a:off x="450000" y="0"/>
+            <a:ext cx="7688160" cy="534600"/>
+          </a:xfrm>
+          <a:prstGeom prst="rect">
+            <a:avLst/>
+          </a:prstGeom>
+          <a:noFill/>
+          <a:ln>
+            <a:noFill/>
+          </a:ln>
+        </p:spPr>
+        <p:style>
+          <a:lnRef idx="0">
+            <a:scrgbClr r="0" g="0" b="0"/>
+          </a:lnRef>
+          <a:fillRef idx="0">
+            <a:scrgbClr r="0" g="0" b="0"/>
+          </a:fillRef>
+          <a:effectRef idx="0">
+            <a:scrgbClr r="0" g="0" b="0"/>
+          </a:effectRef>
+          <a:fontRef idx="minor"/>
+        </p:style>
+        <p:txBody>
+          <a:bodyPr lIns="90000" tIns="91440" rIns="90000" bIns="91440"/>
+          <a:lstStyle/>
+          <a:p>
+            <a:pPr>
+              <a:lnSpc>
+                <a:spcPct val="100000"/>
+              </a:lnSpc>
+            </a:pPr>
+            <a:r>
+              <a:rPr lang="en-US" sz="2600" b="1" strike="noStrike" spc="-1" dirty="0">
+                <a:solidFill>
+                  <a:srgbClr val="1A1A1A"/>
+                </a:solidFill>
+                <a:latin typeface="Raleway"/>
+                <a:ea typeface="Raleway"/>
+              </a:rPr>
+              <a:t>Basic Python - cont. </a:t>
+            </a:r>
+            <a:r>
+              <a:rPr dirty="0"/>
+              <a:t/>
+            </a:r>
+            <a:br>
+              <a:rPr dirty="0"/>
+            </a:br>
+            <a:endParaRPr lang="en-US" sz="2600" b="0" strike="noStrike" spc="-1" dirty="0">
+              <a:latin typeface="Arial"/>
+            </a:endParaRPr>
+          </a:p>
+        </p:txBody>
+      </p:sp>
+      <p:sp>
+        <p:nvSpPr>
+          <p:cNvPr id="154" name="CustomShape 2"/>
+          <p:cNvSpPr/>
+          <p:nvPr/>
+        </p:nvSpPr>
+        <p:spPr>
+          <a:xfrm>
+            <a:off x="395639" y="592559"/>
+            <a:ext cx="8578239" cy="4340947"/>
+          </a:xfrm>
+          <a:prstGeom prst="rect">
+            <a:avLst/>
+          </a:prstGeom>
+          <a:noFill/>
+          <a:ln>
+            <a:noFill/>
+          </a:ln>
+        </p:spPr>
+        <p:style>
+          <a:lnRef idx="0">
+            <a:scrgbClr r="0" g="0" b="0"/>
+          </a:lnRef>
+          <a:fillRef idx="0">
+            <a:scrgbClr r="0" g="0" b="0"/>
+          </a:fillRef>
+          <a:effectRef idx="0">
+            <a:scrgbClr r="0" g="0" b="0"/>
+          </a:effectRef>
+          <a:fontRef idx="minor"/>
+        </p:style>
+        <p:txBody>
+          <a:bodyPr lIns="90000" tIns="91440" rIns="90000" bIns="91440"/>
+          <a:lstStyle/>
+          <a:p>
+            <a:pPr>
+              <a:lnSpc>
+                <a:spcPct val="50000"/>
+              </a:lnSpc>
+            </a:pPr>
+            <a:r>
+              <a:rPr lang="en-US" sz="1300" b="1" strike="noStrike" spc="-1" dirty="0" smtClean="0">
+                <a:solidFill>
+                  <a:srgbClr val="595959"/>
+                </a:solidFill>
+                <a:latin typeface="Lato"/>
+                <a:ea typeface="Lato"/>
+              </a:rPr>
+              <a:t>Explore reading/writing files</a:t>
+            </a:r>
+          </a:p>
+          <a:p>
+            <a:pPr>
+              <a:lnSpc>
+                <a:spcPct val="50000"/>
+              </a:lnSpc>
+            </a:pPr>
+            <a:endParaRPr lang="en-US" sz="1300" b="1" spc="-1" dirty="0" smtClean="0">
+              <a:solidFill>
+                <a:srgbClr val="595959"/>
+              </a:solidFill>
+              <a:latin typeface="Lato"/>
+            </a:endParaRPr>
+          </a:p>
+          <a:p>
+            <a:pPr>
+              <a:lnSpc>
+                <a:spcPct val="50000"/>
+              </a:lnSpc>
+            </a:pPr>
+            <a:endParaRPr lang="en-US" sz="1300" b="1" spc="-1" dirty="0">
+              <a:solidFill>
+                <a:srgbClr val="595959"/>
+              </a:solidFill>
+              <a:latin typeface="Lato"/>
+            </a:endParaRPr>
+          </a:p>
+          <a:p>
+            <a:pPr>
+              <a:lnSpc>
+                <a:spcPct val="50000"/>
+              </a:lnSpc>
+            </a:pPr>
+            <a:r>
+              <a:rPr lang="en-US" sz="1300" b="1" spc="-1" dirty="0" smtClean="0">
+                <a:solidFill>
+                  <a:srgbClr val="595959"/>
+                </a:solidFill>
+                <a:latin typeface="Lato"/>
+              </a:rPr>
+              <a:t>Lets looks at word_count.py</a:t>
+            </a:r>
+          </a:p>
+          <a:p>
+            <a:pPr>
+              <a:lnSpc>
+                <a:spcPct val="50000"/>
+              </a:lnSpc>
+            </a:pPr>
+            <a:endParaRPr lang="en-US" sz="1300" b="1" spc="-1" dirty="0">
+              <a:solidFill>
+                <a:srgbClr val="595959"/>
+              </a:solidFill>
+              <a:latin typeface="Lato"/>
+            </a:endParaRPr>
+          </a:p>
+          <a:p>
+            <a:pPr>
+              <a:lnSpc>
+                <a:spcPct val="50000"/>
+              </a:lnSpc>
+            </a:pPr>
+            <a:endParaRPr lang="en-US" sz="1300" b="1" spc="-1" dirty="0" smtClean="0">
+              <a:solidFill>
+                <a:srgbClr val="595959"/>
+              </a:solidFill>
+              <a:latin typeface="Lato"/>
+            </a:endParaRPr>
+          </a:p>
+          <a:p>
+            <a:pPr>
+              <a:lnSpc>
+                <a:spcPct val="50000"/>
+              </a:lnSpc>
+            </a:pPr>
+            <a:endParaRPr lang="en-US" sz="1300" b="1" spc="-1" dirty="0">
+              <a:solidFill>
+                <a:srgbClr val="595959"/>
+              </a:solidFill>
+              <a:latin typeface="Lato"/>
+            </a:endParaRPr>
+          </a:p>
+          <a:p>
+            <a:pPr>
+              <a:lnSpc>
+                <a:spcPct val="50000"/>
+              </a:lnSpc>
+            </a:pPr>
+            <a:endParaRPr lang="en-US" sz="1300" b="1" spc="-1" dirty="0" smtClean="0">
+              <a:solidFill>
+                <a:srgbClr val="595959"/>
+              </a:solidFill>
+              <a:latin typeface="Lato"/>
+            </a:endParaRPr>
+          </a:p>
+          <a:p>
+            <a:pPr>
+              <a:lnSpc>
+                <a:spcPct val="50000"/>
+              </a:lnSpc>
+            </a:pPr>
+            <a:endParaRPr lang="en-US" sz="1300" b="1" spc="-1" dirty="0">
+              <a:solidFill>
+                <a:srgbClr val="595959"/>
+              </a:solidFill>
+              <a:latin typeface="Lato"/>
+            </a:endParaRPr>
+          </a:p>
+          <a:p>
+            <a:pPr>
+              <a:lnSpc>
+                <a:spcPct val="50000"/>
+              </a:lnSpc>
+            </a:pPr>
+            <a:r>
+              <a:rPr lang="en-US" sz="1300" b="1" spc="-1" dirty="0" smtClean="0">
+                <a:solidFill>
+                  <a:srgbClr val="595959"/>
+                </a:solidFill>
+                <a:latin typeface="Lato"/>
+              </a:rPr>
+              <a:t>Timing your programs:</a:t>
+            </a:r>
+          </a:p>
+          <a:p>
+            <a:pPr>
+              <a:lnSpc>
+                <a:spcPct val="50000"/>
+              </a:lnSpc>
+            </a:pPr>
+            <a:endParaRPr lang="en-US" sz="1300" b="1" spc="-1" dirty="0">
+              <a:solidFill>
+                <a:srgbClr val="595959"/>
+              </a:solidFill>
+              <a:latin typeface="Lato"/>
+            </a:endParaRPr>
+          </a:p>
+          <a:p>
+            <a:pPr>
+              <a:lnSpc>
+                <a:spcPct val="50000"/>
+              </a:lnSpc>
+            </a:pPr>
+            <a:endParaRPr lang="en-US" sz="1300" b="1" spc="-1" dirty="0" smtClean="0">
+              <a:solidFill>
+                <a:srgbClr val="595959"/>
+              </a:solidFill>
+              <a:latin typeface="Lato"/>
+            </a:endParaRPr>
+          </a:p>
+          <a:p>
+            <a:pPr>
+              <a:lnSpc>
+                <a:spcPct val="50000"/>
+              </a:lnSpc>
+            </a:pPr>
+            <a:r>
+              <a:rPr lang="en-US" sz="1300" b="1" spc="-1" dirty="0" smtClean="0">
+                <a:solidFill>
+                  <a:srgbClr val="595959"/>
+                </a:solidFill>
+                <a:latin typeface="Lato"/>
+              </a:rPr>
+              <a:t>import time</a:t>
+            </a:r>
+          </a:p>
+          <a:p>
+            <a:pPr>
+              <a:lnSpc>
+                <a:spcPct val="50000"/>
+              </a:lnSpc>
+            </a:pPr>
+            <a:endParaRPr lang="en-US" sz="1300" b="1" spc="-1" dirty="0">
+              <a:solidFill>
+                <a:srgbClr val="595959"/>
+              </a:solidFill>
+              <a:latin typeface="Lato"/>
+            </a:endParaRPr>
+          </a:p>
+          <a:p>
+            <a:pPr>
+              <a:lnSpc>
+                <a:spcPct val="50000"/>
+              </a:lnSpc>
+            </a:pPr>
+            <a:endParaRPr lang="en-US" sz="1300" spc="-1" dirty="0" smtClean="0">
+              <a:solidFill>
+                <a:srgbClr val="595959"/>
+              </a:solidFill>
+              <a:latin typeface="Lato"/>
+            </a:endParaRPr>
+          </a:p>
+          <a:p>
+            <a:pPr>
+              <a:lnSpc>
+                <a:spcPct val="50000"/>
+              </a:lnSpc>
+            </a:pPr>
+            <a:r>
+              <a:rPr lang="en-US" sz="1300" spc="-1" dirty="0" smtClean="0">
+                <a:solidFill>
+                  <a:srgbClr val="595959"/>
+                </a:solidFill>
+                <a:latin typeface="Lato"/>
+              </a:rPr>
+              <a:t>t1 = </a:t>
+            </a:r>
+            <a:r>
+              <a:rPr lang="en-US" sz="1300" spc="-1" dirty="0" err="1" smtClean="0">
+                <a:solidFill>
+                  <a:srgbClr val="595959"/>
+                </a:solidFill>
+                <a:latin typeface="Lato"/>
+              </a:rPr>
+              <a:t>time.perf_counter</a:t>
+            </a:r>
+            <a:r>
+              <a:rPr lang="en-US" sz="1300" spc="-1" dirty="0" smtClean="0">
+                <a:solidFill>
+                  <a:srgbClr val="595959"/>
+                </a:solidFill>
+                <a:latin typeface="Lato"/>
+              </a:rPr>
+              <a:t>()</a:t>
+            </a:r>
+          </a:p>
+          <a:p>
+            <a:pPr>
+              <a:lnSpc>
+                <a:spcPct val="50000"/>
+              </a:lnSpc>
+            </a:pPr>
+            <a:endParaRPr lang="en-US" sz="1300" spc="-1" dirty="0">
+              <a:solidFill>
+                <a:srgbClr val="595959"/>
+              </a:solidFill>
+              <a:latin typeface="Lato"/>
+            </a:endParaRPr>
+          </a:p>
+          <a:p>
+            <a:pPr>
+              <a:lnSpc>
+                <a:spcPct val="50000"/>
+              </a:lnSpc>
+            </a:pPr>
+            <a:endParaRPr lang="en-US" sz="1300" spc="-1" dirty="0" smtClean="0">
+              <a:solidFill>
+                <a:srgbClr val="595959"/>
+              </a:solidFill>
+              <a:latin typeface="Lato"/>
+            </a:endParaRPr>
+          </a:p>
+          <a:p>
+            <a:pPr>
+              <a:lnSpc>
+                <a:spcPct val="50000"/>
+              </a:lnSpc>
+            </a:pPr>
+            <a:endParaRPr lang="en-US" sz="1300" spc="-1" dirty="0">
+              <a:solidFill>
+                <a:srgbClr val="595959"/>
+              </a:solidFill>
+              <a:latin typeface="Lato"/>
+            </a:endParaRPr>
+          </a:p>
+          <a:p>
+            <a:pPr>
+              <a:lnSpc>
+                <a:spcPct val="50000"/>
+              </a:lnSpc>
+            </a:pPr>
+            <a:r>
+              <a:rPr lang="en-US" sz="1300" spc="-1" dirty="0" smtClean="0">
+                <a:solidFill>
+                  <a:srgbClr val="595959"/>
+                </a:solidFill>
+                <a:latin typeface="Lato"/>
+              </a:rPr>
+              <a:t>## code to run</a:t>
+            </a:r>
+          </a:p>
+          <a:p>
+            <a:pPr>
+              <a:lnSpc>
+                <a:spcPct val="50000"/>
+              </a:lnSpc>
+            </a:pPr>
+            <a:endParaRPr lang="en-US" sz="1300" spc="-1" dirty="0">
+              <a:solidFill>
+                <a:srgbClr val="595959"/>
+              </a:solidFill>
+              <a:latin typeface="Lato"/>
+            </a:endParaRPr>
+          </a:p>
+          <a:p>
+            <a:pPr>
+              <a:lnSpc>
+                <a:spcPct val="50000"/>
+              </a:lnSpc>
+            </a:pPr>
+            <a:endParaRPr lang="en-US" sz="1300" spc="-1" dirty="0" smtClean="0">
+              <a:solidFill>
+                <a:srgbClr val="595959"/>
+              </a:solidFill>
+              <a:latin typeface="Lato"/>
+            </a:endParaRPr>
+          </a:p>
+          <a:p>
+            <a:pPr>
+              <a:lnSpc>
+                <a:spcPct val="50000"/>
+              </a:lnSpc>
+            </a:pPr>
+            <a:endParaRPr lang="en-US" sz="1300" spc="-1" dirty="0">
+              <a:solidFill>
+                <a:srgbClr val="595959"/>
+              </a:solidFill>
+              <a:latin typeface="Lato"/>
+            </a:endParaRPr>
+          </a:p>
+          <a:p>
+            <a:pPr>
+              <a:lnSpc>
+                <a:spcPct val="50000"/>
+              </a:lnSpc>
+            </a:pPr>
+            <a:r>
+              <a:rPr lang="en-US" sz="1300" spc="-1" dirty="0" smtClean="0">
+                <a:solidFill>
+                  <a:srgbClr val="595959"/>
+                </a:solidFill>
+                <a:latin typeface="Lato"/>
+              </a:rPr>
+              <a:t>t2 = </a:t>
+            </a:r>
+            <a:r>
+              <a:rPr lang="en-US" sz="1300" spc="-1" dirty="0" err="1" smtClean="0">
+                <a:solidFill>
+                  <a:srgbClr val="595959"/>
+                </a:solidFill>
+                <a:latin typeface="Lato"/>
+              </a:rPr>
+              <a:t>time.perf_counter</a:t>
+            </a:r>
+            <a:r>
+              <a:rPr lang="en-US" sz="1300" spc="-1" dirty="0" smtClean="0">
+                <a:solidFill>
+                  <a:srgbClr val="595959"/>
+                </a:solidFill>
+                <a:latin typeface="Lato"/>
+              </a:rPr>
+              <a:t>()</a:t>
+            </a:r>
+          </a:p>
+          <a:p>
+            <a:pPr>
+              <a:lnSpc>
+                <a:spcPct val="50000"/>
+              </a:lnSpc>
+            </a:pPr>
+            <a:endParaRPr lang="en-US" sz="1300" spc="-1" dirty="0">
+              <a:solidFill>
+                <a:srgbClr val="595959"/>
+              </a:solidFill>
+              <a:latin typeface="Lato"/>
+            </a:endParaRPr>
+          </a:p>
+          <a:p>
+            <a:pPr>
+              <a:lnSpc>
+                <a:spcPct val="50000"/>
+              </a:lnSpc>
+            </a:pPr>
+            <a:endParaRPr lang="en-US" sz="1300" spc="-1" dirty="0" smtClean="0">
+              <a:solidFill>
+                <a:srgbClr val="595959"/>
+              </a:solidFill>
+              <a:latin typeface="Lato"/>
+            </a:endParaRPr>
+          </a:p>
+          <a:p>
+            <a:pPr>
+              <a:lnSpc>
+                <a:spcPct val="50000"/>
+              </a:lnSpc>
+            </a:pPr>
+            <a:r>
+              <a:rPr lang="en-US" sz="1300" spc="-1" dirty="0" smtClean="0">
+                <a:solidFill>
+                  <a:srgbClr val="595959"/>
+                </a:solidFill>
+                <a:latin typeface="Lato"/>
+              </a:rPr>
+              <a:t>print(“Code took : {0} time to </a:t>
+            </a:r>
+            <a:r>
+              <a:rPr lang="en-US" sz="1300" spc="-1" dirty="0" err="1" smtClean="0">
+                <a:solidFill>
+                  <a:srgbClr val="595959"/>
+                </a:solidFill>
+                <a:latin typeface="Lato"/>
+              </a:rPr>
+              <a:t>run”.format</a:t>
+            </a:r>
+            <a:r>
+              <a:rPr lang="en-US" sz="1300" spc="-1" dirty="0" smtClean="0">
+                <a:solidFill>
+                  <a:srgbClr val="595959"/>
+                </a:solidFill>
+                <a:latin typeface="Lato"/>
+              </a:rPr>
+              <a:t>( (t2 – t1) * 1000. ))</a:t>
+            </a:r>
+          </a:p>
+          <a:p>
+            <a:pPr>
+              <a:lnSpc>
+                <a:spcPct val="50000"/>
+              </a:lnSpc>
+            </a:pPr>
+            <a:endParaRPr lang="en-US" sz="1300" spc="-1" dirty="0">
+              <a:solidFill>
+                <a:srgbClr val="595959"/>
+              </a:solidFill>
+              <a:latin typeface="Lato"/>
+            </a:endParaRPr>
+          </a:p>
+          <a:p>
+            <a:pPr>
+              <a:lnSpc>
+                <a:spcPct val="50000"/>
+              </a:lnSpc>
+            </a:pPr>
+            <a:endParaRPr lang="en-US" sz="1300" spc="-1" dirty="0" smtClean="0">
+              <a:solidFill>
+                <a:srgbClr val="595959"/>
+              </a:solidFill>
+              <a:latin typeface="Lato"/>
+            </a:endParaRPr>
+          </a:p>
+          <a:p>
+            <a:pPr>
+              <a:lnSpc>
+                <a:spcPct val="50000"/>
+              </a:lnSpc>
+            </a:pPr>
+            <a:r>
+              <a:rPr lang="en-US" sz="1300" spc="-1" dirty="0" smtClean="0">
+                <a:solidFill>
+                  <a:srgbClr val="595959"/>
+                </a:solidFill>
+                <a:latin typeface="Lato"/>
+              </a:rPr>
+              <a:t># multiply by 1000 to convert from seconds to milliseconds</a:t>
+            </a:r>
+          </a:p>
+          <a:p>
+            <a:pPr>
+              <a:lnSpc>
+                <a:spcPct val="50000"/>
+              </a:lnSpc>
+            </a:pPr>
+            <a:endParaRPr lang="en-US" sz="1300" b="1" spc="-1" dirty="0">
+              <a:solidFill>
+                <a:srgbClr val="595959"/>
+              </a:solidFill>
+              <a:latin typeface="Lato"/>
+            </a:endParaRPr>
+          </a:p>
+          <a:p>
+            <a:pPr>
+              <a:lnSpc>
+                <a:spcPct val="50000"/>
+              </a:lnSpc>
+            </a:pPr>
+            <a:endParaRPr lang="en-US" sz="1300" b="1" spc="-1" dirty="0" smtClean="0">
+              <a:solidFill>
+                <a:srgbClr val="595959"/>
+              </a:solidFill>
+              <a:latin typeface="Lato"/>
+            </a:endParaRPr>
+          </a:p>
+          <a:p>
+            <a:pPr>
+              <a:lnSpc>
+                <a:spcPct val="50000"/>
+              </a:lnSpc>
+            </a:pPr>
+            <a:endParaRPr lang="en-US" sz="1300" b="1" spc="-1" dirty="0" smtClean="0">
+              <a:solidFill>
+                <a:srgbClr val="595959"/>
+              </a:solidFill>
+              <a:latin typeface="Lato"/>
+            </a:endParaRPr>
+          </a:p>
+          <a:p>
+            <a:pPr>
+              <a:lnSpc>
+                <a:spcPct val="50000"/>
+              </a:lnSpc>
+            </a:pPr>
+            <a:r>
+              <a:rPr lang="en-US" sz="1300" b="1" spc="-1" dirty="0" smtClean="0">
+                <a:solidFill>
+                  <a:srgbClr val="595959"/>
+                </a:solidFill>
+                <a:latin typeface="Lato"/>
+              </a:rPr>
+              <a:t># </a:t>
+            </a:r>
+            <a:r>
+              <a:rPr lang="en-US" sz="1300" b="1" spc="-1" dirty="0" err="1" smtClean="0">
+                <a:solidFill>
+                  <a:srgbClr val="595959"/>
+                </a:solidFill>
+                <a:latin typeface="Lato"/>
+              </a:rPr>
+              <a:t>os</a:t>
+            </a:r>
+            <a:r>
+              <a:rPr lang="en-US" sz="1300" b="1" spc="-1" dirty="0" smtClean="0">
+                <a:solidFill>
+                  <a:srgbClr val="595959"/>
+                </a:solidFill>
+                <a:latin typeface="Lato"/>
+              </a:rPr>
+              <a:t> related module</a:t>
+            </a:r>
+            <a:endParaRPr lang="en-US" sz="1300" b="1" spc="-1" dirty="0">
+              <a:solidFill>
+                <a:srgbClr val="595959"/>
+              </a:solidFill>
+              <a:latin typeface="Lato"/>
+            </a:endParaRPr>
+          </a:p>
+          <a:p>
+            <a:pPr>
+              <a:lnSpc>
+                <a:spcPts val="200"/>
+              </a:lnSpc>
+              <a:spcBef>
+                <a:spcPts val="1599"/>
+              </a:spcBef>
+            </a:pPr>
+            <a:r>
+              <a:rPr lang="en-US" sz="1300" spc="-1" dirty="0"/>
+              <a:t>import </a:t>
+            </a:r>
+            <a:r>
+              <a:rPr lang="en-US" sz="1300" spc="-1" dirty="0" err="1"/>
+              <a:t>os</a:t>
+            </a:r>
+            <a:endParaRPr lang="en-US" sz="1300" spc="-1" dirty="0"/>
+          </a:p>
+          <a:p>
+            <a:pPr>
+              <a:lnSpc>
+                <a:spcPts val="200"/>
+              </a:lnSpc>
+              <a:spcBef>
+                <a:spcPts val="1599"/>
+              </a:spcBef>
+            </a:pPr>
+            <a:r>
+              <a:rPr lang="en-US" sz="1300" spc="-1" dirty="0" err="1"/>
+              <a:t>os.chdir</a:t>
+            </a:r>
+            <a:r>
+              <a:rPr lang="en-US" sz="1300" spc="-1" dirty="0"/>
+              <a:t>(“</a:t>
+            </a:r>
+            <a:r>
+              <a:rPr lang="en-US" sz="1300" spc="-1" dirty="0" err="1"/>
+              <a:t>dir_to</a:t>
+            </a:r>
+            <a:r>
+              <a:rPr lang="en-US" sz="1300" spc="-1" dirty="0"/>
+              <a:t>”)</a:t>
+            </a:r>
+          </a:p>
+          <a:p>
+            <a:pPr>
+              <a:lnSpc>
+                <a:spcPts val="200"/>
+              </a:lnSpc>
+              <a:spcBef>
+                <a:spcPts val="1599"/>
+              </a:spcBef>
+            </a:pPr>
+            <a:r>
+              <a:rPr lang="en-US" sz="1300" spc="-1" dirty="0" err="1"/>
+              <a:t>os.getcwd</a:t>
+            </a:r>
+            <a:r>
+              <a:rPr lang="en-US" sz="1300" spc="-1" dirty="0"/>
+              <a:t>()</a:t>
+            </a:r>
+          </a:p>
+          <a:p>
+            <a:pPr>
+              <a:lnSpc>
+                <a:spcPct val="50000"/>
+              </a:lnSpc>
+            </a:pPr>
+            <a:endParaRPr lang="en-US" sz="1300" b="1" spc="-1" dirty="0">
+              <a:solidFill>
+                <a:srgbClr val="595959"/>
+              </a:solidFill>
+              <a:latin typeface="Lato"/>
+            </a:endParaRPr>
+          </a:p>
+        </p:txBody>
+      </p:sp>
+    </p:spTree>
+    <p:extLst>
+      <p:ext uri="{BB962C8B-B14F-4D97-AF65-F5344CB8AC3E}">
+        <p14:creationId xmlns:p14="http://schemas.microsoft.com/office/powerpoint/2010/main" val="1125379079"/>
+      </p:ext>
+    </p:extLst>
+  </p:cSld>
+  <p:clrMapOvr>
+    <a:masterClrMapping/>
+  </p:clrMapOvr>
+  <p:timing>
+    <p:tnLst>
+      <p:par>
+        <p:cTn id="1" dur="indefinite" restart="never" nodeType="tmRoot">
+          <p:childTnLst>
+            <p:seq>
+              <p:cTn id="2" dur="indefinite" nodeType="mainSeq"/>
+              <p:prevCondLst>
+                <p:cond evt="onPrev" delay="0">
+                  <p:tgtEl>
+                    <p:sldTgt/>
+                  </p:tgtEl>
+                </p:cond>
+              </p:prevCondLst>
+              <p:nextCondLst>
+                <p:cond evt="onNext" delay="0">
+                  <p:tgtEl>
+                    <p:sldTgt/>
+                  </p:tgtEl>
+                </p:cond>
+              </p:nextCondLst>
+            </p:seq>
+          </p:childTnLst>
+        </p:cTn>
+      </p:par>
+    </p:tnLst>
+  </p:timing>
+</p:sld>
+</file>
+
+<file path=ppt/slides/slide23.xml><?xml version="1.0" encoding="utf-8"?>
+<p:sld xmlns:a="http://schemas.openxmlformats.org/drawingml/2006/main" xmlns:r="http://schemas.openxmlformats.org/officeDocument/2006/relationships" xmlns:p="http://schemas.openxmlformats.org/presentationml/2006/main">
+  <p:cSld>
+    <p:spTree>
+      <p:nvGrpSpPr>
+        <p:cNvPr id="1" name=""/>
+        <p:cNvGrpSpPr/>
+        <p:nvPr/>
+      </p:nvGrpSpPr>
+      <p:grpSpPr>
+        <a:xfrm>
+          <a:off x="0" y="0"/>
+          <a:ext cx="0" cy="0"/>
+          <a:chOff x="0" y="0"/>
+          <a:chExt cx="0" cy="0"/>
+        </a:xfrm>
+      </p:grpSpPr>
+      <p:sp>
+        <p:nvSpPr>
+          <p:cNvPr id="153" name="CustomShape 1"/>
+          <p:cNvSpPr/>
+          <p:nvPr/>
+        </p:nvSpPr>
+        <p:spPr>
+          <a:xfrm>
+            <a:off x="450000" y="0"/>
+            <a:ext cx="7688160" cy="534600"/>
+          </a:xfrm>
+          <a:prstGeom prst="rect">
+            <a:avLst/>
+          </a:prstGeom>
+          <a:noFill/>
+          <a:ln>
+            <a:noFill/>
+          </a:ln>
+        </p:spPr>
+        <p:style>
+          <a:lnRef idx="0">
+            <a:scrgbClr r="0" g="0" b="0"/>
+          </a:lnRef>
+          <a:fillRef idx="0">
+            <a:scrgbClr r="0" g="0" b="0"/>
+          </a:fillRef>
+          <a:effectRef idx="0">
+            <a:scrgbClr r="0" g="0" b="0"/>
+          </a:effectRef>
+          <a:fontRef idx="minor"/>
+        </p:style>
+        <p:txBody>
+          <a:bodyPr lIns="90000" tIns="91440" rIns="90000" bIns="91440"/>
+          <a:lstStyle/>
+          <a:p>
+            <a:pPr>
+              <a:lnSpc>
+                <a:spcPct val="100000"/>
+              </a:lnSpc>
+            </a:pPr>
+            <a:r>
+              <a:rPr lang="en-US" sz="2600" b="1" strike="noStrike" spc="-1" dirty="0">
+                <a:solidFill>
+                  <a:srgbClr val="1A1A1A"/>
+                </a:solidFill>
+                <a:latin typeface="Raleway"/>
+                <a:ea typeface="Raleway"/>
+              </a:rPr>
+              <a:t>Basic Python - cont. </a:t>
+            </a:r>
+            <a:r>
+              <a:rPr dirty="0"/>
+              <a:t/>
+            </a:r>
+            <a:br>
+              <a:rPr dirty="0"/>
+            </a:br>
+            <a:endParaRPr lang="en-US" sz="2600" b="0" strike="noStrike" spc="-1" dirty="0">
+              <a:latin typeface="Arial"/>
+            </a:endParaRPr>
+          </a:p>
+        </p:txBody>
+      </p:sp>
+      <p:sp>
+        <p:nvSpPr>
+          <p:cNvPr id="154" name="CustomShape 2"/>
+          <p:cNvSpPr/>
+          <p:nvPr/>
+        </p:nvSpPr>
+        <p:spPr>
+          <a:xfrm>
+            <a:off x="533862" y="592559"/>
+            <a:ext cx="8578239" cy="4340947"/>
+          </a:xfrm>
+          <a:prstGeom prst="rect">
+            <a:avLst/>
+          </a:prstGeom>
+          <a:noFill/>
+          <a:ln>
+            <a:noFill/>
+          </a:ln>
+        </p:spPr>
+        <p:style>
+          <a:lnRef idx="0">
+            <a:scrgbClr r="0" g="0" b="0"/>
+          </a:lnRef>
+          <a:fillRef idx="0">
+            <a:scrgbClr r="0" g="0" b="0"/>
+          </a:fillRef>
+          <a:effectRef idx="0">
+            <a:scrgbClr r="0" g="0" b="0"/>
+          </a:effectRef>
+          <a:fontRef idx="minor"/>
+        </p:style>
+        <p:txBody>
+          <a:bodyPr lIns="90000" tIns="91440" rIns="90000" bIns="91440"/>
+          <a:lstStyle/>
+          <a:p>
+            <a:pPr>
+              <a:lnSpc>
+                <a:spcPct val="50000"/>
+              </a:lnSpc>
+            </a:pPr>
+            <a:r>
+              <a:rPr lang="en-US" sz="1300" b="1" strike="noStrike" spc="-1" dirty="0" smtClean="0">
+                <a:solidFill>
+                  <a:srgbClr val="595959"/>
+                </a:solidFill>
+                <a:latin typeface="Lato"/>
+                <a:ea typeface="Lato"/>
+              </a:rPr>
+              <a:t>Module for Data Science: </a:t>
+            </a:r>
+            <a:r>
+              <a:rPr lang="en-US" sz="1300" b="1" strike="noStrike" spc="-1" dirty="0" err="1" smtClean="0">
+                <a:solidFill>
+                  <a:srgbClr val="595959"/>
+                </a:solidFill>
+                <a:latin typeface="Lato"/>
+                <a:ea typeface="Lato"/>
+              </a:rPr>
+              <a:t>numpy</a:t>
+            </a:r>
+            <a:r>
+              <a:rPr lang="en-US" sz="1300" b="1" strike="noStrike" spc="-1" dirty="0" smtClean="0">
+                <a:solidFill>
+                  <a:srgbClr val="595959"/>
+                </a:solidFill>
+                <a:latin typeface="Lato"/>
+                <a:ea typeface="Lato"/>
+              </a:rPr>
+              <a:t>, pandas, </a:t>
+            </a:r>
+            <a:r>
+              <a:rPr lang="en-US" sz="1300" b="1" strike="noStrike" spc="-1" dirty="0" err="1" smtClean="0">
+                <a:solidFill>
+                  <a:srgbClr val="595959"/>
+                </a:solidFill>
+                <a:latin typeface="Lato"/>
+                <a:ea typeface="Lato"/>
+              </a:rPr>
+              <a:t>scipy</a:t>
+            </a:r>
+            <a:r>
+              <a:rPr lang="en-US" sz="1300" b="1" strike="noStrike" spc="-1" dirty="0" smtClean="0">
+                <a:solidFill>
+                  <a:srgbClr val="595959"/>
+                </a:solidFill>
+                <a:latin typeface="Lato"/>
+                <a:ea typeface="Lato"/>
+              </a:rPr>
+              <a:t> (for modeling)</a:t>
+            </a:r>
+          </a:p>
+          <a:p>
+            <a:pPr>
+              <a:lnSpc>
+                <a:spcPct val="50000"/>
+              </a:lnSpc>
+            </a:pPr>
+            <a:endParaRPr lang="en-US" sz="1300" b="1" spc="-1" dirty="0" smtClean="0">
+              <a:solidFill>
+                <a:srgbClr val="595959"/>
+              </a:solidFill>
+              <a:latin typeface="Lato"/>
+            </a:endParaRPr>
+          </a:p>
+          <a:p>
+            <a:pPr>
+              <a:lnSpc>
+                <a:spcPct val="50000"/>
+              </a:lnSpc>
+            </a:pPr>
+            <a:endParaRPr lang="en-US" sz="1300" b="1" spc="-1" dirty="0" smtClean="0">
+              <a:solidFill>
+                <a:srgbClr val="595959"/>
+              </a:solidFill>
+              <a:latin typeface="Lato"/>
+            </a:endParaRPr>
+          </a:p>
+          <a:p>
+            <a:pPr>
+              <a:lnSpc>
+                <a:spcPct val="50000"/>
+              </a:lnSpc>
+            </a:pPr>
+            <a:endParaRPr lang="en-US" sz="1300" b="1" spc="-1" dirty="0">
+              <a:solidFill>
+                <a:srgbClr val="595959"/>
+              </a:solidFill>
+              <a:latin typeface="Lato"/>
+            </a:endParaRPr>
+          </a:p>
+          <a:p>
+            <a:pPr>
+              <a:lnSpc>
+                <a:spcPct val="50000"/>
+              </a:lnSpc>
+            </a:pPr>
+            <a:r>
+              <a:rPr lang="en-US" sz="1300" b="1" spc="-1" dirty="0" err="1" smtClean="0">
+                <a:solidFill>
+                  <a:srgbClr val="595959"/>
+                </a:solidFill>
+                <a:latin typeface="Lato"/>
+              </a:rPr>
+              <a:t>Numpy</a:t>
+            </a:r>
+            <a:r>
+              <a:rPr lang="en-US" sz="1300" b="1" spc="-1" dirty="0" smtClean="0">
+                <a:solidFill>
+                  <a:srgbClr val="595959"/>
+                </a:solidFill>
+                <a:latin typeface="Lato"/>
+              </a:rPr>
+              <a:t>, pandas – for working with data. The underlying code is using C language and so is very fast.</a:t>
+            </a:r>
+          </a:p>
+          <a:p>
+            <a:pPr>
+              <a:lnSpc>
+                <a:spcPct val="50000"/>
+              </a:lnSpc>
+            </a:pPr>
+            <a:endParaRPr lang="en-US" sz="1300" b="1" spc="-1" dirty="0">
+              <a:solidFill>
+                <a:srgbClr val="595959"/>
+              </a:solidFill>
+              <a:latin typeface="Lato"/>
+            </a:endParaRPr>
+          </a:p>
+          <a:p>
+            <a:pPr>
+              <a:lnSpc>
+                <a:spcPct val="50000"/>
+              </a:lnSpc>
+            </a:pPr>
+            <a:endParaRPr lang="en-US" sz="1300" b="1" spc="-1" dirty="0" smtClean="0">
+              <a:solidFill>
+                <a:srgbClr val="595959"/>
+              </a:solidFill>
+              <a:latin typeface="Lato"/>
+            </a:endParaRPr>
+          </a:p>
+          <a:p>
+            <a:pPr>
+              <a:lnSpc>
+                <a:spcPct val="50000"/>
+              </a:lnSpc>
+            </a:pPr>
+            <a:r>
+              <a:rPr lang="en-US" sz="1300" b="1" spc="-1" dirty="0" err="1" smtClean="0">
+                <a:solidFill>
+                  <a:srgbClr val="595959"/>
+                </a:solidFill>
+                <a:latin typeface="Lato"/>
+              </a:rPr>
+              <a:t>Matplotlib</a:t>
+            </a:r>
+            <a:r>
+              <a:rPr lang="en-US" sz="1300" b="1" spc="-1" dirty="0" smtClean="0">
+                <a:solidFill>
+                  <a:srgbClr val="595959"/>
+                </a:solidFill>
+                <a:latin typeface="Lato"/>
+              </a:rPr>
+              <a:t> – for graphing</a:t>
+            </a:r>
+          </a:p>
+          <a:p>
+            <a:pPr>
+              <a:lnSpc>
+                <a:spcPct val="50000"/>
+              </a:lnSpc>
+            </a:pPr>
+            <a:endParaRPr lang="en-US" sz="1300" b="1" spc="-1" dirty="0">
+              <a:solidFill>
+                <a:srgbClr val="595959"/>
+              </a:solidFill>
+              <a:latin typeface="Lato"/>
+            </a:endParaRPr>
+          </a:p>
+          <a:p>
+            <a:pPr>
+              <a:lnSpc>
+                <a:spcPct val="50000"/>
+              </a:lnSpc>
+            </a:pPr>
+            <a:endParaRPr lang="en-US" sz="1300" b="1" spc="-1" dirty="0" smtClean="0">
+              <a:solidFill>
+                <a:srgbClr val="595959"/>
+              </a:solidFill>
+              <a:latin typeface="Lato"/>
+            </a:endParaRPr>
+          </a:p>
+          <a:p>
+            <a:pPr>
+              <a:lnSpc>
+                <a:spcPct val="50000"/>
+              </a:lnSpc>
+            </a:pPr>
+            <a:endParaRPr lang="en-US" sz="1300" b="1" spc="-1" dirty="0" smtClean="0">
+              <a:solidFill>
+                <a:srgbClr val="595959"/>
+              </a:solidFill>
+              <a:latin typeface="Lato"/>
+            </a:endParaRPr>
+          </a:p>
+          <a:p>
+            <a:pPr>
+              <a:lnSpc>
+                <a:spcPct val="50000"/>
+              </a:lnSpc>
+            </a:pPr>
+            <a:r>
+              <a:rPr lang="en-US" sz="1300" b="1" spc="-1" dirty="0" smtClean="0">
+                <a:solidFill>
+                  <a:srgbClr val="595959"/>
+                </a:solidFill>
+                <a:latin typeface="Lato"/>
+              </a:rPr>
+              <a:t>To install:</a:t>
+            </a:r>
+          </a:p>
+          <a:p>
+            <a:pPr>
+              <a:lnSpc>
+                <a:spcPct val="50000"/>
+              </a:lnSpc>
+            </a:pPr>
+            <a:endParaRPr lang="en-US" sz="1300" b="1" spc="-1" dirty="0">
+              <a:solidFill>
+                <a:srgbClr val="595959"/>
+              </a:solidFill>
+              <a:latin typeface="Lato"/>
+            </a:endParaRPr>
+          </a:p>
+          <a:p>
+            <a:pPr>
+              <a:lnSpc>
+                <a:spcPct val="50000"/>
+              </a:lnSpc>
+            </a:pPr>
+            <a:endParaRPr lang="en-US" sz="1300" spc="-1" dirty="0" smtClean="0">
+              <a:solidFill>
+                <a:srgbClr val="595959"/>
+              </a:solidFill>
+              <a:latin typeface="Lato"/>
+            </a:endParaRPr>
+          </a:p>
+          <a:p>
+            <a:pPr>
+              <a:lnSpc>
+                <a:spcPct val="50000"/>
+              </a:lnSpc>
+            </a:pPr>
+            <a:r>
+              <a:rPr lang="en-US" sz="1300" spc="-1" dirty="0" smtClean="0">
+                <a:solidFill>
+                  <a:srgbClr val="595959"/>
+                </a:solidFill>
+                <a:latin typeface="Lato"/>
+              </a:rPr>
+              <a:t>pip3 install </a:t>
+            </a:r>
+            <a:r>
+              <a:rPr lang="en-US" sz="1300" spc="-1" dirty="0" err="1" smtClean="0">
+                <a:solidFill>
+                  <a:srgbClr val="595959"/>
+                </a:solidFill>
+                <a:latin typeface="Lato"/>
+              </a:rPr>
+              <a:t>numpy</a:t>
+            </a:r>
+            <a:endParaRPr lang="en-US" sz="1300" spc="-1" dirty="0" smtClean="0">
+              <a:solidFill>
+                <a:srgbClr val="595959"/>
+              </a:solidFill>
+              <a:latin typeface="Lato"/>
+            </a:endParaRPr>
+          </a:p>
+          <a:p>
+            <a:pPr>
+              <a:lnSpc>
+                <a:spcPct val="50000"/>
+              </a:lnSpc>
+            </a:pPr>
+            <a:endParaRPr lang="en-US" sz="1300" spc="-1" dirty="0">
+              <a:solidFill>
+                <a:srgbClr val="595959"/>
+              </a:solidFill>
+              <a:latin typeface="Lato"/>
+            </a:endParaRPr>
+          </a:p>
+          <a:p>
+            <a:pPr>
+              <a:lnSpc>
+                <a:spcPct val="50000"/>
+              </a:lnSpc>
+            </a:pPr>
+            <a:endParaRPr lang="en-US" sz="1300" spc="-1" dirty="0" smtClean="0">
+              <a:solidFill>
+                <a:srgbClr val="595959"/>
+              </a:solidFill>
+              <a:latin typeface="Lato"/>
+            </a:endParaRPr>
+          </a:p>
+          <a:p>
+            <a:pPr>
+              <a:lnSpc>
+                <a:spcPct val="50000"/>
+              </a:lnSpc>
+            </a:pPr>
+            <a:r>
+              <a:rPr lang="en-US" sz="1300" spc="-1" dirty="0" smtClean="0">
+                <a:solidFill>
+                  <a:srgbClr val="595959"/>
+                </a:solidFill>
+                <a:latin typeface="Lato"/>
+              </a:rPr>
+              <a:t>pip3 install pandas</a:t>
+            </a:r>
+          </a:p>
+          <a:p>
+            <a:pPr>
+              <a:lnSpc>
+                <a:spcPct val="50000"/>
+              </a:lnSpc>
+            </a:pPr>
+            <a:endParaRPr lang="en-US" sz="1300" spc="-1" dirty="0">
+              <a:solidFill>
+                <a:srgbClr val="595959"/>
+              </a:solidFill>
+              <a:latin typeface="Lato"/>
+            </a:endParaRPr>
+          </a:p>
+          <a:p>
+            <a:pPr>
+              <a:lnSpc>
+                <a:spcPct val="50000"/>
+              </a:lnSpc>
+            </a:pPr>
+            <a:endParaRPr lang="en-US" sz="1300" spc="-1" dirty="0" smtClean="0">
+              <a:solidFill>
+                <a:srgbClr val="595959"/>
+              </a:solidFill>
+              <a:latin typeface="Lato"/>
+            </a:endParaRPr>
+          </a:p>
+          <a:p>
+            <a:pPr>
+              <a:lnSpc>
+                <a:spcPct val="50000"/>
+              </a:lnSpc>
+            </a:pPr>
+            <a:r>
+              <a:rPr lang="en-US" sz="1300" spc="-1" dirty="0" smtClean="0">
+                <a:solidFill>
+                  <a:srgbClr val="595959"/>
+                </a:solidFill>
+                <a:latin typeface="Lato"/>
+              </a:rPr>
+              <a:t>pip3 install </a:t>
+            </a:r>
+            <a:r>
+              <a:rPr lang="en-US" sz="1300" spc="-1" dirty="0" err="1" smtClean="0">
+                <a:solidFill>
+                  <a:srgbClr val="595959"/>
+                </a:solidFill>
+                <a:latin typeface="Lato"/>
+              </a:rPr>
+              <a:t>matplotlib</a:t>
+            </a:r>
+            <a:endParaRPr lang="en-US" sz="1300" spc="-1" dirty="0" smtClean="0">
+              <a:solidFill>
+                <a:srgbClr val="595959"/>
+              </a:solidFill>
+              <a:latin typeface="Lato"/>
+            </a:endParaRPr>
+          </a:p>
+          <a:p>
+            <a:pPr>
+              <a:lnSpc>
+                <a:spcPct val="50000"/>
+              </a:lnSpc>
+            </a:pPr>
+            <a:endParaRPr lang="en-US" sz="1300" spc="-1" dirty="0">
+              <a:solidFill>
+                <a:srgbClr val="595959"/>
+              </a:solidFill>
+              <a:latin typeface="Lato"/>
+            </a:endParaRPr>
+          </a:p>
+          <a:p>
+            <a:pPr>
+              <a:lnSpc>
+                <a:spcPct val="50000"/>
+              </a:lnSpc>
+            </a:pPr>
+            <a:endParaRPr lang="en-US" sz="1300" spc="-1" dirty="0" smtClean="0">
+              <a:solidFill>
+                <a:srgbClr val="595959"/>
+              </a:solidFill>
+              <a:latin typeface="Lato"/>
+            </a:endParaRPr>
+          </a:p>
+          <a:p>
+            <a:pPr>
+              <a:lnSpc>
+                <a:spcPct val="50000"/>
+              </a:lnSpc>
+            </a:pPr>
+            <a:endParaRPr lang="en-US" sz="1300" spc="-1" dirty="0">
+              <a:solidFill>
+                <a:srgbClr val="595959"/>
+              </a:solidFill>
+              <a:latin typeface="Lato"/>
+            </a:endParaRPr>
+          </a:p>
+          <a:p>
+            <a:pPr>
+              <a:lnSpc>
+                <a:spcPct val="50000"/>
+              </a:lnSpc>
+            </a:pPr>
+            <a:r>
+              <a:rPr lang="en-US" sz="1300" spc="-1" dirty="0" smtClean="0">
+                <a:solidFill>
+                  <a:srgbClr val="595959"/>
+                </a:solidFill>
+                <a:latin typeface="Lato"/>
+              </a:rPr>
+              <a:t>import </a:t>
+            </a:r>
+            <a:r>
+              <a:rPr lang="en-US" sz="1300" spc="-1" dirty="0" err="1" smtClean="0">
+                <a:solidFill>
+                  <a:srgbClr val="595959"/>
+                </a:solidFill>
+                <a:latin typeface="Lato"/>
+              </a:rPr>
+              <a:t>numpy</a:t>
+            </a:r>
+            <a:r>
+              <a:rPr lang="en-US" sz="1300" spc="-1" dirty="0" smtClean="0">
+                <a:solidFill>
+                  <a:srgbClr val="595959"/>
+                </a:solidFill>
+                <a:latin typeface="Lato"/>
+              </a:rPr>
+              <a:t> as np</a:t>
+            </a:r>
+          </a:p>
+          <a:p>
+            <a:pPr>
+              <a:lnSpc>
+                <a:spcPct val="50000"/>
+              </a:lnSpc>
+            </a:pPr>
+            <a:endParaRPr lang="en-US" sz="1300" spc="-1" dirty="0" smtClean="0">
+              <a:solidFill>
+                <a:srgbClr val="595959"/>
+              </a:solidFill>
+              <a:latin typeface="Lato"/>
+            </a:endParaRPr>
+          </a:p>
+          <a:p>
+            <a:pPr>
+              <a:lnSpc>
+                <a:spcPct val="50000"/>
+              </a:lnSpc>
+            </a:pPr>
+            <a:endParaRPr lang="en-US" sz="1300" spc="-1" dirty="0">
+              <a:solidFill>
+                <a:srgbClr val="595959"/>
+              </a:solidFill>
+              <a:latin typeface="Lato"/>
+            </a:endParaRPr>
+          </a:p>
+          <a:p>
+            <a:pPr>
+              <a:lnSpc>
+                <a:spcPct val="50000"/>
+              </a:lnSpc>
+            </a:pPr>
+            <a:r>
+              <a:rPr lang="en-US" sz="1300" spc="-1" dirty="0" smtClean="0">
+                <a:solidFill>
+                  <a:srgbClr val="595959"/>
+                </a:solidFill>
+                <a:latin typeface="Lato"/>
+              </a:rPr>
+              <a:t>import </a:t>
+            </a:r>
+            <a:r>
+              <a:rPr lang="en-US" sz="1300" spc="-1" dirty="0" err="1" smtClean="0">
+                <a:solidFill>
+                  <a:srgbClr val="595959"/>
+                </a:solidFill>
+                <a:latin typeface="Lato"/>
+              </a:rPr>
+              <a:t>matplotlib.pyplot</a:t>
+            </a:r>
+            <a:r>
+              <a:rPr lang="en-US" sz="1300" spc="-1" dirty="0" smtClean="0">
+                <a:solidFill>
+                  <a:srgbClr val="595959"/>
+                </a:solidFill>
+                <a:latin typeface="Lato"/>
+              </a:rPr>
+              <a:t> as </a:t>
+            </a:r>
+            <a:r>
+              <a:rPr lang="en-US" sz="1300" spc="-1" dirty="0" err="1" smtClean="0">
+                <a:solidFill>
+                  <a:srgbClr val="595959"/>
+                </a:solidFill>
+                <a:latin typeface="Lato"/>
+              </a:rPr>
+              <a:t>plt</a:t>
+            </a:r>
+            <a:endParaRPr lang="en-US" sz="1300" spc="-1" dirty="0" smtClean="0">
+              <a:solidFill>
+                <a:srgbClr val="595959"/>
+              </a:solidFill>
+              <a:latin typeface="Lato"/>
+            </a:endParaRPr>
+          </a:p>
+          <a:p>
+            <a:pPr>
+              <a:lnSpc>
+                <a:spcPct val="50000"/>
+              </a:lnSpc>
+            </a:pPr>
+            <a:endParaRPr lang="en-US" sz="1300" spc="-1" dirty="0">
+              <a:solidFill>
+                <a:srgbClr val="595959"/>
+              </a:solidFill>
+              <a:latin typeface="Lato"/>
+            </a:endParaRPr>
+          </a:p>
+          <a:p>
+            <a:pPr>
+              <a:lnSpc>
+                <a:spcPct val="50000"/>
+              </a:lnSpc>
+            </a:pPr>
+            <a:endParaRPr lang="en-US" sz="1300" spc="-1" dirty="0" smtClean="0">
+              <a:solidFill>
+                <a:srgbClr val="595959"/>
+              </a:solidFill>
+              <a:latin typeface="Lato"/>
+            </a:endParaRPr>
+          </a:p>
+          <a:p>
+            <a:pPr>
+              <a:lnSpc>
+                <a:spcPct val="50000"/>
+              </a:lnSpc>
+            </a:pPr>
+            <a:r>
+              <a:rPr lang="en-US" sz="1300" spc="-1" dirty="0" smtClean="0">
+                <a:solidFill>
+                  <a:srgbClr val="595959"/>
+                </a:solidFill>
+                <a:latin typeface="Lato"/>
+              </a:rPr>
+              <a:t>print(“</a:t>
+            </a:r>
+            <a:r>
+              <a:rPr lang="en-US" sz="1300" spc="-1" dirty="0" err="1" smtClean="0">
+                <a:solidFill>
+                  <a:srgbClr val="595959"/>
+                </a:solidFill>
+                <a:latin typeface="Lato"/>
+              </a:rPr>
+              <a:t>Numpy</a:t>
+            </a:r>
+            <a:r>
+              <a:rPr lang="en-US" sz="1300" spc="-1" dirty="0" smtClean="0">
+                <a:solidFill>
+                  <a:srgbClr val="595959"/>
+                </a:solidFill>
+                <a:latin typeface="Lato"/>
+              </a:rPr>
+              <a:t> version : {0}”.format(</a:t>
+            </a:r>
+            <a:r>
+              <a:rPr lang="en-US" sz="1300" spc="-1" dirty="0" err="1" smtClean="0">
+                <a:solidFill>
+                  <a:srgbClr val="595959"/>
+                </a:solidFill>
+                <a:latin typeface="Lato"/>
+              </a:rPr>
+              <a:t>np.__version</a:t>
+            </a:r>
+            <a:r>
+              <a:rPr lang="en-US" sz="1300" spc="-1" dirty="0" smtClean="0">
+                <a:solidFill>
+                  <a:srgbClr val="595959"/>
+                </a:solidFill>
+                <a:latin typeface="Lato"/>
+              </a:rPr>
+              <a:t>__))</a:t>
+            </a:r>
+          </a:p>
+          <a:p>
+            <a:pPr>
+              <a:lnSpc>
+                <a:spcPct val="50000"/>
+              </a:lnSpc>
+            </a:pPr>
+            <a:endParaRPr lang="en-US" sz="1300" spc="-1" dirty="0">
+              <a:solidFill>
+                <a:srgbClr val="595959"/>
+              </a:solidFill>
+              <a:latin typeface="Lato"/>
+            </a:endParaRPr>
+          </a:p>
+          <a:p>
+            <a:pPr>
+              <a:lnSpc>
+                <a:spcPct val="50000"/>
+              </a:lnSpc>
+            </a:pPr>
+            <a:endParaRPr lang="en-US" sz="1300" spc="-1" dirty="0" smtClean="0">
+              <a:solidFill>
+                <a:srgbClr val="595959"/>
+              </a:solidFill>
+              <a:latin typeface="Lato"/>
+            </a:endParaRPr>
+          </a:p>
+          <a:p>
+            <a:pPr>
+              <a:lnSpc>
+                <a:spcPct val="50000"/>
+              </a:lnSpc>
+            </a:pPr>
+            <a:r>
+              <a:rPr lang="en-US" sz="1300" spc="-1" dirty="0" smtClean="0">
+                <a:solidFill>
+                  <a:srgbClr val="595959"/>
+                </a:solidFill>
+                <a:latin typeface="Lato"/>
+              </a:rPr>
+              <a:t>print(“Pandas version : {0}”.format(</a:t>
+            </a:r>
+            <a:r>
+              <a:rPr lang="en-US" sz="1300" spc="-1" dirty="0" err="1" smtClean="0">
+                <a:solidFill>
+                  <a:srgbClr val="595959"/>
+                </a:solidFill>
+                <a:latin typeface="Lato"/>
+              </a:rPr>
+              <a:t>pandas.__version</a:t>
+            </a:r>
+            <a:r>
+              <a:rPr lang="en-US" sz="1300" spc="-1" dirty="0" smtClean="0">
+                <a:solidFill>
+                  <a:srgbClr val="595959"/>
+                </a:solidFill>
+                <a:latin typeface="Lato"/>
+              </a:rPr>
+              <a:t>__))</a:t>
+            </a:r>
+          </a:p>
+          <a:p>
+            <a:pPr>
+              <a:lnSpc>
+                <a:spcPct val="50000"/>
+              </a:lnSpc>
+            </a:pPr>
+            <a:endParaRPr lang="en-US" sz="1300" spc="-1" dirty="0">
+              <a:solidFill>
+                <a:srgbClr val="595959"/>
+              </a:solidFill>
+              <a:latin typeface="Lato"/>
+            </a:endParaRPr>
+          </a:p>
+          <a:p>
+            <a:pPr>
+              <a:lnSpc>
+                <a:spcPct val="50000"/>
+              </a:lnSpc>
+            </a:pPr>
+            <a:endParaRPr lang="en-US" sz="1300" spc="-1" dirty="0" smtClean="0">
+              <a:solidFill>
+                <a:srgbClr val="595959"/>
+              </a:solidFill>
+              <a:latin typeface="Lato"/>
+            </a:endParaRPr>
+          </a:p>
+          <a:p>
+            <a:pPr>
+              <a:lnSpc>
+                <a:spcPct val="50000"/>
+              </a:lnSpc>
+            </a:pPr>
+            <a:r>
+              <a:rPr lang="en-US" sz="1300" spc="-1" dirty="0">
+                <a:solidFill>
+                  <a:srgbClr val="595959"/>
+                </a:solidFill>
+                <a:latin typeface="Lato"/>
+              </a:rPr>
+              <a:t>print</a:t>
+            </a:r>
+            <a:r>
+              <a:rPr lang="en-US" sz="1300" spc="-1" dirty="0" smtClean="0">
+                <a:solidFill>
+                  <a:srgbClr val="595959"/>
+                </a:solidFill>
+                <a:latin typeface="Lato"/>
+              </a:rPr>
+              <a:t>(“</a:t>
+            </a:r>
+            <a:r>
+              <a:rPr lang="en-US" sz="1300" spc="-1" dirty="0" err="1" smtClean="0">
+                <a:solidFill>
+                  <a:srgbClr val="595959"/>
+                </a:solidFill>
+                <a:latin typeface="Lato"/>
+              </a:rPr>
+              <a:t>Matplotlib</a:t>
+            </a:r>
+            <a:r>
+              <a:rPr lang="en-US" sz="1300" spc="-1" dirty="0" smtClean="0">
+                <a:solidFill>
+                  <a:srgbClr val="595959"/>
+                </a:solidFill>
+                <a:latin typeface="Lato"/>
+              </a:rPr>
+              <a:t> </a:t>
+            </a:r>
+            <a:r>
+              <a:rPr lang="en-US" sz="1300" spc="-1" dirty="0">
+                <a:solidFill>
+                  <a:srgbClr val="595959"/>
+                </a:solidFill>
+                <a:latin typeface="Lato"/>
+              </a:rPr>
+              <a:t>version : {0}”.</a:t>
+            </a:r>
+            <a:r>
+              <a:rPr lang="en-US" sz="1300" spc="-1" dirty="0" smtClean="0">
+                <a:solidFill>
+                  <a:srgbClr val="595959"/>
+                </a:solidFill>
+                <a:latin typeface="Lato"/>
+              </a:rPr>
+              <a:t>format(</a:t>
+            </a:r>
+            <a:r>
+              <a:rPr lang="en-US" sz="1300" spc="-1" dirty="0" err="1" smtClean="0">
+                <a:solidFill>
+                  <a:srgbClr val="595959"/>
+                </a:solidFill>
+                <a:latin typeface="Lato"/>
+              </a:rPr>
+              <a:t>matplotlib</a:t>
+            </a:r>
+            <a:r>
+              <a:rPr lang="en-US" sz="1300" spc="-1" dirty="0" smtClean="0">
+                <a:solidFill>
+                  <a:srgbClr val="595959"/>
+                </a:solidFill>
+                <a:latin typeface="Lato"/>
+              </a:rPr>
+              <a:t>.__</a:t>
+            </a:r>
+            <a:r>
+              <a:rPr lang="en-US" sz="1300" spc="-1" dirty="0">
+                <a:solidFill>
+                  <a:srgbClr val="595959"/>
+                </a:solidFill>
+                <a:latin typeface="Lato"/>
+              </a:rPr>
+              <a:t>version__))</a:t>
+            </a:r>
+          </a:p>
+          <a:p>
+            <a:pPr>
+              <a:lnSpc>
+                <a:spcPct val="50000"/>
+              </a:lnSpc>
+            </a:pPr>
+            <a:endParaRPr lang="en-US" sz="1300" b="1" spc="-1" dirty="0" smtClean="0">
+              <a:solidFill>
+                <a:srgbClr val="595959"/>
+              </a:solidFill>
+              <a:latin typeface="Lato"/>
+            </a:endParaRPr>
+          </a:p>
+          <a:p>
+            <a:pPr>
+              <a:lnSpc>
+                <a:spcPct val="50000"/>
+              </a:lnSpc>
+            </a:pPr>
+            <a:endParaRPr lang="en-US" sz="1300" b="1" spc="-1" dirty="0" smtClean="0">
+              <a:solidFill>
+                <a:srgbClr val="595959"/>
+              </a:solidFill>
+              <a:latin typeface="Lato"/>
+            </a:endParaRPr>
+          </a:p>
+          <a:p>
+            <a:pPr>
+              <a:lnSpc>
+                <a:spcPct val="50000"/>
+              </a:lnSpc>
+            </a:pPr>
+            <a:endParaRPr lang="en-US" sz="1300" b="1" spc="-1" dirty="0" smtClean="0">
+              <a:solidFill>
+                <a:srgbClr val="595959"/>
+              </a:solidFill>
+              <a:latin typeface="Lato"/>
+            </a:endParaRPr>
+          </a:p>
+          <a:p>
+            <a:pPr>
+              <a:lnSpc>
+                <a:spcPct val="50000"/>
+              </a:lnSpc>
+            </a:pPr>
+            <a:endParaRPr lang="en-US" sz="1300" b="1" spc="-1" dirty="0">
+              <a:solidFill>
+                <a:srgbClr val="595959"/>
+              </a:solidFill>
+              <a:latin typeface="Lato"/>
+            </a:endParaRPr>
+          </a:p>
+        </p:txBody>
+      </p:sp>
+    </p:spTree>
+    <p:extLst>
+      <p:ext uri="{BB962C8B-B14F-4D97-AF65-F5344CB8AC3E}">
+        <p14:creationId xmlns:p14="http://schemas.microsoft.com/office/powerpoint/2010/main" val="2861482150"/>
+      </p:ext>
+    </p:extLst>
+  </p:cSld>
+  <p:clrMapOvr>
+    <a:masterClrMapping/>
+  </p:clrMapOvr>
+  <p:timing>
+    <p:tnLst>
+      <p:par>
+        <p:cTn id="1" dur="indefinite" restart="never" nodeType="tmRoot">
+          <p:childTnLst>
+            <p:seq>
+              <p:cTn id="2" dur="indefinite" nodeType="mainSeq"/>
+              <p:prevCondLst>
+                <p:cond evt="onPrev" delay="0">
+                  <p:tgtEl>
+                    <p:sldTgt/>
+                  </p:tgtEl>
+                </p:cond>
+              </p:prevCondLst>
+              <p:nextCondLst>
+                <p:cond evt="onNext" delay="0">
+                  <p:tgtEl>
+                    <p:sldTgt/>
+                  </p:tgtEl>
+                </p:cond>
+              </p:nextCondLst>
+            </p:seq>
+          </p:childTnLst>
+        </p:cTn>
+      </p:par>
+    </p:tnLst>
+  </p:timing>
+</p:sld>
+</file>
+
+<file path=ppt/slides/slide24.xml><?xml version="1.0" encoding="utf-8"?>
+<p:sld xmlns:a="http://schemas.openxmlformats.org/drawingml/2006/main" xmlns:r="http://schemas.openxmlformats.org/officeDocument/2006/relationships" xmlns:p="http://schemas.openxmlformats.org/presentationml/2006/main">
+  <p:cSld>
+    <p:spTree>
+      <p:nvGrpSpPr>
+        <p:cNvPr id="1" name=""/>
+        <p:cNvGrpSpPr/>
+        <p:nvPr/>
+      </p:nvGrpSpPr>
+      <p:grpSpPr>
+        <a:xfrm>
+          <a:off x="0" y="0"/>
+          <a:ext cx="0" cy="0"/>
+          <a:chOff x="0" y="0"/>
+          <a:chExt cx="0" cy="0"/>
+        </a:xfrm>
+      </p:grpSpPr>
+      <p:sp>
+        <p:nvSpPr>
+          <p:cNvPr id="153" name="CustomShape 1"/>
+          <p:cNvSpPr/>
+          <p:nvPr/>
+        </p:nvSpPr>
+        <p:spPr>
+          <a:xfrm>
+            <a:off x="450000" y="0"/>
+            <a:ext cx="7688160" cy="534600"/>
+          </a:xfrm>
+          <a:prstGeom prst="rect">
+            <a:avLst/>
+          </a:prstGeom>
+          <a:noFill/>
+          <a:ln>
+            <a:noFill/>
+          </a:ln>
+        </p:spPr>
+        <p:style>
+          <a:lnRef idx="0">
+            <a:scrgbClr r="0" g="0" b="0"/>
+          </a:lnRef>
+          <a:fillRef idx="0">
+            <a:scrgbClr r="0" g="0" b="0"/>
+          </a:fillRef>
+          <a:effectRef idx="0">
+            <a:scrgbClr r="0" g="0" b="0"/>
+          </a:effectRef>
+          <a:fontRef idx="minor"/>
+        </p:style>
+        <p:txBody>
+          <a:bodyPr lIns="90000" tIns="91440" rIns="90000" bIns="91440"/>
+          <a:lstStyle/>
+          <a:p>
+            <a:pPr>
+              <a:lnSpc>
+                <a:spcPct val="100000"/>
+              </a:lnSpc>
+            </a:pPr>
+            <a:r>
+              <a:rPr lang="en-US" sz="2600" b="1" strike="noStrike" spc="-1" dirty="0">
+                <a:solidFill>
+                  <a:srgbClr val="1A1A1A"/>
+                </a:solidFill>
+                <a:latin typeface="Raleway"/>
+                <a:ea typeface="Raleway"/>
+              </a:rPr>
+              <a:t>Basic Python - cont. </a:t>
+            </a:r>
+            <a:r>
+              <a:rPr dirty="0"/>
+              <a:t/>
+            </a:r>
+            <a:br>
+              <a:rPr dirty="0"/>
+            </a:br>
+            <a:endParaRPr lang="en-US" sz="2600" b="0" strike="noStrike" spc="-1" dirty="0">
+              <a:latin typeface="Arial"/>
+            </a:endParaRPr>
+          </a:p>
+        </p:txBody>
+      </p:sp>
+      <p:sp>
+        <p:nvSpPr>
+          <p:cNvPr id="154" name="CustomShape 2"/>
+          <p:cNvSpPr/>
+          <p:nvPr/>
+        </p:nvSpPr>
+        <p:spPr>
+          <a:xfrm>
+            <a:off x="395640" y="592559"/>
+            <a:ext cx="6451728" cy="4550941"/>
+          </a:xfrm>
+          <a:prstGeom prst="rect">
+            <a:avLst/>
+          </a:prstGeom>
+          <a:noFill/>
+          <a:ln>
+            <a:noFill/>
+          </a:ln>
+        </p:spPr>
+        <p:style>
+          <a:lnRef idx="0">
+            <a:scrgbClr r="0" g="0" b="0"/>
+          </a:lnRef>
+          <a:fillRef idx="0">
+            <a:scrgbClr r="0" g="0" b="0"/>
+          </a:fillRef>
+          <a:effectRef idx="0">
+            <a:scrgbClr r="0" g="0" b="0"/>
+          </a:effectRef>
+          <a:fontRef idx="minor"/>
+        </p:style>
+        <p:txBody>
+          <a:bodyPr lIns="90000" tIns="91440" rIns="90000" bIns="91440"/>
+          <a:lstStyle/>
+          <a:p>
+            <a:pPr>
+              <a:lnSpc>
+                <a:spcPct val="50000"/>
+              </a:lnSpc>
+            </a:pPr>
+            <a:r>
+              <a:rPr lang="en-US" sz="1300" b="1" strike="noStrike" spc="-1" dirty="0" err="1" smtClean="0">
+                <a:solidFill>
+                  <a:srgbClr val="595959"/>
+                </a:solidFill>
+                <a:latin typeface="Lato"/>
+                <a:ea typeface="Lato"/>
+              </a:rPr>
+              <a:t>NumPy</a:t>
+            </a:r>
+            <a:endParaRPr lang="en-US" sz="1300" b="1" strike="noStrike" spc="-1" dirty="0" smtClean="0">
+              <a:solidFill>
+                <a:srgbClr val="595959"/>
+              </a:solidFill>
+              <a:latin typeface="Lato"/>
+              <a:ea typeface="Lato"/>
+            </a:endParaRPr>
+          </a:p>
+          <a:p>
+            <a:pPr>
+              <a:lnSpc>
+                <a:spcPct val="50000"/>
+              </a:lnSpc>
+            </a:pPr>
+            <a:endParaRPr lang="en-US" sz="1300" b="1" spc="-1" dirty="0">
+              <a:solidFill>
+                <a:srgbClr val="595959"/>
+              </a:solidFill>
+              <a:latin typeface="Lato"/>
+            </a:endParaRPr>
+          </a:p>
+          <a:p>
+            <a:pPr>
+              <a:lnSpc>
+                <a:spcPct val="50000"/>
+              </a:lnSpc>
+            </a:pPr>
+            <a:endParaRPr lang="en-US" sz="1300" spc="-1" dirty="0" smtClean="0">
+              <a:solidFill>
+                <a:srgbClr val="595959"/>
+              </a:solidFill>
+              <a:latin typeface="Lato"/>
+            </a:endParaRPr>
+          </a:p>
+          <a:p>
+            <a:pPr>
+              <a:lnSpc>
+                <a:spcPct val="50000"/>
+              </a:lnSpc>
+            </a:pPr>
+            <a:r>
+              <a:rPr lang="en-US" sz="1300" spc="-1" dirty="0" smtClean="0">
+                <a:solidFill>
+                  <a:srgbClr val="595959"/>
+                </a:solidFill>
+                <a:latin typeface="Lato"/>
+              </a:rPr>
+              <a:t># key object is </a:t>
+            </a:r>
+            <a:r>
+              <a:rPr lang="en-US" sz="1300" spc="-1" dirty="0" err="1" smtClean="0">
+                <a:solidFill>
+                  <a:srgbClr val="595959"/>
+                </a:solidFill>
+                <a:latin typeface="Lato"/>
+              </a:rPr>
+              <a:t>ndarray</a:t>
+            </a:r>
+            <a:r>
+              <a:rPr lang="en-US" sz="1300" spc="-1" dirty="0" smtClean="0">
+                <a:solidFill>
+                  <a:srgbClr val="595959"/>
+                </a:solidFill>
+                <a:latin typeface="Lato"/>
+              </a:rPr>
+              <a:t>  (n – dimensional array – just called array)</a:t>
+            </a:r>
+          </a:p>
+          <a:p>
+            <a:pPr>
+              <a:lnSpc>
+                <a:spcPct val="50000"/>
+              </a:lnSpc>
+            </a:pPr>
+            <a:endParaRPr lang="en-US" sz="1300" spc="-1" dirty="0">
+              <a:solidFill>
+                <a:srgbClr val="595959"/>
+              </a:solidFill>
+              <a:latin typeface="Lato"/>
+            </a:endParaRPr>
+          </a:p>
+          <a:p>
+            <a:pPr>
+              <a:lnSpc>
+                <a:spcPct val="50000"/>
+              </a:lnSpc>
+            </a:pPr>
+            <a:endParaRPr lang="en-US" sz="1300" spc="-1" dirty="0" smtClean="0">
+              <a:solidFill>
+                <a:srgbClr val="595959"/>
+              </a:solidFill>
+              <a:latin typeface="Lato"/>
+            </a:endParaRPr>
+          </a:p>
+          <a:p>
+            <a:pPr>
+              <a:lnSpc>
+                <a:spcPct val="50000"/>
+              </a:lnSpc>
+            </a:pPr>
+            <a:endParaRPr lang="en-US" sz="1300" spc="-1" dirty="0">
+              <a:solidFill>
+                <a:srgbClr val="595959"/>
+              </a:solidFill>
+              <a:latin typeface="Lato"/>
+            </a:endParaRPr>
+          </a:p>
+          <a:p>
+            <a:pPr>
+              <a:lnSpc>
+                <a:spcPct val="50000"/>
+              </a:lnSpc>
+            </a:pPr>
+            <a:r>
+              <a:rPr lang="en-US" sz="1300" spc="-1" dirty="0" smtClean="0">
+                <a:solidFill>
+                  <a:srgbClr val="595959"/>
+                </a:solidFill>
+                <a:latin typeface="Lato"/>
+              </a:rPr>
+              <a:t>import </a:t>
+            </a:r>
+            <a:r>
+              <a:rPr lang="en-US" sz="1300" spc="-1" dirty="0" err="1" smtClean="0">
+                <a:solidFill>
+                  <a:srgbClr val="595959"/>
+                </a:solidFill>
+                <a:latin typeface="Lato"/>
+              </a:rPr>
+              <a:t>numpy</a:t>
+            </a:r>
+            <a:r>
+              <a:rPr lang="en-US" sz="1300" spc="-1" dirty="0" smtClean="0">
+                <a:solidFill>
+                  <a:srgbClr val="595959"/>
+                </a:solidFill>
+                <a:latin typeface="Lato"/>
+              </a:rPr>
+              <a:t> as np</a:t>
+            </a:r>
+          </a:p>
+          <a:p>
+            <a:pPr>
+              <a:lnSpc>
+                <a:spcPct val="50000"/>
+              </a:lnSpc>
+            </a:pPr>
+            <a:endParaRPr lang="en-US" sz="1300" spc="-1" dirty="0">
+              <a:solidFill>
+                <a:srgbClr val="595959"/>
+              </a:solidFill>
+              <a:latin typeface="Lato"/>
+            </a:endParaRPr>
+          </a:p>
+          <a:p>
+            <a:pPr>
+              <a:lnSpc>
+                <a:spcPct val="50000"/>
+              </a:lnSpc>
+            </a:pPr>
+            <a:endParaRPr lang="en-US" sz="1300" spc="-1" dirty="0" smtClean="0">
+              <a:solidFill>
+                <a:srgbClr val="595959"/>
+              </a:solidFill>
+              <a:latin typeface="Lato"/>
+            </a:endParaRPr>
+          </a:p>
+          <a:p>
+            <a:pPr>
+              <a:lnSpc>
+                <a:spcPct val="50000"/>
+              </a:lnSpc>
+            </a:pPr>
+            <a:r>
+              <a:rPr lang="en-US" sz="1300" spc="-1" dirty="0">
+                <a:solidFill>
+                  <a:srgbClr val="595959"/>
+                </a:solidFill>
+                <a:latin typeface="Lato"/>
+              </a:rPr>
+              <a:t>a</a:t>
+            </a:r>
+            <a:r>
+              <a:rPr lang="en-US" sz="1300" spc="-1" dirty="0" smtClean="0">
+                <a:solidFill>
+                  <a:srgbClr val="595959"/>
+                </a:solidFill>
+                <a:latin typeface="Lato"/>
+              </a:rPr>
+              <a:t>r1 = </a:t>
+            </a:r>
+            <a:r>
+              <a:rPr lang="en-US" sz="1300" spc="-1" dirty="0" err="1" smtClean="0">
+                <a:solidFill>
+                  <a:srgbClr val="595959"/>
+                </a:solidFill>
+                <a:latin typeface="Lato"/>
+              </a:rPr>
+              <a:t>np.array</a:t>
+            </a:r>
+            <a:r>
+              <a:rPr lang="en-US" sz="1300" spc="-1" dirty="0" smtClean="0">
+                <a:solidFill>
+                  <a:srgbClr val="595959"/>
+                </a:solidFill>
+                <a:latin typeface="Lato"/>
+              </a:rPr>
+              <a:t>(range(10))</a:t>
+            </a:r>
+          </a:p>
+          <a:p>
+            <a:pPr>
+              <a:lnSpc>
+                <a:spcPct val="50000"/>
+              </a:lnSpc>
+            </a:pPr>
+            <a:endParaRPr lang="en-US" sz="1300" spc="-1" dirty="0">
+              <a:solidFill>
+                <a:srgbClr val="595959"/>
+              </a:solidFill>
+              <a:latin typeface="Lato"/>
+            </a:endParaRPr>
+          </a:p>
+          <a:p>
+            <a:pPr>
+              <a:lnSpc>
+                <a:spcPct val="50000"/>
+              </a:lnSpc>
+            </a:pPr>
+            <a:endParaRPr lang="en-US" sz="1300" spc="-1" dirty="0" smtClean="0">
+              <a:solidFill>
+                <a:srgbClr val="595959"/>
+              </a:solidFill>
+              <a:latin typeface="Lato"/>
+            </a:endParaRPr>
+          </a:p>
+          <a:p>
+            <a:pPr>
+              <a:lnSpc>
+                <a:spcPct val="50000"/>
+              </a:lnSpc>
+            </a:pPr>
+            <a:r>
+              <a:rPr lang="en-US" sz="1300" spc="-1" dirty="0" smtClean="0">
+                <a:solidFill>
+                  <a:srgbClr val="595959"/>
+                </a:solidFill>
+                <a:latin typeface="Lato"/>
+              </a:rPr>
+              <a:t>print(ar1)</a:t>
+            </a:r>
+          </a:p>
+          <a:p>
+            <a:pPr>
+              <a:lnSpc>
+                <a:spcPct val="50000"/>
+              </a:lnSpc>
+            </a:pPr>
+            <a:endParaRPr lang="en-US" sz="1300" spc="-1" dirty="0">
+              <a:solidFill>
+                <a:srgbClr val="595959"/>
+              </a:solidFill>
+              <a:latin typeface="Lato"/>
+            </a:endParaRPr>
+          </a:p>
+          <a:p>
+            <a:pPr>
+              <a:lnSpc>
+                <a:spcPct val="50000"/>
+              </a:lnSpc>
+            </a:pPr>
+            <a:endParaRPr lang="en-US" sz="1300" spc="-1" dirty="0" smtClean="0">
+              <a:solidFill>
+                <a:srgbClr val="595959"/>
+              </a:solidFill>
+              <a:latin typeface="Lato"/>
+            </a:endParaRPr>
+          </a:p>
+          <a:p>
+            <a:pPr>
+              <a:lnSpc>
+                <a:spcPct val="50000"/>
+              </a:lnSpc>
+            </a:pPr>
+            <a:r>
+              <a:rPr lang="en-US" sz="1300" spc="-1" dirty="0" smtClean="0">
+                <a:solidFill>
+                  <a:srgbClr val="595959"/>
+                </a:solidFill>
+                <a:latin typeface="Lato"/>
+              </a:rPr>
+              <a:t>print(ar1.ndim)</a:t>
+            </a:r>
+          </a:p>
+          <a:p>
+            <a:pPr>
+              <a:lnSpc>
+                <a:spcPct val="50000"/>
+              </a:lnSpc>
+            </a:pPr>
+            <a:endParaRPr lang="en-US" sz="1300" spc="-1" dirty="0">
+              <a:solidFill>
+                <a:srgbClr val="595959"/>
+              </a:solidFill>
+              <a:latin typeface="Lato"/>
+            </a:endParaRPr>
+          </a:p>
+          <a:p>
+            <a:pPr>
+              <a:lnSpc>
+                <a:spcPct val="50000"/>
+              </a:lnSpc>
+            </a:pPr>
+            <a:endParaRPr lang="en-US" sz="1300" spc="-1" dirty="0" smtClean="0">
+              <a:solidFill>
+                <a:srgbClr val="595959"/>
+              </a:solidFill>
+              <a:latin typeface="Lato"/>
+            </a:endParaRPr>
+          </a:p>
+          <a:p>
+            <a:pPr>
+              <a:lnSpc>
+                <a:spcPct val="50000"/>
+              </a:lnSpc>
+            </a:pPr>
+            <a:endParaRPr lang="en-US" sz="1300" spc="-1" dirty="0" smtClean="0">
+              <a:solidFill>
+                <a:srgbClr val="595959"/>
+              </a:solidFill>
+              <a:latin typeface="Lato"/>
+            </a:endParaRPr>
+          </a:p>
+          <a:p>
+            <a:pPr>
+              <a:lnSpc>
+                <a:spcPct val="50000"/>
+              </a:lnSpc>
+            </a:pPr>
+            <a:r>
+              <a:rPr lang="en-US" sz="1300" b="1" spc="-1" dirty="0" smtClean="0">
+                <a:solidFill>
+                  <a:srgbClr val="595959"/>
+                </a:solidFill>
+                <a:latin typeface="Lato"/>
+              </a:rPr>
+              <a:t># use list as input to create array</a:t>
+            </a:r>
+          </a:p>
+          <a:p>
+            <a:pPr>
+              <a:lnSpc>
+                <a:spcPct val="50000"/>
+              </a:lnSpc>
+            </a:pPr>
+            <a:endParaRPr lang="en-US" sz="1300" b="1" spc="-1" dirty="0">
+              <a:solidFill>
+                <a:srgbClr val="595959"/>
+              </a:solidFill>
+              <a:latin typeface="Lato"/>
+            </a:endParaRPr>
+          </a:p>
+          <a:p>
+            <a:pPr>
+              <a:lnSpc>
+                <a:spcPct val="50000"/>
+              </a:lnSpc>
+            </a:pPr>
+            <a:endParaRPr lang="en-US" sz="1300" b="1" spc="-1" dirty="0">
+              <a:solidFill>
+                <a:srgbClr val="595959"/>
+              </a:solidFill>
+              <a:latin typeface="Lato"/>
+            </a:endParaRPr>
+          </a:p>
+          <a:p>
+            <a:pPr>
+              <a:lnSpc>
+                <a:spcPct val="50000"/>
+              </a:lnSpc>
+            </a:pPr>
+            <a:r>
+              <a:rPr lang="en-US" sz="1300" spc="-1" dirty="0" err="1" smtClean="0">
+                <a:solidFill>
+                  <a:srgbClr val="595959"/>
+                </a:solidFill>
+                <a:latin typeface="Lato"/>
+              </a:rPr>
+              <a:t>my_list</a:t>
+            </a:r>
+            <a:r>
+              <a:rPr lang="en-US" sz="1300" spc="-1" dirty="0" smtClean="0">
+                <a:solidFill>
+                  <a:srgbClr val="595959"/>
+                </a:solidFill>
+                <a:latin typeface="Lato"/>
+              </a:rPr>
+              <a:t> = [1, 2, 4, 9.0]</a:t>
+            </a:r>
+          </a:p>
+          <a:p>
+            <a:pPr>
+              <a:lnSpc>
+                <a:spcPct val="50000"/>
+              </a:lnSpc>
+            </a:pPr>
+            <a:endParaRPr lang="en-US" sz="1300" spc="-1" dirty="0">
+              <a:solidFill>
+                <a:srgbClr val="595959"/>
+              </a:solidFill>
+              <a:latin typeface="Lato"/>
+            </a:endParaRPr>
+          </a:p>
+          <a:p>
+            <a:pPr>
+              <a:lnSpc>
+                <a:spcPct val="50000"/>
+              </a:lnSpc>
+            </a:pPr>
+            <a:endParaRPr lang="en-US" sz="1300" spc="-1" dirty="0" smtClean="0">
+              <a:solidFill>
+                <a:srgbClr val="595959"/>
+              </a:solidFill>
+              <a:latin typeface="Lato"/>
+            </a:endParaRPr>
+          </a:p>
+          <a:p>
+            <a:pPr>
+              <a:lnSpc>
+                <a:spcPct val="50000"/>
+              </a:lnSpc>
+            </a:pPr>
+            <a:r>
+              <a:rPr lang="en-US" sz="1300" spc="-1" dirty="0">
+                <a:solidFill>
+                  <a:srgbClr val="595959"/>
+                </a:solidFill>
+                <a:latin typeface="Lato"/>
+              </a:rPr>
+              <a:t>a</a:t>
+            </a:r>
+            <a:r>
+              <a:rPr lang="en-US" sz="1300" spc="-1" dirty="0" smtClean="0">
+                <a:solidFill>
+                  <a:srgbClr val="595959"/>
+                </a:solidFill>
+                <a:latin typeface="Lato"/>
+              </a:rPr>
+              <a:t>r1 = </a:t>
+            </a:r>
+            <a:r>
+              <a:rPr lang="en-US" sz="1300" spc="-1" dirty="0" err="1" smtClean="0">
+                <a:solidFill>
+                  <a:srgbClr val="595959"/>
+                </a:solidFill>
+                <a:latin typeface="Lato"/>
+              </a:rPr>
+              <a:t>np.array</a:t>
+            </a:r>
+            <a:r>
+              <a:rPr lang="en-US" sz="1300" spc="-1" dirty="0" smtClean="0">
+                <a:solidFill>
+                  <a:srgbClr val="595959"/>
+                </a:solidFill>
+                <a:latin typeface="Lato"/>
+              </a:rPr>
+              <a:t>(</a:t>
+            </a:r>
+            <a:r>
+              <a:rPr lang="en-US" sz="1300" spc="-1" dirty="0" err="1" smtClean="0">
+                <a:solidFill>
+                  <a:srgbClr val="595959"/>
+                </a:solidFill>
+                <a:latin typeface="Lato"/>
+              </a:rPr>
+              <a:t>my_list</a:t>
+            </a:r>
+            <a:r>
+              <a:rPr lang="en-US" sz="1300" spc="-1" dirty="0" smtClean="0">
+                <a:solidFill>
+                  <a:srgbClr val="595959"/>
+                </a:solidFill>
+                <a:latin typeface="Lato"/>
+              </a:rPr>
+              <a:t>)</a:t>
+            </a:r>
+          </a:p>
+          <a:p>
+            <a:pPr>
+              <a:lnSpc>
+                <a:spcPct val="50000"/>
+              </a:lnSpc>
+            </a:pPr>
+            <a:endParaRPr lang="en-US" sz="1300" b="1" spc="-1" dirty="0" smtClean="0">
+              <a:solidFill>
+                <a:srgbClr val="595959"/>
+              </a:solidFill>
+              <a:latin typeface="Lato"/>
+            </a:endParaRPr>
+          </a:p>
+          <a:p>
+            <a:pPr>
+              <a:lnSpc>
+                <a:spcPct val="50000"/>
+              </a:lnSpc>
+            </a:pPr>
+            <a:endParaRPr lang="en-US" sz="1300" b="1" spc="-1" dirty="0">
+              <a:solidFill>
+                <a:srgbClr val="595959"/>
+              </a:solidFill>
+              <a:latin typeface="Lato"/>
+            </a:endParaRPr>
+          </a:p>
+          <a:p>
+            <a:pPr>
+              <a:lnSpc>
+                <a:spcPct val="50000"/>
+              </a:lnSpc>
+            </a:pPr>
+            <a:r>
+              <a:rPr lang="en-US" sz="1300" spc="-1" dirty="0" smtClean="0">
+                <a:solidFill>
+                  <a:srgbClr val="595959"/>
+                </a:solidFill>
+                <a:latin typeface="Lato"/>
+              </a:rPr>
+              <a:t>ar1 	# notice its all float now! takes the type of higher precedence</a:t>
+            </a:r>
+          </a:p>
+          <a:p>
+            <a:pPr>
+              <a:lnSpc>
+                <a:spcPct val="50000"/>
+              </a:lnSpc>
+            </a:pPr>
+            <a:endParaRPr lang="en-US" sz="1300" spc="-1" dirty="0">
+              <a:solidFill>
+                <a:srgbClr val="595959"/>
+              </a:solidFill>
+              <a:latin typeface="Lato"/>
+            </a:endParaRPr>
+          </a:p>
+          <a:p>
+            <a:pPr>
+              <a:lnSpc>
+                <a:spcPct val="50000"/>
+              </a:lnSpc>
+            </a:pPr>
+            <a:endParaRPr lang="en-US" sz="1300" spc="-1" dirty="0" smtClean="0">
+              <a:solidFill>
+                <a:srgbClr val="595959"/>
+              </a:solidFill>
+              <a:latin typeface="Lato"/>
+            </a:endParaRPr>
+          </a:p>
+          <a:p>
+            <a:pPr>
+              <a:lnSpc>
+                <a:spcPct val="50000"/>
+              </a:lnSpc>
+            </a:pPr>
+            <a:endParaRPr lang="en-US" sz="1300" spc="-1" dirty="0" smtClean="0">
+              <a:solidFill>
+                <a:srgbClr val="595959"/>
+              </a:solidFill>
+              <a:latin typeface="Lato"/>
+            </a:endParaRPr>
+          </a:p>
+          <a:p>
+            <a:pPr>
+              <a:lnSpc>
+                <a:spcPct val="50000"/>
+              </a:lnSpc>
+            </a:pPr>
+            <a:r>
+              <a:rPr lang="en-US" sz="1300" b="1" spc="-1" dirty="0" smtClean="0">
+                <a:solidFill>
+                  <a:srgbClr val="595959"/>
+                </a:solidFill>
+                <a:latin typeface="Lato"/>
+              </a:rPr>
+              <a:t># create multi-dimensional array</a:t>
+            </a:r>
+          </a:p>
+          <a:p>
+            <a:pPr>
+              <a:lnSpc>
+                <a:spcPct val="50000"/>
+              </a:lnSpc>
+            </a:pPr>
+            <a:endParaRPr lang="en-US" sz="1300" b="1" spc="-1" dirty="0">
+              <a:solidFill>
+                <a:srgbClr val="595959"/>
+              </a:solidFill>
+              <a:latin typeface="Lato"/>
+            </a:endParaRPr>
+          </a:p>
+          <a:p>
+            <a:pPr>
+              <a:lnSpc>
+                <a:spcPct val="50000"/>
+              </a:lnSpc>
+            </a:pPr>
+            <a:endParaRPr lang="en-US" sz="1300" b="1" spc="-1" dirty="0" smtClean="0">
+              <a:solidFill>
+                <a:srgbClr val="595959"/>
+              </a:solidFill>
+              <a:latin typeface="Lato"/>
+            </a:endParaRPr>
+          </a:p>
+          <a:p>
+            <a:pPr>
+              <a:lnSpc>
+                <a:spcPct val="50000"/>
+              </a:lnSpc>
+            </a:pPr>
+            <a:r>
+              <a:rPr lang="en-US" sz="1300" spc="-1" dirty="0" smtClean="0">
+                <a:solidFill>
+                  <a:srgbClr val="595959"/>
+                </a:solidFill>
+                <a:latin typeface="Lato"/>
+              </a:rPr>
+              <a:t>ar2 = </a:t>
+            </a:r>
+            <a:r>
+              <a:rPr lang="en-US" sz="1300" spc="-1" dirty="0" err="1" smtClean="0">
+                <a:solidFill>
+                  <a:srgbClr val="595959"/>
+                </a:solidFill>
+                <a:latin typeface="Lato"/>
+              </a:rPr>
+              <a:t>np.array</a:t>
+            </a:r>
+            <a:r>
+              <a:rPr lang="en-US" sz="1300" spc="-1" dirty="0" smtClean="0">
+                <a:solidFill>
+                  <a:srgbClr val="595959"/>
+                </a:solidFill>
+                <a:latin typeface="Lato"/>
+              </a:rPr>
+              <a:t>(</a:t>
+            </a:r>
+            <a:r>
+              <a:rPr lang="en-US" sz="1300" spc="-1" dirty="0" smtClean="0">
+                <a:solidFill>
+                  <a:srgbClr val="00B0F0"/>
+                </a:solidFill>
+                <a:latin typeface="Lato"/>
+              </a:rPr>
+              <a:t>[</a:t>
+            </a:r>
+            <a:r>
+              <a:rPr lang="en-US" sz="1300" spc="-1" dirty="0" smtClean="0">
+                <a:solidFill>
+                  <a:srgbClr val="595959"/>
+                </a:solidFill>
+                <a:latin typeface="Lato"/>
+              </a:rPr>
+              <a:t>[1,2, 3, 4], [9, 8,7, 6]</a:t>
+            </a:r>
+            <a:r>
+              <a:rPr lang="en-US" sz="1300" spc="-1" dirty="0" smtClean="0">
+                <a:solidFill>
+                  <a:srgbClr val="00B0F0"/>
+                </a:solidFill>
+                <a:latin typeface="Lato"/>
+              </a:rPr>
+              <a:t>]</a:t>
+            </a:r>
+            <a:r>
+              <a:rPr lang="en-US" sz="1300" spc="-1" dirty="0" smtClean="0">
+                <a:solidFill>
+                  <a:srgbClr val="595959"/>
+                </a:solidFill>
+                <a:latin typeface="Lato"/>
+              </a:rPr>
+              <a:t>)</a:t>
+            </a:r>
+          </a:p>
+          <a:p>
+            <a:pPr>
+              <a:lnSpc>
+                <a:spcPct val="50000"/>
+              </a:lnSpc>
+            </a:pPr>
+            <a:endParaRPr lang="en-US" sz="1300" spc="-1" dirty="0">
+              <a:solidFill>
+                <a:srgbClr val="595959"/>
+              </a:solidFill>
+              <a:latin typeface="Lato"/>
+            </a:endParaRPr>
+          </a:p>
+          <a:p>
+            <a:pPr>
+              <a:lnSpc>
+                <a:spcPct val="50000"/>
+              </a:lnSpc>
+            </a:pPr>
+            <a:r>
+              <a:rPr lang="en-US" sz="1300" spc="-1" dirty="0" smtClean="0">
+                <a:solidFill>
+                  <a:srgbClr val="595959"/>
+                </a:solidFill>
+                <a:latin typeface="Lato"/>
+              </a:rPr>
+              <a:t># 2x4 array</a:t>
+            </a:r>
+          </a:p>
+          <a:p>
+            <a:pPr>
+              <a:lnSpc>
+                <a:spcPct val="50000"/>
+              </a:lnSpc>
+            </a:pPr>
+            <a:endParaRPr lang="en-US" sz="1300" spc="-1" dirty="0" smtClean="0">
+              <a:solidFill>
+                <a:srgbClr val="595959"/>
+              </a:solidFill>
+              <a:latin typeface="Lato"/>
+            </a:endParaRPr>
+          </a:p>
+          <a:p>
+            <a:pPr>
+              <a:lnSpc>
+                <a:spcPct val="50000"/>
+              </a:lnSpc>
+            </a:pPr>
+            <a:endParaRPr lang="en-US" sz="1300" spc="-1" dirty="0">
+              <a:solidFill>
+                <a:srgbClr val="595959"/>
+              </a:solidFill>
+              <a:latin typeface="Lato"/>
+            </a:endParaRPr>
+          </a:p>
+          <a:p>
+            <a:pPr>
+              <a:lnSpc>
+                <a:spcPct val="50000"/>
+              </a:lnSpc>
+            </a:pPr>
+            <a:r>
+              <a:rPr lang="en-US" sz="1300" spc="-1" dirty="0" smtClean="0">
+                <a:solidFill>
+                  <a:srgbClr val="595959"/>
+                </a:solidFill>
+                <a:latin typeface="Lato"/>
+              </a:rPr>
+              <a:t>ar2.shape</a:t>
+            </a:r>
+          </a:p>
+          <a:p>
+            <a:pPr>
+              <a:lnSpc>
+                <a:spcPct val="50000"/>
+              </a:lnSpc>
+            </a:pPr>
+            <a:endParaRPr lang="en-US" sz="1300" spc="-1" dirty="0">
+              <a:solidFill>
+                <a:srgbClr val="595959"/>
+              </a:solidFill>
+              <a:latin typeface="Lato"/>
+            </a:endParaRPr>
+          </a:p>
+          <a:p>
+            <a:pPr>
+              <a:lnSpc>
+                <a:spcPct val="50000"/>
+              </a:lnSpc>
+            </a:pPr>
+            <a:endParaRPr lang="en-US" sz="1300" spc="-1" dirty="0" smtClean="0">
+              <a:solidFill>
+                <a:srgbClr val="595959"/>
+              </a:solidFill>
+              <a:latin typeface="Lato"/>
+            </a:endParaRPr>
+          </a:p>
+          <a:p>
+            <a:pPr>
+              <a:lnSpc>
+                <a:spcPct val="50000"/>
+              </a:lnSpc>
+            </a:pPr>
+            <a:r>
+              <a:rPr lang="en-US" sz="1300" spc="-1" dirty="0" smtClean="0">
+                <a:solidFill>
+                  <a:srgbClr val="595959"/>
+                </a:solidFill>
+                <a:latin typeface="Lato"/>
+              </a:rPr>
+              <a:t>ar2.ndim</a:t>
+            </a:r>
+          </a:p>
+          <a:p>
+            <a:pPr>
+              <a:lnSpc>
+                <a:spcPct val="50000"/>
+              </a:lnSpc>
+            </a:pPr>
+            <a:endParaRPr lang="en-US" sz="1300" b="1" spc="-1" dirty="0">
+              <a:solidFill>
+                <a:srgbClr val="595959"/>
+              </a:solidFill>
+              <a:latin typeface="Lato"/>
+            </a:endParaRPr>
+          </a:p>
+        </p:txBody>
+      </p:sp>
+      <p:sp>
+        <p:nvSpPr>
+          <p:cNvPr id="2" name="TextBox 1"/>
+          <p:cNvSpPr txBox="1"/>
+          <p:nvPr/>
+        </p:nvSpPr>
+        <p:spPr>
+          <a:xfrm>
+            <a:off x="6134987" y="669851"/>
+            <a:ext cx="2785730" cy="4093428"/>
+          </a:xfrm>
+          <a:prstGeom prst="rect">
+            <a:avLst/>
+          </a:prstGeom>
+          <a:noFill/>
+        </p:spPr>
+        <p:txBody>
+          <a:bodyPr wrap="square" rtlCol="0">
+            <a:spAutoFit/>
+          </a:bodyPr>
+          <a:lstStyle/>
+          <a:p>
+            <a:r>
+              <a:rPr lang="en-US" sz="1300" dirty="0" err="1" smtClean="0">
+                <a:latin typeface="Lato"/>
+              </a:rPr>
+              <a:t>Numpy</a:t>
+            </a:r>
+            <a:r>
+              <a:rPr lang="en-US" sz="1300" dirty="0" smtClean="0">
+                <a:latin typeface="Lato"/>
+              </a:rPr>
+              <a:t> array attributes:</a:t>
+            </a:r>
+          </a:p>
+          <a:p>
+            <a:endParaRPr lang="en-US" sz="1300" dirty="0">
+              <a:latin typeface="Lato"/>
+            </a:endParaRPr>
+          </a:p>
+          <a:p>
+            <a:r>
+              <a:rPr lang="en-US" sz="1300" dirty="0" err="1" smtClean="0">
+                <a:latin typeface="Lato"/>
+              </a:rPr>
+              <a:t>ndim</a:t>
+            </a:r>
+            <a:r>
+              <a:rPr lang="en-US" sz="1300" dirty="0" smtClean="0">
+                <a:latin typeface="Lato"/>
+              </a:rPr>
+              <a:t> – number of dimension</a:t>
+            </a:r>
+          </a:p>
+          <a:p>
+            <a:endParaRPr lang="en-US" sz="1300" dirty="0">
+              <a:latin typeface="Lato"/>
+            </a:endParaRPr>
+          </a:p>
+          <a:p>
+            <a:r>
+              <a:rPr lang="en-US" sz="1300" dirty="0" smtClean="0">
+                <a:latin typeface="Lato"/>
+              </a:rPr>
+              <a:t>shape – list of dim length</a:t>
+            </a:r>
+          </a:p>
+          <a:p>
+            <a:endParaRPr lang="en-US" sz="1300" dirty="0">
+              <a:latin typeface="Lato"/>
+            </a:endParaRPr>
+          </a:p>
+          <a:p>
+            <a:r>
+              <a:rPr lang="en-US" sz="1300" dirty="0" smtClean="0">
+                <a:latin typeface="Lato"/>
+              </a:rPr>
+              <a:t>size – total number of elements</a:t>
+            </a:r>
+          </a:p>
+          <a:p>
+            <a:endParaRPr lang="en-US" sz="1300" dirty="0">
+              <a:latin typeface="Lato"/>
+            </a:endParaRPr>
+          </a:p>
+          <a:p>
+            <a:r>
+              <a:rPr lang="en-US" sz="1300" dirty="0" smtClean="0">
+                <a:latin typeface="Lato"/>
+              </a:rPr>
+              <a:t>data – elements of the array</a:t>
+            </a:r>
+          </a:p>
+          <a:p>
+            <a:endParaRPr lang="en-US" sz="1300" dirty="0">
+              <a:latin typeface="Lato"/>
+            </a:endParaRPr>
+          </a:p>
+          <a:p>
+            <a:r>
+              <a:rPr lang="en-US" sz="1300" dirty="0" err="1" smtClean="0">
+                <a:latin typeface="Lato"/>
+              </a:rPr>
+              <a:t>dtype</a:t>
+            </a:r>
+            <a:r>
+              <a:rPr lang="en-US" sz="1300" dirty="0" smtClean="0">
+                <a:latin typeface="Lato"/>
+              </a:rPr>
+              <a:t> – data type </a:t>
+            </a:r>
+          </a:p>
+          <a:p>
+            <a:endParaRPr lang="en-US" sz="1300" dirty="0">
+              <a:latin typeface="Lato"/>
+            </a:endParaRPr>
+          </a:p>
+          <a:p>
+            <a:endParaRPr lang="en-US" sz="1300" dirty="0" smtClean="0">
+              <a:latin typeface="Lato"/>
+            </a:endParaRPr>
+          </a:p>
+          <a:p>
+            <a:r>
+              <a:rPr lang="en-US" sz="1300" dirty="0" smtClean="0">
+                <a:latin typeface="Lato"/>
+              </a:rPr>
+              <a:t>syntax:</a:t>
+            </a:r>
+          </a:p>
+          <a:p>
+            <a:endParaRPr lang="en-US" sz="1300" dirty="0">
+              <a:latin typeface="Lato"/>
+            </a:endParaRPr>
+          </a:p>
+          <a:p>
+            <a:r>
+              <a:rPr lang="en-US" sz="1300" dirty="0" err="1" smtClean="0">
+                <a:latin typeface="Lato"/>
+              </a:rPr>
+              <a:t>np.array</a:t>
+            </a:r>
+            <a:r>
+              <a:rPr lang="en-US" sz="1300" dirty="0" smtClean="0">
+                <a:latin typeface="Lato"/>
+              </a:rPr>
+              <a:t>(object [, </a:t>
+            </a:r>
+            <a:r>
+              <a:rPr lang="en-US" sz="1300" dirty="0" err="1" smtClean="0">
+                <a:latin typeface="Lato"/>
+              </a:rPr>
+              <a:t>dtype</a:t>
+            </a:r>
+            <a:r>
+              <a:rPr lang="en-US" sz="1300" dirty="0" smtClean="0">
+                <a:latin typeface="Lato"/>
+              </a:rPr>
+              <a:t>])</a:t>
+            </a:r>
+          </a:p>
+          <a:p>
+            <a:endParaRPr lang="en-US" sz="1300" dirty="0">
+              <a:latin typeface="Lato"/>
+            </a:endParaRPr>
+          </a:p>
+          <a:p>
+            <a:r>
+              <a:rPr lang="en-US" sz="1300" dirty="0" err="1" smtClean="0">
+                <a:latin typeface="Lato"/>
+              </a:rPr>
+              <a:t>np.array</a:t>
+            </a:r>
+            <a:r>
+              <a:rPr lang="en-US" sz="1300" dirty="0" smtClean="0">
+                <a:latin typeface="Lato"/>
+              </a:rPr>
+              <a:t>([1, 2, 3.0], “</a:t>
+            </a:r>
+            <a:r>
+              <a:rPr lang="en-US" sz="1300" dirty="0" err="1" smtClean="0">
+                <a:latin typeface="Lato"/>
+              </a:rPr>
+              <a:t>int</a:t>
+            </a:r>
+            <a:r>
+              <a:rPr lang="en-US" sz="1300" dirty="0" smtClean="0">
+                <a:latin typeface="Lato"/>
+              </a:rPr>
+              <a:t>”)</a:t>
+            </a:r>
+          </a:p>
+          <a:p>
+            <a:endParaRPr lang="en-US" sz="1300" dirty="0">
+              <a:latin typeface="Lato"/>
+            </a:endParaRPr>
+          </a:p>
+          <a:p>
+            <a:r>
+              <a:rPr lang="en-US" sz="1300" dirty="0" err="1" smtClean="0">
+                <a:latin typeface="Lato"/>
+              </a:rPr>
+              <a:t>np.array</a:t>
+            </a:r>
+            <a:r>
+              <a:rPr lang="en-US" sz="1300" dirty="0" smtClean="0">
+                <a:latin typeface="Lato"/>
+              </a:rPr>
+              <a:t>([1, 2, 3, 4], “float”)</a:t>
+            </a:r>
+          </a:p>
+        </p:txBody>
+      </p:sp>
+    </p:spTree>
+    <p:extLst>
+      <p:ext uri="{BB962C8B-B14F-4D97-AF65-F5344CB8AC3E}">
+        <p14:creationId xmlns:p14="http://schemas.microsoft.com/office/powerpoint/2010/main" val="2043599520"/>
+      </p:ext>
+    </p:extLst>
+  </p:cSld>
+  <p:clrMapOvr>
+    <a:masterClrMapping/>
+  </p:clrMapOvr>
+  <p:timing>
+    <p:tnLst>
+      <p:par>
+        <p:cTn id="1" dur="indefinite" restart="never" nodeType="tmRoot">
+          <p:childTnLst>
+            <p:seq>
+              <p:cTn id="2" dur="indefinite" nodeType="mainSeq"/>
+              <p:prevCondLst>
+                <p:cond evt="onPrev" delay="0">
+                  <p:tgtEl>
+                    <p:sldTgt/>
+                  </p:tgtEl>
+                </p:cond>
+              </p:prevCondLst>
+              <p:nextCondLst>
+                <p:cond evt="onNext" delay="0">
+                  <p:tgtEl>
+                    <p:sldTgt/>
+                  </p:tgtEl>
+                </p:cond>
+              </p:nextCondLst>
+            </p:seq>
+          </p:childTnLst>
+        </p:cTn>
+      </p:par>
+    </p:tnLst>
+  </p:timing>
+</p:sld>
+</file>
+
+<file path=ppt/slides/slide25.xml><?xml version="1.0" encoding="utf-8"?>
+<p:sld xmlns:a="http://schemas.openxmlformats.org/drawingml/2006/main" xmlns:r="http://schemas.openxmlformats.org/officeDocument/2006/relationships" xmlns:p="http://schemas.openxmlformats.org/presentationml/2006/main">
+  <p:cSld>
+    <p:spTree>
+      <p:nvGrpSpPr>
+        <p:cNvPr id="1" name=""/>
+        <p:cNvGrpSpPr/>
+        <p:nvPr/>
+      </p:nvGrpSpPr>
+      <p:grpSpPr>
+        <a:xfrm>
+          <a:off x="0" y="0"/>
+          <a:ext cx="0" cy="0"/>
+          <a:chOff x="0" y="0"/>
+          <a:chExt cx="0" cy="0"/>
+        </a:xfrm>
+      </p:grpSpPr>
+      <p:sp>
+        <p:nvSpPr>
+          <p:cNvPr id="153" name="CustomShape 1"/>
+          <p:cNvSpPr/>
+          <p:nvPr/>
+        </p:nvSpPr>
+        <p:spPr>
+          <a:xfrm>
+            <a:off x="450000" y="0"/>
+            <a:ext cx="7688160" cy="534600"/>
+          </a:xfrm>
+          <a:prstGeom prst="rect">
+            <a:avLst/>
+          </a:prstGeom>
+          <a:noFill/>
+          <a:ln>
+            <a:noFill/>
+          </a:ln>
+        </p:spPr>
+        <p:style>
+          <a:lnRef idx="0">
+            <a:scrgbClr r="0" g="0" b="0"/>
+          </a:lnRef>
+          <a:fillRef idx="0">
+            <a:scrgbClr r="0" g="0" b="0"/>
+          </a:fillRef>
+          <a:effectRef idx="0">
+            <a:scrgbClr r="0" g="0" b="0"/>
+          </a:effectRef>
+          <a:fontRef idx="minor"/>
+        </p:style>
+        <p:txBody>
+          <a:bodyPr lIns="90000" tIns="91440" rIns="90000" bIns="91440"/>
+          <a:lstStyle/>
+          <a:p>
+            <a:pPr>
+              <a:lnSpc>
+                <a:spcPct val="100000"/>
+              </a:lnSpc>
+            </a:pPr>
+            <a:r>
+              <a:rPr lang="en-US" sz="2600" b="1" strike="noStrike" spc="-1" dirty="0">
+                <a:solidFill>
+                  <a:srgbClr val="1A1A1A"/>
+                </a:solidFill>
+                <a:latin typeface="Raleway"/>
+                <a:ea typeface="Raleway"/>
+              </a:rPr>
+              <a:t>Basic Python - cont. </a:t>
+            </a:r>
+            <a:r>
+              <a:rPr dirty="0"/>
+              <a:t/>
+            </a:r>
+            <a:br>
+              <a:rPr dirty="0"/>
+            </a:br>
+            <a:endParaRPr lang="en-US" sz="2600" b="0" strike="noStrike" spc="-1" dirty="0">
+              <a:latin typeface="Arial"/>
+            </a:endParaRPr>
+          </a:p>
+        </p:txBody>
+      </p:sp>
+      <p:sp>
+        <p:nvSpPr>
+          <p:cNvPr id="154" name="CustomShape 2"/>
+          <p:cNvSpPr/>
+          <p:nvPr/>
+        </p:nvSpPr>
+        <p:spPr>
+          <a:xfrm>
+            <a:off x="395639" y="592559"/>
+            <a:ext cx="3719161" cy="4340947"/>
+          </a:xfrm>
+          <a:prstGeom prst="rect">
+            <a:avLst/>
+          </a:prstGeom>
+          <a:noFill/>
+          <a:ln>
+            <a:noFill/>
+          </a:ln>
+        </p:spPr>
+        <p:style>
+          <a:lnRef idx="0">
+            <a:scrgbClr r="0" g="0" b="0"/>
+          </a:lnRef>
+          <a:fillRef idx="0">
+            <a:scrgbClr r="0" g="0" b="0"/>
+          </a:fillRef>
+          <a:effectRef idx="0">
+            <a:scrgbClr r="0" g="0" b="0"/>
+          </a:effectRef>
+          <a:fontRef idx="minor"/>
+        </p:style>
+        <p:txBody>
+          <a:bodyPr lIns="90000" tIns="91440" rIns="90000" bIns="91440"/>
+          <a:lstStyle/>
+          <a:p>
+            <a:pPr>
+              <a:lnSpc>
+                <a:spcPct val="50000"/>
+              </a:lnSpc>
+            </a:pPr>
+            <a:r>
+              <a:rPr lang="en-US" sz="1300" b="1" strike="noStrike" spc="-1" dirty="0" err="1" smtClean="0">
+                <a:solidFill>
+                  <a:srgbClr val="595959"/>
+                </a:solidFill>
+                <a:latin typeface="Lato"/>
+                <a:ea typeface="Lato"/>
+              </a:rPr>
+              <a:t>NumPy</a:t>
+            </a:r>
+            <a:endParaRPr lang="en-US" sz="1300" b="1" strike="noStrike" spc="-1" dirty="0" smtClean="0">
+              <a:solidFill>
+                <a:srgbClr val="595959"/>
+              </a:solidFill>
+              <a:latin typeface="Lato"/>
+              <a:ea typeface="Lato"/>
+            </a:endParaRPr>
+          </a:p>
+          <a:p>
+            <a:pPr>
+              <a:lnSpc>
+                <a:spcPct val="50000"/>
+              </a:lnSpc>
+            </a:pPr>
+            <a:endParaRPr lang="en-US" sz="1300" b="1" spc="-1" dirty="0">
+              <a:solidFill>
+                <a:srgbClr val="595959"/>
+              </a:solidFill>
+              <a:latin typeface="Lato"/>
+            </a:endParaRPr>
+          </a:p>
+          <a:p>
+            <a:pPr>
+              <a:lnSpc>
+                <a:spcPct val="50000"/>
+              </a:lnSpc>
+            </a:pPr>
+            <a:endParaRPr lang="en-US" sz="1300" spc="-1" dirty="0" smtClean="0">
+              <a:solidFill>
+                <a:srgbClr val="595959"/>
+              </a:solidFill>
+              <a:latin typeface="Lato"/>
+            </a:endParaRPr>
+          </a:p>
+          <a:p>
+            <a:pPr>
+              <a:lnSpc>
+                <a:spcPct val="50000"/>
+              </a:lnSpc>
+            </a:pPr>
+            <a:r>
+              <a:rPr lang="en-US" sz="1300" spc="-1" dirty="0" smtClean="0">
+                <a:solidFill>
+                  <a:srgbClr val="595959"/>
+                </a:solidFill>
+                <a:latin typeface="Lato"/>
+              </a:rPr>
+              <a:t>key </a:t>
+            </a:r>
+            <a:r>
+              <a:rPr lang="en-US" sz="1300" spc="-1" dirty="0" err="1" smtClean="0">
+                <a:solidFill>
+                  <a:srgbClr val="595959"/>
+                </a:solidFill>
+                <a:latin typeface="Lato"/>
+              </a:rPr>
+              <a:t>numpy</a:t>
+            </a:r>
+            <a:r>
+              <a:rPr lang="en-US" sz="1300" spc="-1" dirty="0" smtClean="0">
+                <a:solidFill>
+                  <a:srgbClr val="595959"/>
+                </a:solidFill>
+                <a:latin typeface="Lato"/>
+              </a:rPr>
+              <a:t> functions:</a:t>
+            </a:r>
+          </a:p>
+          <a:p>
+            <a:pPr>
+              <a:lnSpc>
+                <a:spcPct val="50000"/>
+              </a:lnSpc>
+            </a:pPr>
+            <a:endParaRPr lang="en-US" sz="1300" spc="-1" dirty="0" smtClean="0">
+              <a:solidFill>
+                <a:srgbClr val="595959"/>
+              </a:solidFill>
+              <a:latin typeface="Lato"/>
+            </a:endParaRPr>
+          </a:p>
+          <a:p>
+            <a:pPr>
+              <a:lnSpc>
+                <a:spcPct val="50000"/>
+              </a:lnSpc>
+            </a:pPr>
+            <a:endParaRPr lang="en-US" sz="1300" spc="-1" dirty="0" smtClean="0">
+              <a:solidFill>
+                <a:srgbClr val="595959"/>
+              </a:solidFill>
+              <a:latin typeface="Lato"/>
+            </a:endParaRPr>
+          </a:p>
+          <a:p>
+            <a:pPr>
+              <a:lnSpc>
+                <a:spcPct val="50000"/>
+              </a:lnSpc>
+            </a:pPr>
+            <a:r>
+              <a:rPr lang="en-US" sz="1300" spc="-1" dirty="0" err="1" smtClean="0">
+                <a:solidFill>
+                  <a:srgbClr val="595959"/>
+                </a:solidFill>
+                <a:latin typeface="Lato"/>
+              </a:rPr>
+              <a:t>arange</a:t>
+            </a:r>
+            <a:r>
+              <a:rPr lang="en-US" sz="1300" spc="-1" dirty="0" smtClean="0">
+                <a:solidFill>
+                  <a:srgbClr val="595959"/>
+                </a:solidFill>
+                <a:latin typeface="Lato"/>
+              </a:rPr>
+              <a:t>()</a:t>
+            </a:r>
+          </a:p>
+          <a:p>
+            <a:pPr>
+              <a:lnSpc>
+                <a:spcPct val="50000"/>
+              </a:lnSpc>
+            </a:pPr>
+            <a:endParaRPr lang="en-US" sz="1300" spc="-1" dirty="0">
+              <a:solidFill>
+                <a:srgbClr val="595959"/>
+              </a:solidFill>
+              <a:latin typeface="Lato"/>
+            </a:endParaRPr>
+          </a:p>
+          <a:p>
+            <a:pPr>
+              <a:lnSpc>
+                <a:spcPct val="50000"/>
+              </a:lnSpc>
+            </a:pPr>
+            <a:endParaRPr lang="en-US" sz="1300" spc="-1" dirty="0" smtClean="0">
+              <a:solidFill>
+                <a:srgbClr val="595959"/>
+              </a:solidFill>
+              <a:latin typeface="Lato"/>
+            </a:endParaRPr>
+          </a:p>
+          <a:p>
+            <a:pPr>
+              <a:lnSpc>
+                <a:spcPct val="50000"/>
+              </a:lnSpc>
+            </a:pPr>
+            <a:r>
+              <a:rPr lang="en-US" sz="1300" spc="-1" dirty="0" smtClean="0">
+                <a:solidFill>
+                  <a:srgbClr val="595959"/>
+                </a:solidFill>
+                <a:latin typeface="Lato"/>
+              </a:rPr>
+              <a:t>ones()</a:t>
+            </a:r>
+          </a:p>
+          <a:p>
+            <a:pPr>
+              <a:lnSpc>
+                <a:spcPct val="50000"/>
+              </a:lnSpc>
+            </a:pPr>
+            <a:endParaRPr lang="en-US" sz="1300" spc="-1" dirty="0">
+              <a:solidFill>
+                <a:srgbClr val="595959"/>
+              </a:solidFill>
+              <a:latin typeface="Lato"/>
+            </a:endParaRPr>
+          </a:p>
+          <a:p>
+            <a:pPr>
+              <a:lnSpc>
+                <a:spcPct val="50000"/>
+              </a:lnSpc>
+            </a:pPr>
+            <a:endParaRPr lang="en-US" sz="1300" spc="-1" dirty="0" smtClean="0">
+              <a:solidFill>
+                <a:srgbClr val="595959"/>
+              </a:solidFill>
+              <a:latin typeface="Lato"/>
+            </a:endParaRPr>
+          </a:p>
+          <a:p>
+            <a:pPr>
+              <a:lnSpc>
+                <a:spcPct val="50000"/>
+              </a:lnSpc>
+            </a:pPr>
+            <a:r>
+              <a:rPr lang="en-US" sz="1300" spc="-1" dirty="0" smtClean="0">
+                <a:solidFill>
+                  <a:srgbClr val="595959"/>
+                </a:solidFill>
+                <a:latin typeface="Lato"/>
+              </a:rPr>
+              <a:t>zeros()</a:t>
+            </a:r>
+          </a:p>
+          <a:p>
+            <a:pPr>
+              <a:lnSpc>
+                <a:spcPct val="50000"/>
+              </a:lnSpc>
+            </a:pPr>
+            <a:endParaRPr lang="en-US" sz="1300" spc="-1" dirty="0">
+              <a:solidFill>
+                <a:srgbClr val="595959"/>
+              </a:solidFill>
+              <a:latin typeface="Lato"/>
+            </a:endParaRPr>
+          </a:p>
+          <a:p>
+            <a:pPr>
+              <a:lnSpc>
+                <a:spcPct val="50000"/>
+              </a:lnSpc>
+            </a:pPr>
+            <a:endParaRPr lang="en-US" sz="1300" spc="-1" dirty="0" smtClean="0">
+              <a:solidFill>
+                <a:srgbClr val="595959"/>
+              </a:solidFill>
+              <a:latin typeface="Lato"/>
+            </a:endParaRPr>
+          </a:p>
+          <a:p>
+            <a:pPr>
+              <a:lnSpc>
+                <a:spcPct val="50000"/>
+              </a:lnSpc>
+            </a:pPr>
+            <a:r>
+              <a:rPr lang="en-US" sz="1300" spc="-1" dirty="0" smtClean="0">
+                <a:solidFill>
+                  <a:srgbClr val="595959"/>
+                </a:solidFill>
+                <a:latin typeface="Lato"/>
+              </a:rPr>
+              <a:t>identity()</a:t>
+            </a:r>
+          </a:p>
+          <a:p>
+            <a:pPr>
+              <a:lnSpc>
+                <a:spcPct val="50000"/>
+              </a:lnSpc>
+            </a:pPr>
+            <a:endParaRPr lang="en-US" sz="1300" spc="-1" dirty="0">
+              <a:solidFill>
+                <a:srgbClr val="595959"/>
+              </a:solidFill>
+              <a:latin typeface="Lato"/>
+            </a:endParaRPr>
+          </a:p>
+          <a:p>
+            <a:pPr>
+              <a:lnSpc>
+                <a:spcPct val="50000"/>
+              </a:lnSpc>
+            </a:pPr>
+            <a:endParaRPr lang="en-US" sz="1300" spc="-1" dirty="0" smtClean="0">
+              <a:solidFill>
+                <a:srgbClr val="595959"/>
+              </a:solidFill>
+              <a:latin typeface="Lato"/>
+            </a:endParaRPr>
+          </a:p>
+          <a:p>
+            <a:pPr>
+              <a:lnSpc>
+                <a:spcPct val="50000"/>
+              </a:lnSpc>
+            </a:pPr>
+            <a:endParaRPr lang="en-US" sz="1300" spc="-1" dirty="0">
+              <a:solidFill>
+                <a:srgbClr val="595959"/>
+              </a:solidFill>
+              <a:latin typeface="Lato"/>
+            </a:endParaRPr>
+          </a:p>
+          <a:p>
+            <a:pPr>
+              <a:lnSpc>
+                <a:spcPct val="50000"/>
+              </a:lnSpc>
+            </a:pPr>
+            <a:r>
+              <a:rPr lang="en-US" sz="1300" spc="-1" dirty="0" err="1" smtClean="0">
+                <a:solidFill>
+                  <a:srgbClr val="595959"/>
+                </a:solidFill>
+                <a:latin typeface="Lato"/>
+              </a:rPr>
+              <a:t>np.ones</a:t>
+            </a:r>
+            <a:r>
+              <a:rPr lang="en-US" sz="1300" spc="-1" dirty="0" smtClean="0">
+                <a:solidFill>
+                  <a:srgbClr val="595959"/>
+                </a:solidFill>
+                <a:latin typeface="Lato"/>
+              </a:rPr>
+              <a:t>((3, 4))</a:t>
+            </a:r>
+          </a:p>
+          <a:p>
+            <a:pPr>
+              <a:lnSpc>
+                <a:spcPct val="50000"/>
+              </a:lnSpc>
+            </a:pPr>
+            <a:endParaRPr lang="en-US" sz="1300" spc="-1" dirty="0">
+              <a:solidFill>
+                <a:srgbClr val="595959"/>
+              </a:solidFill>
+              <a:latin typeface="Lato"/>
+            </a:endParaRPr>
+          </a:p>
+          <a:p>
+            <a:pPr>
+              <a:lnSpc>
+                <a:spcPct val="50000"/>
+              </a:lnSpc>
+            </a:pPr>
+            <a:endParaRPr lang="en-US" sz="1300" spc="-1" dirty="0" smtClean="0">
+              <a:solidFill>
+                <a:srgbClr val="595959"/>
+              </a:solidFill>
+              <a:latin typeface="Lato"/>
+            </a:endParaRPr>
+          </a:p>
+          <a:p>
+            <a:pPr>
+              <a:lnSpc>
+                <a:spcPct val="50000"/>
+              </a:lnSpc>
+            </a:pPr>
+            <a:endParaRPr lang="en-US" sz="1300" spc="-1" dirty="0">
+              <a:solidFill>
+                <a:srgbClr val="595959"/>
+              </a:solidFill>
+              <a:latin typeface="Lato"/>
+            </a:endParaRPr>
+          </a:p>
+          <a:p>
+            <a:pPr>
+              <a:lnSpc>
+                <a:spcPct val="50000"/>
+              </a:lnSpc>
+            </a:pPr>
+            <a:r>
+              <a:rPr lang="en-US" sz="1300" spc="-1" dirty="0" err="1" smtClean="0">
+                <a:solidFill>
+                  <a:srgbClr val="595959"/>
+                </a:solidFill>
+                <a:latin typeface="Lato"/>
+              </a:rPr>
+              <a:t>np.identity</a:t>
+            </a:r>
+            <a:r>
+              <a:rPr lang="en-US" sz="1300" spc="-1" dirty="0" smtClean="0">
+                <a:solidFill>
+                  <a:srgbClr val="595959"/>
+                </a:solidFill>
+                <a:latin typeface="Lato"/>
+              </a:rPr>
+              <a:t>(( 3, 4))   # what happened!</a:t>
+            </a:r>
+          </a:p>
+          <a:p>
+            <a:pPr>
+              <a:lnSpc>
+                <a:spcPct val="50000"/>
+              </a:lnSpc>
+            </a:pPr>
+            <a:endParaRPr lang="en-US" sz="1300" spc="-1" dirty="0">
+              <a:solidFill>
+                <a:srgbClr val="595959"/>
+              </a:solidFill>
+              <a:latin typeface="Lato"/>
+            </a:endParaRPr>
+          </a:p>
+          <a:p>
+            <a:pPr>
+              <a:lnSpc>
+                <a:spcPct val="50000"/>
+              </a:lnSpc>
+            </a:pPr>
+            <a:endParaRPr lang="en-US" sz="1300" spc="-1" dirty="0" smtClean="0">
+              <a:solidFill>
+                <a:srgbClr val="595959"/>
+              </a:solidFill>
+              <a:latin typeface="Lato"/>
+            </a:endParaRPr>
+          </a:p>
+          <a:p>
+            <a:pPr>
+              <a:lnSpc>
+                <a:spcPct val="50000"/>
+              </a:lnSpc>
+            </a:pPr>
+            <a:endParaRPr lang="en-US" sz="1300" spc="-1" dirty="0">
+              <a:solidFill>
+                <a:srgbClr val="595959"/>
+              </a:solidFill>
+              <a:latin typeface="Lato"/>
+            </a:endParaRPr>
+          </a:p>
+          <a:p>
+            <a:pPr>
+              <a:lnSpc>
+                <a:spcPct val="50000"/>
+              </a:lnSpc>
+            </a:pPr>
+            <a:r>
+              <a:rPr lang="en-US" sz="1300" spc="-1" dirty="0" err="1" smtClean="0">
+                <a:solidFill>
+                  <a:srgbClr val="595959"/>
+                </a:solidFill>
+                <a:latin typeface="Lato"/>
+              </a:rPr>
+              <a:t>np.identity</a:t>
+            </a:r>
+            <a:r>
+              <a:rPr lang="en-US" sz="1300" spc="-1" dirty="0" smtClean="0">
+                <a:solidFill>
+                  <a:srgbClr val="595959"/>
+                </a:solidFill>
+                <a:latin typeface="Lato"/>
+              </a:rPr>
+              <a:t>( ( 3) )</a:t>
+            </a:r>
+          </a:p>
+          <a:p>
+            <a:pPr>
+              <a:lnSpc>
+                <a:spcPct val="50000"/>
+              </a:lnSpc>
+            </a:pPr>
+            <a:endParaRPr lang="en-US" sz="1300" spc="-1" dirty="0">
+              <a:solidFill>
+                <a:srgbClr val="595959"/>
+              </a:solidFill>
+              <a:latin typeface="Lato"/>
+            </a:endParaRPr>
+          </a:p>
+          <a:p>
+            <a:pPr>
+              <a:lnSpc>
+                <a:spcPct val="50000"/>
+              </a:lnSpc>
+            </a:pPr>
+            <a:endParaRPr lang="en-US" sz="1300" spc="-1" dirty="0" smtClean="0">
+              <a:solidFill>
+                <a:srgbClr val="595959"/>
+              </a:solidFill>
+              <a:latin typeface="Lato"/>
+            </a:endParaRPr>
+          </a:p>
+          <a:p>
+            <a:pPr>
+              <a:lnSpc>
+                <a:spcPct val="50000"/>
+              </a:lnSpc>
+            </a:pPr>
+            <a:endParaRPr lang="en-US" sz="1300" spc="-1" dirty="0">
+              <a:solidFill>
+                <a:srgbClr val="595959"/>
+              </a:solidFill>
+              <a:latin typeface="Lato"/>
+            </a:endParaRPr>
+          </a:p>
+          <a:p>
+            <a:pPr>
+              <a:lnSpc>
+                <a:spcPct val="50000"/>
+              </a:lnSpc>
+            </a:pPr>
+            <a:r>
+              <a:rPr lang="en-US" sz="1300" b="1" spc="-1" dirty="0" smtClean="0">
+                <a:solidFill>
+                  <a:srgbClr val="595959"/>
+                </a:solidFill>
+                <a:latin typeface="Lato"/>
+              </a:rPr>
+              <a:t>indexing works as usual:</a:t>
+            </a:r>
+          </a:p>
+          <a:p>
+            <a:pPr>
+              <a:lnSpc>
+                <a:spcPct val="50000"/>
+              </a:lnSpc>
+            </a:pPr>
+            <a:endParaRPr lang="en-US" sz="1300" b="1" spc="-1" dirty="0">
+              <a:solidFill>
+                <a:srgbClr val="595959"/>
+              </a:solidFill>
+              <a:latin typeface="Lato"/>
+            </a:endParaRPr>
+          </a:p>
+          <a:p>
+            <a:pPr>
+              <a:lnSpc>
+                <a:spcPct val="50000"/>
+              </a:lnSpc>
+            </a:pPr>
+            <a:endParaRPr lang="en-US" sz="1300" spc="-1" dirty="0" smtClean="0">
+              <a:solidFill>
+                <a:srgbClr val="595959"/>
+              </a:solidFill>
+              <a:latin typeface="Lato"/>
+            </a:endParaRPr>
+          </a:p>
+          <a:p>
+            <a:pPr>
+              <a:lnSpc>
+                <a:spcPct val="50000"/>
+              </a:lnSpc>
+            </a:pPr>
+            <a:r>
+              <a:rPr lang="en-US" sz="1300" spc="-1" dirty="0" smtClean="0">
+                <a:solidFill>
+                  <a:srgbClr val="595959"/>
+                </a:solidFill>
+                <a:latin typeface="Lato"/>
+              </a:rPr>
+              <a:t>ar1 = </a:t>
+            </a:r>
+            <a:r>
+              <a:rPr lang="en-US" sz="1300" spc="-1" dirty="0" err="1" smtClean="0">
+                <a:solidFill>
+                  <a:srgbClr val="595959"/>
+                </a:solidFill>
+                <a:latin typeface="Lato"/>
+              </a:rPr>
+              <a:t>np.array</a:t>
+            </a:r>
+            <a:r>
+              <a:rPr lang="en-US" sz="1300" spc="-1" dirty="0" smtClean="0">
+                <a:solidFill>
+                  <a:srgbClr val="595959"/>
+                </a:solidFill>
+                <a:latin typeface="Lato"/>
+              </a:rPr>
+              <a:t>([ [1, 2, 3, 4, 5], [9, 8,7, 6] ])</a:t>
+            </a:r>
+          </a:p>
+          <a:p>
+            <a:pPr>
+              <a:lnSpc>
+                <a:spcPct val="50000"/>
+              </a:lnSpc>
+            </a:pPr>
+            <a:endParaRPr lang="en-US" sz="1300" spc="-1" dirty="0">
+              <a:solidFill>
+                <a:srgbClr val="595959"/>
+              </a:solidFill>
+              <a:latin typeface="Lato"/>
+            </a:endParaRPr>
+          </a:p>
+          <a:p>
+            <a:pPr>
+              <a:lnSpc>
+                <a:spcPct val="50000"/>
+              </a:lnSpc>
+            </a:pPr>
+            <a:endParaRPr lang="en-US" sz="1300" spc="-1" dirty="0">
+              <a:solidFill>
+                <a:srgbClr val="595959"/>
+              </a:solidFill>
+              <a:latin typeface="Lato"/>
+            </a:endParaRPr>
+          </a:p>
+          <a:p>
+            <a:pPr>
+              <a:lnSpc>
+                <a:spcPct val="50000"/>
+              </a:lnSpc>
+            </a:pPr>
+            <a:r>
+              <a:rPr lang="en-US" sz="1300" spc="-1" dirty="0" smtClean="0">
+                <a:solidFill>
+                  <a:srgbClr val="595959"/>
+                </a:solidFill>
+                <a:latin typeface="Lato"/>
+              </a:rPr>
+              <a:t>ar1[0][3]</a:t>
+            </a:r>
+          </a:p>
+          <a:p>
+            <a:pPr>
+              <a:lnSpc>
+                <a:spcPct val="50000"/>
+              </a:lnSpc>
+            </a:pPr>
+            <a:endParaRPr lang="en-US" sz="1300" spc="-1" dirty="0">
+              <a:solidFill>
+                <a:srgbClr val="595959"/>
+              </a:solidFill>
+              <a:latin typeface="Lato"/>
+            </a:endParaRPr>
+          </a:p>
+          <a:p>
+            <a:pPr>
+              <a:lnSpc>
+                <a:spcPct val="50000"/>
+              </a:lnSpc>
+            </a:pPr>
+            <a:r>
+              <a:rPr lang="en-US" sz="1300" spc="-1" dirty="0" smtClean="0">
+                <a:solidFill>
+                  <a:srgbClr val="595959"/>
+                </a:solidFill>
+                <a:latin typeface="Lato"/>
+              </a:rPr>
+              <a:t>ar1[0, 3]</a:t>
+            </a:r>
+          </a:p>
+          <a:p>
+            <a:pPr>
+              <a:lnSpc>
+                <a:spcPct val="50000"/>
+              </a:lnSpc>
+            </a:pPr>
+            <a:endParaRPr lang="en-US" sz="1300" spc="-1" dirty="0">
+              <a:solidFill>
+                <a:srgbClr val="595959"/>
+              </a:solidFill>
+              <a:latin typeface="Lato"/>
+            </a:endParaRPr>
+          </a:p>
+          <a:p>
+            <a:pPr>
+              <a:lnSpc>
+                <a:spcPct val="50000"/>
+              </a:lnSpc>
+            </a:pPr>
+            <a:r>
+              <a:rPr lang="en-US" sz="1300" spc="-1" dirty="0" smtClean="0">
+                <a:solidFill>
+                  <a:srgbClr val="595959"/>
+                </a:solidFill>
+                <a:latin typeface="Lato"/>
+              </a:rPr>
+              <a:t>ar1[0, :]</a:t>
+            </a:r>
+          </a:p>
+          <a:p>
+            <a:pPr>
+              <a:lnSpc>
+                <a:spcPct val="50000"/>
+              </a:lnSpc>
+            </a:pPr>
+            <a:endParaRPr lang="en-US" sz="1300" spc="-1" dirty="0" smtClean="0">
+              <a:solidFill>
+                <a:srgbClr val="595959"/>
+              </a:solidFill>
+              <a:latin typeface="Lato"/>
+            </a:endParaRPr>
+          </a:p>
+          <a:p>
+            <a:pPr>
+              <a:lnSpc>
+                <a:spcPct val="50000"/>
+              </a:lnSpc>
+            </a:pPr>
+            <a:endParaRPr lang="en-US" sz="1300" spc="-1" dirty="0">
+              <a:solidFill>
+                <a:srgbClr val="595959"/>
+              </a:solidFill>
+              <a:latin typeface="Lato"/>
+            </a:endParaRPr>
+          </a:p>
+          <a:p>
+            <a:pPr>
+              <a:lnSpc>
+                <a:spcPct val="50000"/>
+              </a:lnSpc>
+            </a:pPr>
+            <a:endParaRPr lang="en-US" sz="1300" spc="-1" dirty="0" smtClean="0">
+              <a:solidFill>
+                <a:srgbClr val="595959"/>
+              </a:solidFill>
+              <a:latin typeface="Lato"/>
+            </a:endParaRPr>
+          </a:p>
+          <a:p>
+            <a:pPr>
+              <a:lnSpc>
+                <a:spcPct val="50000"/>
+              </a:lnSpc>
+            </a:pPr>
+            <a:endParaRPr lang="en-US" sz="1300" spc="-1" dirty="0" smtClean="0">
+              <a:solidFill>
+                <a:srgbClr val="595959"/>
+              </a:solidFill>
+              <a:latin typeface="Lato"/>
+            </a:endParaRPr>
+          </a:p>
+          <a:p>
+            <a:pPr>
+              <a:lnSpc>
+                <a:spcPct val="50000"/>
+              </a:lnSpc>
+            </a:pPr>
+            <a:endParaRPr lang="en-US" sz="1300" spc="-1" dirty="0">
+              <a:solidFill>
+                <a:srgbClr val="595959"/>
+              </a:solidFill>
+              <a:latin typeface="Lato"/>
+            </a:endParaRPr>
+          </a:p>
+          <a:p>
+            <a:pPr>
+              <a:lnSpc>
+                <a:spcPct val="50000"/>
+              </a:lnSpc>
+            </a:pPr>
+            <a:endParaRPr lang="en-US" sz="1300" spc="-1" dirty="0" smtClean="0">
+              <a:solidFill>
+                <a:srgbClr val="595959"/>
+              </a:solidFill>
+              <a:latin typeface="Lato"/>
+            </a:endParaRPr>
+          </a:p>
+          <a:p>
+            <a:pPr>
+              <a:lnSpc>
+                <a:spcPct val="50000"/>
+              </a:lnSpc>
+            </a:pPr>
+            <a:endParaRPr lang="en-US" sz="1300" spc="-1" dirty="0">
+              <a:solidFill>
+                <a:srgbClr val="595959"/>
+              </a:solidFill>
+              <a:latin typeface="Lato"/>
+            </a:endParaRPr>
+          </a:p>
+          <a:p>
+            <a:pPr>
+              <a:lnSpc>
+                <a:spcPct val="50000"/>
+              </a:lnSpc>
+            </a:pPr>
+            <a:endParaRPr lang="en-US" sz="1300" spc="-1" dirty="0" smtClean="0">
+              <a:solidFill>
+                <a:srgbClr val="595959"/>
+              </a:solidFill>
+              <a:latin typeface="Lato"/>
+            </a:endParaRPr>
+          </a:p>
+          <a:p>
+            <a:pPr>
+              <a:lnSpc>
+                <a:spcPct val="50000"/>
+              </a:lnSpc>
+            </a:pPr>
+            <a:endParaRPr lang="en-US" sz="1300" spc="-1" dirty="0">
+              <a:solidFill>
+                <a:srgbClr val="595959"/>
+              </a:solidFill>
+              <a:latin typeface="Lato"/>
+            </a:endParaRPr>
+          </a:p>
+          <a:p>
+            <a:pPr>
+              <a:lnSpc>
+                <a:spcPct val="50000"/>
+              </a:lnSpc>
+            </a:pPr>
+            <a:endParaRPr lang="en-US" sz="1300" spc="-1" dirty="0">
+              <a:solidFill>
+                <a:srgbClr val="595959"/>
+              </a:solidFill>
+              <a:latin typeface="Lato"/>
+            </a:endParaRPr>
+          </a:p>
+        </p:txBody>
+      </p:sp>
+      <p:sp>
+        <p:nvSpPr>
+          <p:cNvPr id="4" name="CustomShape 2"/>
+          <p:cNvSpPr/>
+          <p:nvPr/>
+        </p:nvSpPr>
+        <p:spPr>
+          <a:xfrm>
+            <a:off x="4769164" y="592559"/>
+            <a:ext cx="3719161" cy="4340947"/>
+          </a:xfrm>
+          <a:prstGeom prst="rect">
+            <a:avLst/>
+          </a:prstGeom>
+          <a:noFill/>
+          <a:ln>
+            <a:noFill/>
+          </a:ln>
+        </p:spPr>
+        <p:style>
+          <a:lnRef idx="0">
+            <a:scrgbClr r="0" g="0" b="0"/>
+          </a:lnRef>
+          <a:fillRef idx="0">
+            <a:scrgbClr r="0" g="0" b="0"/>
+          </a:fillRef>
+          <a:effectRef idx="0">
+            <a:scrgbClr r="0" g="0" b="0"/>
+          </a:effectRef>
+          <a:fontRef idx="minor"/>
+        </p:style>
+        <p:txBody>
+          <a:bodyPr lIns="90000" tIns="91440" rIns="90000" bIns="91440"/>
+          <a:lstStyle/>
+          <a:p>
+            <a:pPr>
+              <a:lnSpc>
+                <a:spcPct val="50000"/>
+              </a:lnSpc>
+            </a:pPr>
+            <a:r>
+              <a:rPr lang="en-US" sz="1300" b="1" spc="-1" dirty="0" smtClean="0">
+                <a:solidFill>
+                  <a:srgbClr val="595959"/>
+                </a:solidFill>
+                <a:latin typeface="Lato"/>
+              </a:rPr>
+              <a:t>array can be reshaped!</a:t>
+            </a:r>
+          </a:p>
+          <a:p>
+            <a:pPr>
+              <a:lnSpc>
+                <a:spcPct val="50000"/>
+              </a:lnSpc>
+            </a:pPr>
+            <a:endParaRPr lang="en-US" sz="1300" b="1" spc="-1" dirty="0">
+              <a:solidFill>
+                <a:srgbClr val="595959"/>
+              </a:solidFill>
+              <a:latin typeface="Lato"/>
+            </a:endParaRPr>
+          </a:p>
+          <a:p>
+            <a:pPr>
+              <a:lnSpc>
+                <a:spcPct val="50000"/>
+              </a:lnSpc>
+            </a:pPr>
+            <a:endParaRPr lang="en-US" sz="1300" b="1" spc="-1" dirty="0" smtClean="0">
+              <a:solidFill>
+                <a:srgbClr val="595959"/>
+              </a:solidFill>
+              <a:latin typeface="Lato"/>
+            </a:endParaRPr>
+          </a:p>
+          <a:p>
+            <a:pPr>
+              <a:lnSpc>
+                <a:spcPct val="50000"/>
+              </a:lnSpc>
+            </a:pPr>
+            <a:r>
+              <a:rPr lang="en-US" sz="1300" spc="-1" dirty="0" smtClean="0">
+                <a:solidFill>
+                  <a:srgbClr val="595959"/>
+                </a:solidFill>
+                <a:latin typeface="Lato"/>
+              </a:rPr>
+              <a:t>ar1 = </a:t>
+            </a:r>
+            <a:r>
+              <a:rPr lang="en-US" sz="1300" spc="-1" dirty="0" err="1" smtClean="0">
+                <a:solidFill>
+                  <a:srgbClr val="595959"/>
+                </a:solidFill>
+                <a:latin typeface="Lato"/>
+              </a:rPr>
+              <a:t>np.array</a:t>
+            </a:r>
+            <a:r>
+              <a:rPr lang="en-US" sz="1300" spc="-1" dirty="0" smtClean="0">
+                <a:solidFill>
+                  <a:srgbClr val="595959"/>
+                </a:solidFill>
+                <a:latin typeface="Lato"/>
+              </a:rPr>
+              <a:t>([ [1, 2, 3, 4], [ 5, 6, 7, 8] ])</a:t>
+            </a:r>
+          </a:p>
+          <a:p>
+            <a:pPr>
+              <a:lnSpc>
+                <a:spcPct val="50000"/>
+              </a:lnSpc>
+            </a:pPr>
+            <a:endParaRPr lang="en-US" sz="1300" spc="-1" dirty="0">
+              <a:solidFill>
+                <a:srgbClr val="595959"/>
+              </a:solidFill>
+              <a:latin typeface="Lato"/>
+            </a:endParaRPr>
+          </a:p>
+          <a:p>
+            <a:pPr>
+              <a:lnSpc>
+                <a:spcPct val="50000"/>
+              </a:lnSpc>
+            </a:pPr>
+            <a:endParaRPr lang="en-US" sz="1300" spc="-1" dirty="0" smtClean="0">
+              <a:solidFill>
+                <a:srgbClr val="595959"/>
+              </a:solidFill>
+              <a:latin typeface="Lato"/>
+            </a:endParaRPr>
+          </a:p>
+          <a:p>
+            <a:pPr>
+              <a:lnSpc>
+                <a:spcPct val="50000"/>
+              </a:lnSpc>
+            </a:pPr>
+            <a:r>
+              <a:rPr lang="en-US" sz="1300" spc="-1" dirty="0" smtClean="0">
+                <a:solidFill>
+                  <a:srgbClr val="595959"/>
+                </a:solidFill>
+                <a:latin typeface="Lato"/>
+              </a:rPr>
+              <a:t>ar1.reshape(4, 2)      #does not change ar1</a:t>
+            </a:r>
+          </a:p>
+          <a:p>
+            <a:pPr>
+              <a:lnSpc>
+                <a:spcPct val="50000"/>
+              </a:lnSpc>
+            </a:pPr>
+            <a:endParaRPr lang="en-US" sz="1300" spc="-1" dirty="0">
+              <a:solidFill>
+                <a:srgbClr val="595959"/>
+              </a:solidFill>
+              <a:latin typeface="Lato"/>
+            </a:endParaRPr>
+          </a:p>
+          <a:p>
+            <a:pPr>
+              <a:lnSpc>
+                <a:spcPct val="50000"/>
+              </a:lnSpc>
+            </a:pPr>
+            <a:endParaRPr lang="en-US" sz="1300" spc="-1" dirty="0" smtClean="0">
+              <a:solidFill>
+                <a:srgbClr val="595959"/>
+              </a:solidFill>
+              <a:latin typeface="Lato"/>
+            </a:endParaRPr>
+          </a:p>
+          <a:p>
+            <a:pPr>
+              <a:lnSpc>
+                <a:spcPct val="50000"/>
+              </a:lnSpc>
+            </a:pPr>
+            <a:r>
+              <a:rPr lang="en-US" sz="1300" b="1" spc="-1" dirty="0" smtClean="0">
+                <a:solidFill>
+                  <a:srgbClr val="595959"/>
+                </a:solidFill>
+                <a:latin typeface="Lato"/>
+              </a:rPr>
+              <a:t>random number generator</a:t>
+            </a:r>
+          </a:p>
+          <a:p>
+            <a:pPr>
+              <a:lnSpc>
+                <a:spcPct val="50000"/>
+              </a:lnSpc>
+            </a:pPr>
+            <a:endParaRPr lang="en-US" sz="1300" b="1" spc="-1" dirty="0" smtClean="0">
+              <a:solidFill>
+                <a:srgbClr val="595959"/>
+              </a:solidFill>
+              <a:latin typeface="Lato"/>
+            </a:endParaRPr>
+          </a:p>
+          <a:p>
+            <a:pPr>
+              <a:lnSpc>
+                <a:spcPct val="50000"/>
+              </a:lnSpc>
+            </a:pPr>
+            <a:endParaRPr lang="en-US" sz="1300" spc="-1" dirty="0">
+              <a:solidFill>
+                <a:srgbClr val="595959"/>
+              </a:solidFill>
+              <a:latin typeface="Lato"/>
+            </a:endParaRPr>
+          </a:p>
+          <a:p>
+            <a:pPr>
+              <a:lnSpc>
+                <a:spcPct val="50000"/>
+              </a:lnSpc>
+            </a:pPr>
+            <a:r>
+              <a:rPr lang="en-US" sz="1300" spc="-1" dirty="0" err="1" smtClean="0">
+                <a:solidFill>
+                  <a:srgbClr val="595959"/>
+                </a:solidFill>
+                <a:latin typeface="Lato"/>
+              </a:rPr>
+              <a:t>np.random.rand</a:t>
+            </a:r>
+            <a:r>
+              <a:rPr lang="en-US" sz="1300" spc="-1" dirty="0" smtClean="0">
+                <a:solidFill>
+                  <a:srgbClr val="595959"/>
+                </a:solidFill>
+                <a:latin typeface="Lato"/>
+              </a:rPr>
+              <a:t>(10)</a:t>
+            </a:r>
+          </a:p>
+          <a:p>
+            <a:pPr>
+              <a:lnSpc>
+                <a:spcPct val="50000"/>
+              </a:lnSpc>
+            </a:pPr>
+            <a:endParaRPr lang="en-US" sz="1300" spc="-1" dirty="0">
+              <a:solidFill>
+                <a:srgbClr val="595959"/>
+              </a:solidFill>
+              <a:latin typeface="Lato"/>
+            </a:endParaRPr>
+          </a:p>
+          <a:p>
+            <a:pPr>
+              <a:lnSpc>
+                <a:spcPct val="50000"/>
+              </a:lnSpc>
+            </a:pPr>
+            <a:endParaRPr lang="en-US" sz="1300" spc="-1" dirty="0" smtClean="0">
+              <a:solidFill>
+                <a:srgbClr val="595959"/>
+              </a:solidFill>
+              <a:latin typeface="Lato"/>
+            </a:endParaRPr>
+          </a:p>
+          <a:p>
+            <a:pPr>
+              <a:lnSpc>
+                <a:spcPct val="50000"/>
+              </a:lnSpc>
+            </a:pPr>
+            <a:r>
+              <a:rPr lang="en-US" sz="1300" spc="-1" dirty="0" err="1" smtClean="0">
+                <a:solidFill>
+                  <a:srgbClr val="595959"/>
+                </a:solidFill>
+                <a:latin typeface="Lato"/>
+              </a:rPr>
+              <a:t>np.random.rand</a:t>
+            </a:r>
+            <a:r>
+              <a:rPr lang="en-US" sz="1300" spc="-1" dirty="0" smtClean="0">
+                <a:solidFill>
+                  <a:srgbClr val="595959"/>
+                </a:solidFill>
+                <a:latin typeface="Lato"/>
+              </a:rPr>
+              <a:t>(10).reshape(5, 2)</a:t>
+            </a:r>
+          </a:p>
+          <a:p>
+            <a:pPr>
+              <a:lnSpc>
+                <a:spcPct val="50000"/>
+              </a:lnSpc>
+            </a:pPr>
+            <a:endParaRPr lang="en-US" sz="1300" spc="-1" dirty="0">
+              <a:solidFill>
+                <a:srgbClr val="595959"/>
+              </a:solidFill>
+              <a:latin typeface="Lato"/>
+            </a:endParaRPr>
+          </a:p>
+          <a:p>
+            <a:pPr>
+              <a:lnSpc>
+                <a:spcPct val="50000"/>
+              </a:lnSpc>
+            </a:pPr>
+            <a:endParaRPr lang="en-US" sz="1300" spc="-1" dirty="0" smtClean="0">
+              <a:solidFill>
+                <a:srgbClr val="595959"/>
+              </a:solidFill>
+              <a:latin typeface="Lato"/>
+            </a:endParaRPr>
+          </a:p>
+          <a:p>
+            <a:pPr>
+              <a:lnSpc>
+                <a:spcPct val="50000"/>
+              </a:lnSpc>
+            </a:pPr>
+            <a:r>
+              <a:rPr lang="en-US" sz="1300" spc="-1" dirty="0" err="1" smtClean="0">
+                <a:solidFill>
+                  <a:srgbClr val="595959"/>
+                </a:solidFill>
+                <a:latin typeface="Lato"/>
+              </a:rPr>
+              <a:t>np.random.rand</a:t>
+            </a:r>
+            <a:r>
+              <a:rPr lang="en-US" sz="1300" spc="-1" dirty="0" smtClean="0">
+                <a:solidFill>
+                  <a:srgbClr val="595959"/>
+                </a:solidFill>
+                <a:latin typeface="Lato"/>
+              </a:rPr>
+              <a:t>(5, 2)</a:t>
+            </a:r>
+          </a:p>
+          <a:p>
+            <a:pPr>
+              <a:lnSpc>
+                <a:spcPct val="50000"/>
+              </a:lnSpc>
+            </a:pPr>
+            <a:endParaRPr lang="en-US" sz="1300" spc="-1" dirty="0">
+              <a:solidFill>
+                <a:srgbClr val="595959"/>
+              </a:solidFill>
+              <a:latin typeface="Lato"/>
+            </a:endParaRPr>
+          </a:p>
+          <a:p>
+            <a:pPr>
+              <a:lnSpc>
+                <a:spcPct val="50000"/>
+              </a:lnSpc>
+            </a:pPr>
+            <a:endParaRPr lang="en-US" sz="1300" spc="-1" dirty="0" smtClean="0">
+              <a:solidFill>
+                <a:srgbClr val="595959"/>
+              </a:solidFill>
+              <a:latin typeface="Lato"/>
+            </a:endParaRPr>
+          </a:p>
+          <a:p>
+            <a:pPr>
+              <a:lnSpc>
+                <a:spcPct val="50000"/>
+              </a:lnSpc>
+            </a:pPr>
+            <a:endParaRPr lang="en-US" sz="1300" spc="-1" dirty="0" smtClean="0">
+              <a:solidFill>
+                <a:srgbClr val="595959"/>
+              </a:solidFill>
+              <a:latin typeface="Lato"/>
+            </a:endParaRPr>
+          </a:p>
+          <a:p>
+            <a:pPr>
+              <a:lnSpc>
+                <a:spcPct val="50000"/>
+              </a:lnSpc>
+            </a:pPr>
+            <a:endParaRPr lang="en-US" sz="1300" spc="-1" dirty="0">
+              <a:solidFill>
+                <a:srgbClr val="595959"/>
+              </a:solidFill>
+              <a:latin typeface="Lato"/>
+            </a:endParaRPr>
+          </a:p>
+          <a:p>
+            <a:pPr>
+              <a:lnSpc>
+                <a:spcPct val="50000"/>
+              </a:lnSpc>
+            </a:pPr>
+            <a:r>
+              <a:rPr lang="en-US" sz="1300" spc="-1" dirty="0" err="1" smtClean="0">
+                <a:solidFill>
+                  <a:srgbClr val="595959"/>
+                </a:solidFill>
+                <a:latin typeface="Lato"/>
+              </a:rPr>
+              <a:t>np.random.randn</a:t>
+            </a:r>
+            <a:r>
+              <a:rPr lang="en-US" sz="1300" spc="-1" dirty="0" smtClean="0">
+                <a:solidFill>
+                  <a:srgbClr val="595959"/>
+                </a:solidFill>
+                <a:latin typeface="Lato"/>
+              </a:rPr>
+              <a:t>(5, 2)  #normal distribution</a:t>
+            </a:r>
+          </a:p>
+          <a:p>
+            <a:pPr>
+              <a:lnSpc>
+                <a:spcPct val="50000"/>
+              </a:lnSpc>
+            </a:pPr>
+            <a:endParaRPr lang="en-US" sz="1300" spc="-1" dirty="0">
+              <a:solidFill>
+                <a:srgbClr val="595959"/>
+              </a:solidFill>
+              <a:latin typeface="Lato"/>
+            </a:endParaRPr>
+          </a:p>
+          <a:p>
+            <a:pPr>
+              <a:lnSpc>
+                <a:spcPct val="50000"/>
+              </a:lnSpc>
+            </a:pPr>
+            <a:endParaRPr lang="en-US" sz="1300" spc="-1" dirty="0" smtClean="0">
+              <a:solidFill>
+                <a:srgbClr val="595959"/>
+              </a:solidFill>
+              <a:latin typeface="Lato"/>
+            </a:endParaRPr>
+          </a:p>
+          <a:p>
+            <a:pPr>
+              <a:lnSpc>
+                <a:spcPct val="50000"/>
+              </a:lnSpc>
+            </a:pPr>
+            <a:r>
+              <a:rPr lang="en-US" sz="1300" spc="-1" dirty="0" err="1" smtClean="0">
+                <a:solidFill>
+                  <a:srgbClr val="595959"/>
+                </a:solidFill>
+                <a:latin typeface="Lato"/>
+              </a:rPr>
+              <a:t>np.random.randn</a:t>
+            </a:r>
+            <a:r>
+              <a:rPr lang="en-US" sz="1300" spc="-1" dirty="0" smtClean="0">
+                <a:solidFill>
+                  <a:srgbClr val="595959"/>
+                </a:solidFill>
+                <a:latin typeface="Lato"/>
+              </a:rPr>
+              <a:t>(5,2) &gt; 1 # Boolean array</a:t>
+            </a:r>
+          </a:p>
+          <a:p>
+            <a:pPr>
+              <a:lnSpc>
+                <a:spcPct val="50000"/>
+              </a:lnSpc>
+            </a:pPr>
+            <a:endParaRPr lang="en-US" sz="1300" spc="-1" dirty="0" smtClean="0">
+              <a:solidFill>
+                <a:srgbClr val="595959"/>
+              </a:solidFill>
+              <a:latin typeface="Lato"/>
+            </a:endParaRPr>
+          </a:p>
+          <a:p>
+            <a:pPr>
+              <a:lnSpc>
+                <a:spcPct val="50000"/>
+              </a:lnSpc>
+            </a:pPr>
+            <a:endParaRPr lang="en-US" sz="1300" spc="-1" dirty="0" smtClean="0">
+              <a:solidFill>
+                <a:srgbClr val="595959"/>
+              </a:solidFill>
+              <a:latin typeface="Lato"/>
+            </a:endParaRPr>
+          </a:p>
+          <a:p>
+            <a:pPr>
+              <a:lnSpc>
+                <a:spcPct val="50000"/>
+              </a:lnSpc>
+            </a:pPr>
+            <a:endParaRPr lang="en-US" sz="1300" spc="-1" dirty="0">
+              <a:solidFill>
+                <a:srgbClr val="595959"/>
+              </a:solidFill>
+              <a:latin typeface="Lato"/>
+            </a:endParaRPr>
+          </a:p>
+          <a:p>
+            <a:pPr>
+              <a:lnSpc>
+                <a:spcPct val="50000"/>
+              </a:lnSpc>
+            </a:pPr>
+            <a:r>
+              <a:rPr lang="en-US" sz="1300" spc="-1" dirty="0" smtClean="0">
+                <a:solidFill>
+                  <a:srgbClr val="595959"/>
+                </a:solidFill>
+                <a:latin typeface="Lato"/>
+              </a:rPr>
+              <a:t>ar1 = </a:t>
+            </a:r>
+            <a:r>
+              <a:rPr lang="en-US" sz="1300" spc="-1" dirty="0" err="1" smtClean="0">
+                <a:solidFill>
+                  <a:srgbClr val="595959"/>
+                </a:solidFill>
+                <a:latin typeface="Lato"/>
+              </a:rPr>
+              <a:t>np.random.randn</a:t>
+            </a:r>
+            <a:r>
+              <a:rPr lang="en-US" sz="1300" spc="-1" dirty="0" smtClean="0">
+                <a:solidFill>
+                  <a:srgbClr val="595959"/>
+                </a:solidFill>
+                <a:latin typeface="Lato"/>
+              </a:rPr>
+              <a:t>(3, 4)</a:t>
+            </a:r>
+          </a:p>
+          <a:p>
+            <a:pPr>
+              <a:lnSpc>
+                <a:spcPct val="50000"/>
+              </a:lnSpc>
+            </a:pPr>
+            <a:endParaRPr lang="en-US" sz="1300" spc="-1" dirty="0">
+              <a:solidFill>
+                <a:srgbClr val="595959"/>
+              </a:solidFill>
+              <a:latin typeface="Lato"/>
+            </a:endParaRPr>
+          </a:p>
+          <a:p>
+            <a:pPr>
+              <a:lnSpc>
+                <a:spcPct val="50000"/>
+              </a:lnSpc>
+            </a:pPr>
+            <a:endParaRPr lang="en-US" sz="1300" spc="-1" dirty="0" smtClean="0">
+              <a:solidFill>
+                <a:srgbClr val="595959"/>
+              </a:solidFill>
+              <a:latin typeface="Lato"/>
+            </a:endParaRPr>
+          </a:p>
+          <a:p>
+            <a:pPr>
+              <a:lnSpc>
+                <a:spcPct val="50000"/>
+              </a:lnSpc>
+            </a:pPr>
+            <a:r>
+              <a:rPr lang="en-US" sz="1300" spc="-1" dirty="0" smtClean="0">
+                <a:solidFill>
+                  <a:srgbClr val="595959"/>
+                </a:solidFill>
+                <a:latin typeface="Lato"/>
+              </a:rPr>
+              <a:t>ar1&gt;0</a:t>
+            </a:r>
+          </a:p>
+          <a:p>
+            <a:pPr>
+              <a:lnSpc>
+                <a:spcPct val="50000"/>
+              </a:lnSpc>
+            </a:pPr>
+            <a:endParaRPr lang="en-US" sz="1300" spc="-1" dirty="0">
+              <a:solidFill>
+                <a:srgbClr val="595959"/>
+              </a:solidFill>
+              <a:latin typeface="Lato"/>
+            </a:endParaRPr>
+          </a:p>
+          <a:p>
+            <a:pPr>
+              <a:lnSpc>
+                <a:spcPct val="50000"/>
+              </a:lnSpc>
+            </a:pPr>
+            <a:endParaRPr lang="en-US" sz="1300" spc="-1" dirty="0" smtClean="0">
+              <a:solidFill>
+                <a:srgbClr val="595959"/>
+              </a:solidFill>
+              <a:latin typeface="Lato"/>
+            </a:endParaRPr>
+          </a:p>
+          <a:p>
+            <a:pPr>
+              <a:lnSpc>
+                <a:spcPct val="50000"/>
+              </a:lnSpc>
+            </a:pPr>
+            <a:r>
+              <a:rPr lang="en-US" sz="1300" spc="-1" dirty="0" smtClean="0">
+                <a:solidFill>
+                  <a:srgbClr val="595959"/>
+                </a:solidFill>
+                <a:latin typeface="Lato"/>
+              </a:rPr>
+              <a:t>ar1 * 3</a:t>
+            </a:r>
+          </a:p>
+          <a:p>
+            <a:pPr>
+              <a:lnSpc>
+                <a:spcPct val="50000"/>
+              </a:lnSpc>
+            </a:pPr>
+            <a:endParaRPr lang="en-US" sz="1300" spc="-1" dirty="0">
+              <a:solidFill>
+                <a:srgbClr val="595959"/>
+              </a:solidFill>
+              <a:latin typeface="Lato"/>
+            </a:endParaRPr>
+          </a:p>
+          <a:p>
+            <a:pPr>
+              <a:lnSpc>
+                <a:spcPct val="50000"/>
+              </a:lnSpc>
+            </a:pPr>
+            <a:endParaRPr lang="en-US" sz="1300" spc="-1" dirty="0" smtClean="0">
+              <a:solidFill>
+                <a:srgbClr val="595959"/>
+              </a:solidFill>
+              <a:latin typeface="Lato"/>
+            </a:endParaRPr>
+          </a:p>
+          <a:p>
+            <a:pPr>
+              <a:lnSpc>
+                <a:spcPct val="50000"/>
+              </a:lnSpc>
+            </a:pPr>
+            <a:r>
+              <a:rPr lang="en-US" sz="1300" spc="-1" dirty="0" smtClean="0">
+                <a:solidFill>
+                  <a:srgbClr val="595959"/>
+                </a:solidFill>
+                <a:latin typeface="Lato"/>
+              </a:rPr>
+              <a:t>ar1 + 1</a:t>
+            </a:r>
+          </a:p>
+          <a:p>
+            <a:pPr>
+              <a:lnSpc>
+                <a:spcPct val="50000"/>
+              </a:lnSpc>
+            </a:pPr>
+            <a:endParaRPr lang="en-US" sz="1300" spc="-1" dirty="0">
+              <a:solidFill>
+                <a:srgbClr val="595959"/>
+              </a:solidFill>
+              <a:latin typeface="Lato"/>
+            </a:endParaRPr>
+          </a:p>
+          <a:p>
+            <a:pPr>
+              <a:lnSpc>
+                <a:spcPct val="50000"/>
+              </a:lnSpc>
+            </a:pPr>
+            <a:endParaRPr lang="en-US" sz="1300" spc="-1" dirty="0" smtClean="0">
+              <a:solidFill>
+                <a:srgbClr val="595959"/>
+              </a:solidFill>
+              <a:latin typeface="Lato"/>
+            </a:endParaRPr>
+          </a:p>
+          <a:p>
+            <a:pPr>
+              <a:lnSpc>
+                <a:spcPct val="50000"/>
+              </a:lnSpc>
+            </a:pPr>
+            <a:endParaRPr lang="en-US" sz="1300" spc="-1" dirty="0" smtClean="0">
+              <a:solidFill>
+                <a:srgbClr val="595959"/>
+              </a:solidFill>
+              <a:latin typeface="Lato"/>
+            </a:endParaRPr>
+          </a:p>
+          <a:p>
+            <a:pPr>
+              <a:lnSpc>
+                <a:spcPct val="50000"/>
+              </a:lnSpc>
+            </a:pPr>
+            <a:endParaRPr lang="en-US" sz="1300" spc="-1" dirty="0" smtClean="0">
+              <a:solidFill>
+                <a:srgbClr val="595959"/>
+              </a:solidFill>
+              <a:latin typeface="Lato"/>
+            </a:endParaRPr>
+          </a:p>
+          <a:p>
+            <a:pPr>
+              <a:lnSpc>
+                <a:spcPct val="50000"/>
+              </a:lnSpc>
+            </a:pPr>
+            <a:endParaRPr lang="en-US" sz="1300" spc="-1" dirty="0">
+              <a:solidFill>
+                <a:srgbClr val="595959"/>
+              </a:solidFill>
+              <a:latin typeface="Lato"/>
+            </a:endParaRPr>
+          </a:p>
+          <a:p>
+            <a:pPr>
+              <a:lnSpc>
+                <a:spcPct val="50000"/>
+              </a:lnSpc>
+            </a:pPr>
+            <a:endParaRPr lang="en-US" sz="1300" spc="-1" dirty="0" smtClean="0">
+              <a:solidFill>
+                <a:srgbClr val="595959"/>
+              </a:solidFill>
+              <a:latin typeface="Lato"/>
+            </a:endParaRPr>
+          </a:p>
+          <a:p>
+            <a:pPr>
+              <a:lnSpc>
+                <a:spcPct val="50000"/>
+              </a:lnSpc>
+            </a:pPr>
+            <a:endParaRPr lang="en-US" sz="1300" spc="-1" dirty="0" smtClean="0">
+              <a:solidFill>
+                <a:srgbClr val="595959"/>
+              </a:solidFill>
+              <a:latin typeface="Lato"/>
+            </a:endParaRPr>
+          </a:p>
+          <a:p>
+            <a:pPr>
+              <a:lnSpc>
+                <a:spcPct val="50000"/>
+              </a:lnSpc>
+            </a:pPr>
+            <a:endParaRPr lang="en-US" sz="1300" spc="-1" dirty="0">
+              <a:solidFill>
+                <a:srgbClr val="595959"/>
+              </a:solidFill>
+              <a:latin typeface="Lato"/>
+            </a:endParaRPr>
+          </a:p>
+          <a:p>
+            <a:pPr>
+              <a:lnSpc>
+                <a:spcPct val="50000"/>
+              </a:lnSpc>
+            </a:pPr>
+            <a:endParaRPr lang="en-US" sz="1300" spc="-1" dirty="0" smtClean="0">
+              <a:solidFill>
+                <a:srgbClr val="595959"/>
+              </a:solidFill>
+              <a:latin typeface="Lato"/>
+            </a:endParaRPr>
+          </a:p>
+          <a:p>
+            <a:pPr>
+              <a:lnSpc>
+                <a:spcPct val="50000"/>
+              </a:lnSpc>
+            </a:pPr>
+            <a:endParaRPr lang="en-US" sz="1300" spc="-1" dirty="0">
+              <a:solidFill>
+                <a:srgbClr val="595959"/>
+              </a:solidFill>
+              <a:latin typeface="Lato"/>
+            </a:endParaRPr>
+          </a:p>
+          <a:p>
+            <a:pPr>
+              <a:lnSpc>
+                <a:spcPct val="50000"/>
+              </a:lnSpc>
+            </a:pPr>
+            <a:endParaRPr lang="en-US" sz="1300" spc="-1" dirty="0" smtClean="0">
+              <a:solidFill>
+                <a:srgbClr val="595959"/>
+              </a:solidFill>
+              <a:latin typeface="Lato"/>
+            </a:endParaRPr>
+          </a:p>
+          <a:p>
+            <a:pPr>
+              <a:lnSpc>
+                <a:spcPct val="50000"/>
+              </a:lnSpc>
+            </a:pPr>
+            <a:endParaRPr lang="en-US" sz="1300" spc="-1" dirty="0">
+              <a:solidFill>
+                <a:srgbClr val="595959"/>
+              </a:solidFill>
+              <a:latin typeface="Lato"/>
+            </a:endParaRPr>
+          </a:p>
+          <a:p>
+            <a:pPr>
+              <a:lnSpc>
+                <a:spcPct val="50000"/>
+              </a:lnSpc>
+            </a:pPr>
+            <a:endParaRPr lang="en-US" sz="1300" spc="-1" dirty="0">
+              <a:solidFill>
+                <a:srgbClr val="595959"/>
+              </a:solidFill>
+              <a:latin typeface="Lato"/>
+            </a:endParaRPr>
+          </a:p>
+        </p:txBody>
+      </p:sp>
+    </p:spTree>
+    <p:extLst>
+      <p:ext uri="{BB962C8B-B14F-4D97-AF65-F5344CB8AC3E}">
+        <p14:creationId xmlns:p14="http://schemas.microsoft.com/office/powerpoint/2010/main" val="3719139403"/>
+      </p:ext>
+    </p:extLst>
+  </p:cSld>
+  <p:clrMapOvr>
+    <a:masterClrMapping/>
+  </p:clrMapOvr>
+  <p:timing>
+    <p:tnLst>
+      <p:par>
+        <p:cTn id="1" dur="indefinite" restart="never" nodeType="tmRoot">
+          <p:childTnLst>
+            <p:seq>
+              <p:cTn id="2" dur="indefinite" nodeType="mainSeq"/>
+              <p:prevCondLst>
+                <p:cond evt="onPrev" delay="0">
+                  <p:tgtEl>
+                    <p:sldTgt/>
+                  </p:tgtEl>
+                </p:cond>
+              </p:prevCondLst>
+              <p:nextCondLst>
+                <p:cond evt="onNext" delay="0">
+                  <p:tgtEl>
+                    <p:sldTgt/>
+                  </p:tgtEl>
+                </p:cond>
+              </p:nextCondLst>
+            </p:seq>
+          </p:childTnLst>
+        </p:cTn>
+      </p:par>
+    </p:tnLst>
+  </p:timing>
+</p:sld>
+</file>
+
+<file path=ppt/slides/slide26.xml><?xml version="1.0" encoding="utf-8"?>
+<p:sld xmlns:a="http://schemas.openxmlformats.org/drawingml/2006/main" xmlns:r="http://schemas.openxmlformats.org/officeDocument/2006/relationships" xmlns:p="http://schemas.openxmlformats.org/presentationml/2006/main">
+  <p:cSld>
+    <p:spTree>
+      <p:nvGrpSpPr>
+        <p:cNvPr id="1" name=""/>
+        <p:cNvGrpSpPr/>
+        <p:nvPr/>
+      </p:nvGrpSpPr>
+      <p:grpSpPr>
+        <a:xfrm>
+          <a:off x="0" y="0"/>
+          <a:ext cx="0" cy="0"/>
+          <a:chOff x="0" y="0"/>
+          <a:chExt cx="0" cy="0"/>
+        </a:xfrm>
+      </p:grpSpPr>
+      <p:sp>
+        <p:nvSpPr>
+          <p:cNvPr id="153" name="CustomShape 1"/>
+          <p:cNvSpPr/>
+          <p:nvPr/>
+        </p:nvSpPr>
+        <p:spPr>
+          <a:xfrm>
+            <a:off x="450000" y="0"/>
+            <a:ext cx="7688160" cy="534600"/>
+          </a:xfrm>
+          <a:prstGeom prst="rect">
+            <a:avLst/>
+          </a:prstGeom>
+          <a:noFill/>
+          <a:ln>
+            <a:noFill/>
+          </a:ln>
+        </p:spPr>
+        <p:style>
+          <a:lnRef idx="0">
+            <a:scrgbClr r="0" g="0" b="0"/>
+          </a:lnRef>
+          <a:fillRef idx="0">
+            <a:scrgbClr r="0" g="0" b="0"/>
+          </a:fillRef>
+          <a:effectRef idx="0">
+            <a:scrgbClr r="0" g="0" b="0"/>
+          </a:effectRef>
+          <a:fontRef idx="minor"/>
+        </p:style>
+        <p:txBody>
+          <a:bodyPr lIns="90000" tIns="91440" rIns="90000" bIns="91440"/>
+          <a:lstStyle/>
+          <a:p>
+            <a:pPr>
+              <a:lnSpc>
+                <a:spcPct val="100000"/>
+              </a:lnSpc>
+            </a:pPr>
+            <a:r>
+              <a:rPr lang="en-US" sz="2600" b="1" strike="noStrike" spc="-1" dirty="0">
+                <a:solidFill>
+                  <a:srgbClr val="1A1A1A"/>
+                </a:solidFill>
+                <a:latin typeface="Raleway"/>
+                <a:ea typeface="Raleway"/>
+              </a:rPr>
+              <a:t>Basic Python - cont. </a:t>
+            </a:r>
+            <a:r>
+              <a:rPr dirty="0"/>
+              <a:t/>
+            </a:r>
+            <a:br>
+              <a:rPr dirty="0"/>
+            </a:br>
+            <a:endParaRPr lang="en-US" sz="2600" b="0" strike="noStrike" spc="-1" dirty="0">
+              <a:latin typeface="Arial"/>
+            </a:endParaRPr>
+          </a:p>
+        </p:txBody>
+      </p:sp>
+      <p:sp>
+        <p:nvSpPr>
+          <p:cNvPr id="154" name="CustomShape 2"/>
+          <p:cNvSpPr/>
+          <p:nvPr/>
+        </p:nvSpPr>
+        <p:spPr>
+          <a:xfrm>
+            <a:off x="395639" y="592559"/>
+            <a:ext cx="4250789" cy="4340947"/>
+          </a:xfrm>
+          <a:prstGeom prst="rect">
+            <a:avLst/>
+          </a:prstGeom>
+          <a:noFill/>
+          <a:ln>
+            <a:noFill/>
+          </a:ln>
+        </p:spPr>
+        <p:style>
+          <a:lnRef idx="0">
+            <a:scrgbClr r="0" g="0" b="0"/>
+          </a:lnRef>
+          <a:fillRef idx="0">
+            <a:scrgbClr r="0" g="0" b="0"/>
+          </a:fillRef>
+          <a:effectRef idx="0">
+            <a:scrgbClr r="0" g="0" b="0"/>
+          </a:effectRef>
+          <a:fontRef idx="minor"/>
+        </p:style>
+        <p:txBody>
+          <a:bodyPr lIns="90000" tIns="91440" rIns="90000" bIns="91440"/>
+          <a:lstStyle/>
+          <a:p>
+            <a:pPr>
+              <a:lnSpc>
+                <a:spcPct val="50000"/>
+              </a:lnSpc>
+            </a:pPr>
+            <a:r>
+              <a:rPr lang="en-US" sz="1300" b="1" strike="noStrike" spc="-1" dirty="0" err="1" smtClean="0">
+                <a:solidFill>
+                  <a:srgbClr val="595959"/>
+                </a:solidFill>
+                <a:latin typeface="Lato"/>
+                <a:ea typeface="Lato"/>
+              </a:rPr>
+              <a:t>NumPy</a:t>
+            </a:r>
+            <a:endParaRPr lang="en-US" sz="1300" b="1" strike="noStrike" spc="-1" dirty="0" smtClean="0">
+              <a:solidFill>
+                <a:srgbClr val="595959"/>
+              </a:solidFill>
+              <a:latin typeface="Lato"/>
+              <a:ea typeface="Lato"/>
+            </a:endParaRPr>
+          </a:p>
+          <a:p>
+            <a:pPr>
+              <a:lnSpc>
+                <a:spcPct val="50000"/>
+              </a:lnSpc>
+            </a:pPr>
+            <a:endParaRPr lang="en-US" sz="1300" b="1" spc="-1" dirty="0">
+              <a:solidFill>
+                <a:srgbClr val="595959"/>
+              </a:solidFill>
+              <a:latin typeface="Lato"/>
+            </a:endParaRPr>
+          </a:p>
+          <a:p>
+            <a:pPr>
+              <a:lnSpc>
+                <a:spcPct val="50000"/>
+              </a:lnSpc>
+            </a:pPr>
+            <a:endParaRPr lang="en-US" sz="1300" spc="-1" dirty="0" smtClean="0">
+              <a:solidFill>
+                <a:srgbClr val="595959"/>
+              </a:solidFill>
+              <a:latin typeface="Lato"/>
+            </a:endParaRPr>
+          </a:p>
+          <a:p>
+            <a:pPr>
+              <a:lnSpc>
+                <a:spcPct val="50000"/>
+              </a:lnSpc>
+            </a:pPr>
+            <a:r>
+              <a:rPr lang="en-US" sz="1300" spc="-1" dirty="0" smtClean="0">
+                <a:solidFill>
+                  <a:srgbClr val="595959"/>
+                </a:solidFill>
+                <a:latin typeface="Lato"/>
+              </a:rPr>
+              <a:t>more </a:t>
+            </a:r>
+            <a:r>
+              <a:rPr lang="en-US" sz="1300" spc="-1" dirty="0" err="1" smtClean="0">
+                <a:solidFill>
+                  <a:srgbClr val="595959"/>
+                </a:solidFill>
+                <a:latin typeface="Lato"/>
+              </a:rPr>
+              <a:t>numpy</a:t>
+            </a:r>
+            <a:r>
+              <a:rPr lang="en-US" sz="1300" spc="-1" dirty="0" smtClean="0">
+                <a:solidFill>
+                  <a:srgbClr val="595959"/>
+                </a:solidFill>
+                <a:latin typeface="Lato"/>
+              </a:rPr>
+              <a:t> functions:</a:t>
+            </a:r>
+          </a:p>
+          <a:p>
+            <a:pPr>
+              <a:lnSpc>
+                <a:spcPct val="50000"/>
+              </a:lnSpc>
+            </a:pPr>
+            <a:endParaRPr lang="en-US" sz="1300" spc="-1" dirty="0" smtClean="0">
+              <a:solidFill>
+                <a:srgbClr val="595959"/>
+              </a:solidFill>
+              <a:latin typeface="Lato"/>
+            </a:endParaRPr>
+          </a:p>
+          <a:p>
+            <a:pPr>
+              <a:lnSpc>
+                <a:spcPct val="50000"/>
+              </a:lnSpc>
+            </a:pPr>
+            <a:endParaRPr lang="en-US" sz="1300" spc="-1" dirty="0" smtClean="0">
+              <a:solidFill>
+                <a:srgbClr val="595959"/>
+              </a:solidFill>
+              <a:latin typeface="Lato"/>
+            </a:endParaRPr>
+          </a:p>
+          <a:p>
+            <a:pPr>
+              <a:lnSpc>
+                <a:spcPct val="50000"/>
+              </a:lnSpc>
+            </a:pPr>
+            <a:endParaRPr lang="en-US" sz="1300" b="1" spc="-1" dirty="0">
+              <a:solidFill>
+                <a:srgbClr val="595959"/>
+              </a:solidFill>
+              <a:latin typeface="Lato"/>
+            </a:endParaRPr>
+          </a:p>
+          <a:p>
+            <a:pPr>
+              <a:lnSpc>
+                <a:spcPct val="50000"/>
+              </a:lnSpc>
+            </a:pPr>
+            <a:r>
+              <a:rPr lang="en-US" sz="1300" spc="-1" dirty="0">
+                <a:solidFill>
+                  <a:srgbClr val="595959"/>
+                </a:solidFill>
+                <a:latin typeface="Lato"/>
+              </a:rPr>
+              <a:t>ar1 = </a:t>
+            </a:r>
+            <a:r>
+              <a:rPr lang="en-US" sz="1300" spc="-1" dirty="0" err="1">
+                <a:solidFill>
+                  <a:srgbClr val="595959"/>
+                </a:solidFill>
+                <a:latin typeface="Lato"/>
+              </a:rPr>
+              <a:t>np.array</a:t>
+            </a:r>
+            <a:r>
+              <a:rPr lang="en-US" sz="1300" spc="-1" dirty="0">
+                <a:solidFill>
+                  <a:srgbClr val="595959"/>
+                </a:solidFill>
+                <a:latin typeface="Lato"/>
+              </a:rPr>
+              <a:t>([ [1, </a:t>
+            </a:r>
+            <a:r>
+              <a:rPr lang="en-US" sz="1300" spc="-1" dirty="0" smtClean="0">
+                <a:solidFill>
+                  <a:srgbClr val="595959"/>
+                </a:solidFill>
+                <a:latin typeface="Lato"/>
+              </a:rPr>
+              <a:t>1, 1, 1], </a:t>
+            </a:r>
+            <a:r>
+              <a:rPr lang="en-US" sz="1300" spc="-1" dirty="0">
+                <a:solidFill>
+                  <a:srgbClr val="595959"/>
+                </a:solidFill>
+                <a:latin typeface="Lato"/>
+              </a:rPr>
+              <a:t>[ </a:t>
+            </a:r>
+            <a:r>
+              <a:rPr lang="en-US" sz="1300" spc="-1" dirty="0" smtClean="0">
+                <a:solidFill>
+                  <a:srgbClr val="595959"/>
+                </a:solidFill>
+                <a:latin typeface="Lato"/>
+              </a:rPr>
+              <a:t>2, 2, 2, 2] </a:t>
+            </a:r>
+            <a:r>
+              <a:rPr lang="en-US" sz="1300" spc="-1" dirty="0">
+                <a:solidFill>
+                  <a:srgbClr val="595959"/>
+                </a:solidFill>
+                <a:latin typeface="Lato"/>
+              </a:rPr>
+              <a:t>])</a:t>
+            </a:r>
+          </a:p>
+          <a:p>
+            <a:pPr>
+              <a:lnSpc>
+                <a:spcPct val="50000"/>
+              </a:lnSpc>
+            </a:pPr>
+            <a:endParaRPr lang="en-US" sz="1300" spc="-1" dirty="0" smtClean="0">
+              <a:solidFill>
+                <a:srgbClr val="595959"/>
+              </a:solidFill>
+              <a:latin typeface="Lato"/>
+            </a:endParaRPr>
+          </a:p>
+          <a:p>
+            <a:pPr>
+              <a:lnSpc>
+                <a:spcPct val="50000"/>
+              </a:lnSpc>
+            </a:pPr>
+            <a:endParaRPr lang="en-US" sz="1300" spc="-1" dirty="0" smtClean="0">
+              <a:solidFill>
+                <a:srgbClr val="595959"/>
+              </a:solidFill>
+              <a:latin typeface="Lato"/>
+            </a:endParaRPr>
+          </a:p>
+          <a:p>
+            <a:pPr>
+              <a:lnSpc>
+                <a:spcPct val="50000"/>
+              </a:lnSpc>
+            </a:pPr>
+            <a:endParaRPr lang="en-US" sz="1300" spc="-1" dirty="0">
+              <a:solidFill>
+                <a:srgbClr val="595959"/>
+              </a:solidFill>
+              <a:latin typeface="Lato"/>
+            </a:endParaRPr>
+          </a:p>
+          <a:p>
+            <a:pPr>
+              <a:lnSpc>
+                <a:spcPct val="50000"/>
+              </a:lnSpc>
+            </a:pPr>
+            <a:r>
+              <a:rPr lang="en-US" sz="1300" spc="-1" dirty="0" err="1" smtClean="0">
+                <a:solidFill>
+                  <a:srgbClr val="595959"/>
+                </a:solidFill>
+                <a:latin typeface="Lato"/>
+              </a:rPr>
+              <a:t>np.mean</a:t>
+            </a:r>
+            <a:r>
+              <a:rPr lang="en-US" sz="1300" spc="-1" dirty="0" smtClean="0">
+                <a:solidFill>
+                  <a:srgbClr val="595959"/>
+                </a:solidFill>
+                <a:latin typeface="Lato"/>
+              </a:rPr>
+              <a:t>(ar1)</a:t>
+            </a:r>
+          </a:p>
+          <a:p>
+            <a:pPr>
+              <a:lnSpc>
+                <a:spcPct val="50000"/>
+              </a:lnSpc>
+            </a:pPr>
+            <a:endParaRPr lang="en-US" sz="1300" spc="-1" dirty="0">
+              <a:solidFill>
+                <a:srgbClr val="595959"/>
+              </a:solidFill>
+              <a:latin typeface="Lato"/>
+            </a:endParaRPr>
+          </a:p>
+          <a:p>
+            <a:pPr>
+              <a:lnSpc>
+                <a:spcPct val="50000"/>
+              </a:lnSpc>
+            </a:pPr>
+            <a:endParaRPr lang="en-US" sz="1300" spc="-1" dirty="0" smtClean="0">
+              <a:solidFill>
+                <a:srgbClr val="595959"/>
+              </a:solidFill>
+              <a:latin typeface="Lato"/>
+            </a:endParaRPr>
+          </a:p>
+          <a:p>
+            <a:pPr>
+              <a:lnSpc>
+                <a:spcPct val="50000"/>
+              </a:lnSpc>
+            </a:pPr>
+            <a:r>
+              <a:rPr lang="en-US" sz="1300" spc="-1" dirty="0" err="1" smtClean="0">
+                <a:solidFill>
+                  <a:srgbClr val="595959"/>
+                </a:solidFill>
+                <a:latin typeface="Lato"/>
+              </a:rPr>
+              <a:t>np.mean</a:t>
+            </a:r>
+            <a:r>
+              <a:rPr lang="en-US" sz="1300" spc="-1" dirty="0" smtClean="0">
+                <a:solidFill>
+                  <a:srgbClr val="595959"/>
+                </a:solidFill>
+                <a:latin typeface="Lato"/>
+              </a:rPr>
+              <a:t>(ar1, 0)   # column wise </a:t>
+            </a:r>
+          </a:p>
+          <a:p>
+            <a:pPr>
+              <a:lnSpc>
+                <a:spcPct val="50000"/>
+              </a:lnSpc>
+            </a:pPr>
+            <a:endParaRPr lang="en-US" sz="1300" spc="-1" dirty="0">
+              <a:solidFill>
+                <a:srgbClr val="595959"/>
+              </a:solidFill>
+              <a:latin typeface="Lato"/>
+            </a:endParaRPr>
+          </a:p>
+          <a:p>
+            <a:pPr>
+              <a:lnSpc>
+                <a:spcPct val="50000"/>
+              </a:lnSpc>
+            </a:pPr>
+            <a:endParaRPr lang="en-US" sz="1300" spc="-1" dirty="0" smtClean="0">
+              <a:solidFill>
+                <a:srgbClr val="595959"/>
+              </a:solidFill>
+              <a:latin typeface="Lato"/>
+            </a:endParaRPr>
+          </a:p>
+          <a:p>
+            <a:pPr>
+              <a:lnSpc>
+                <a:spcPct val="50000"/>
+              </a:lnSpc>
+            </a:pPr>
+            <a:r>
+              <a:rPr lang="en-US" sz="1300" spc="-1" dirty="0" err="1" smtClean="0">
+                <a:solidFill>
+                  <a:srgbClr val="595959"/>
+                </a:solidFill>
+                <a:latin typeface="Lato"/>
+              </a:rPr>
+              <a:t>np.mean</a:t>
+            </a:r>
+            <a:r>
+              <a:rPr lang="en-US" sz="1300" spc="-1" dirty="0" smtClean="0">
+                <a:solidFill>
+                  <a:srgbClr val="595959"/>
+                </a:solidFill>
+                <a:latin typeface="Lato"/>
+              </a:rPr>
+              <a:t>(ar1, 1)  # row wise</a:t>
+            </a:r>
+          </a:p>
+          <a:p>
+            <a:pPr>
+              <a:lnSpc>
+                <a:spcPct val="50000"/>
+              </a:lnSpc>
+            </a:pPr>
+            <a:endParaRPr lang="en-US" sz="1300" spc="-1" dirty="0">
+              <a:solidFill>
+                <a:srgbClr val="595959"/>
+              </a:solidFill>
+              <a:latin typeface="Lato"/>
+            </a:endParaRPr>
+          </a:p>
+          <a:p>
+            <a:pPr>
+              <a:lnSpc>
+                <a:spcPct val="50000"/>
+              </a:lnSpc>
+            </a:pPr>
+            <a:endParaRPr lang="en-US" sz="1300" spc="-1" dirty="0" smtClean="0">
+              <a:solidFill>
+                <a:srgbClr val="595959"/>
+              </a:solidFill>
+              <a:latin typeface="Lato"/>
+            </a:endParaRPr>
+          </a:p>
+          <a:p>
+            <a:pPr>
+              <a:lnSpc>
+                <a:spcPct val="50000"/>
+              </a:lnSpc>
+            </a:pPr>
+            <a:endParaRPr lang="en-US" sz="1300" spc="-1" dirty="0">
+              <a:solidFill>
+                <a:srgbClr val="595959"/>
+              </a:solidFill>
+              <a:latin typeface="Lato"/>
+            </a:endParaRPr>
+          </a:p>
+          <a:p>
+            <a:pPr>
+              <a:lnSpc>
+                <a:spcPct val="50000"/>
+              </a:lnSpc>
+            </a:pPr>
+            <a:r>
+              <a:rPr lang="en-US" sz="1300" spc="-1" dirty="0" err="1" smtClean="0">
+                <a:solidFill>
+                  <a:srgbClr val="595959"/>
+                </a:solidFill>
+                <a:latin typeface="Lato"/>
+              </a:rPr>
+              <a:t>np.sqrt</a:t>
+            </a:r>
+            <a:r>
+              <a:rPr lang="en-US" sz="1300" spc="-1" dirty="0" smtClean="0">
+                <a:solidFill>
+                  <a:srgbClr val="595959"/>
+                </a:solidFill>
+                <a:latin typeface="Lato"/>
+              </a:rPr>
+              <a:t> (ar1)        # universal function</a:t>
+            </a:r>
+          </a:p>
+          <a:p>
+            <a:pPr>
+              <a:lnSpc>
+                <a:spcPct val="50000"/>
+              </a:lnSpc>
+            </a:pPr>
+            <a:endParaRPr lang="en-US" sz="1300" spc="-1" dirty="0">
+              <a:solidFill>
+                <a:srgbClr val="595959"/>
+              </a:solidFill>
+              <a:latin typeface="Lato"/>
+            </a:endParaRPr>
+          </a:p>
+          <a:p>
+            <a:pPr>
+              <a:lnSpc>
+                <a:spcPct val="50000"/>
+              </a:lnSpc>
+            </a:pPr>
+            <a:endParaRPr lang="en-US" sz="1300" spc="-1" dirty="0" smtClean="0">
+              <a:solidFill>
+                <a:srgbClr val="595959"/>
+              </a:solidFill>
+              <a:latin typeface="Lato"/>
+            </a:endParaRPr>
+          </a:p>
+          <a:p>
+            <a:pPr>
+              <a:lnSpc>
+                <a:spcPct val="50000"/>
+              </a:lnSpc>
+            </a:pPr>
+            <a:endParaRPr lang="en-US" sz="1300" spc="-1" dirty="0">
+              <a:solidFill>
+                <a:srgbClr val="595959"/>
+              </a:solidFill>
+              <a:latin typeface="Lato"/>
+            </a:endParaRPr>
+          </a:p>
+          <a:p>
+            <a:pPr>
+              <a:lnSpc>
+                <a:spcPct val="50000"/>
+              </a:lnSpc>
+            </a:pPr>
+            <a:r>
+              <a:rPr lang="en-US" sz="1300" spc="-1" dirty="0" smtClean="0">
+                <a:solidFill>
+                  <a:srgbClr val="595959"/>
+                </a:solidFill>
+                <a:latin typeface="Lato"/>
+              </a:rPr>
+              <a:t>n1 = </a:t>
+            </a:r>
+            <a:r>
+              <a:rPr lang="en-US" sz="1300" spc="-1" dirty="0" err="1" smtClean="0">
+                <a:solidFill>
+                  <a:srgbClr val="595959"/>
+                </a:solidFill>
+                <a:latin typeface="Lato"/>
+              </a:rPr>
+              <a:t>np.random.normal</a:t>
+            </a:r>
+            <a:r>
+              <a:rPr lang="en-US" sz="1300" spc="-1" dirty="0" smtClean="0">
+                <a:solidFill>
+                  <a:srgbClr val="595959"/>
+                </a:solidFill>
+                <a:latin typeface="Lato"/>
+              </a:rPr>
+              <a:t>(</a:t>
+            </a:r>
+            <a:r>
+              <a:rPr lang="en-US" sz="1300" spc="-1" dirty="0" err="1" smtClean="0">
+                <a:solidFill>
+                  <a:srgbClr val="595959"/>
+                </a:solidFill>
+                <a:latin typeface="Lato"/>
+              </a:rPr>
+              <a:t>loc</a:t>
+            </a:r>
+            <a:r>
+              <a:rPr lang="en-US" sz="1300" spc="-1" dirty="0" smtClean="0">
+                <a:solidFill>
+                  <a:srgbClr val="595959"/>
+                </a:solidFill>
+                <a:latin typeface="Lato"/>
+              </a:rPr>
+              <a:t> = 10, scale = 3, size =50)</a:t>
+            </a:r>
+          </a:p>
+          <a:p>
+            <a:pPr>
+              <a:lnSpc>
+                <a:spcPct val="50000"/>
+              </a:lnSpc>
+            </a:pPr>
+            <a:endParaRPr lang="en-US" sz="1300" spc="-1" dirty="0" smtClean="0">
+              <a:solidFill>
+                <a:srgbClr val="595959"/>
+              </a:solidFill>
+              <a:latin typeface="Lato"/>
+            </a:endParaRPr>
+          </a:p>
+          <a:p>
+            <a:pPr>
+              <a:lnSpc>
+                <a:spcPct val="50000"/>
+              </a:lnSpc>
+            </a:pPr>
+            <a:endParaRPr lang="en-US" sz="1300" spc="-1" dirty="0">
+              <a:solidFill>
+                <a:srgbClr val="595959"/>
+              </a:solidFill>
+              <a:latin typeface="Lato"/>
+            </a:endParaRPr>
+          </a:p>
+          <a:p>
+            <a:pPr>
+              <a:lnSpc>
+                <a:spcPct val="50000"/>
+              </a:lnSpc>
+            </a:pPr>
+            <a:r>
+              <a:rPr lang="en-US" sz="1300" spc="-1" dirty="0" err="1" smtClean="0">
+                <a:solidFill>
+                  <a:srgbClr val="595959"/>
+                </a:solidFill>
+                <a:latin typeface="Lato"/>
+              </a:rPr>
+              <a:t>loc</a:t>
+            </a:r>
+            <a:r>
+              <a:rPr lang="en-US" sz="1300" spc="-1" dirty="0" smtClean="0">
+                <a:solidFill>
+                  <a:srgbClr val="595959"/>
+                </a:solidFill>
+                <a:latin typeface="Lato"/>
+              </a:rPr>
+              <a:t> – mean of the distribution</a:t>
+            </a:r>
+          </a:p>
+          <a:p>
+            <a:pPr>
+              <a:lnSpc>
+                <a:spcPct val="50000"/>
+              </a:lnSpc>
+            </a:pPr>
+            <a:endParaRPr lang="en-US" sz="1300" spc="-1" dirty="0">
+              <a:solidFill>
+                <a:srgbClr val="595959"/>
+              </a:solidFill>
+              <a:latin typeface="Lato"/>
+            </a:endParaRPr>
+          </a:p>
+          <a:p>
+            <a:pPr>
+              <a:lnSpc>
+                <a:spcPct val="50000"/>
+              </a:lnSpc>
+            </a:pPr>
+            <a:endParaRPr lang="en-US" sz="1300" spc="-1" dirty="0" smtClean="0">
+              <a:solidFill>
+                <a:srgbClr val="595959"/>
+              </a:solidFill>
+              <a:latin typeface="Lato"/>
+            </a:endParaRPr>
+          </a:p>
+          <a:p>
+            <a:pPr>
+              <a:lnSpc>
+                <a:spcPct val="50000"/>
+              </a:lnSpc>
+            </a:pPr>
+            <a:r>
+              <a:rPr lang="en-US" sz="1300" spc="-1" dirty="0" smtClean="0">
+                <a:solidFill>
+                  <a:srgbClr val="595959"/>
+                </a:solidFill>
+                <a:latin typeface="Lato"/>
+              </a:rPr>
+              <a:t>scale – standard deviation</a:t>
+            </a:r>
+          </a:p>
+          <a:p>
+            <a:pPr>
+              <a:lnSpc>
+                <a:spcPct val="50000"/>
+              </a:lnSpc>
+            </a:pPr>
+            <a:endParaRPr lang="en-US" sz="1300" spc="-1" dirty="0">
+              <a:solidFill>
+                <a:srgbClr val="595959"/>
+              </a:solidFill>
+              <a:latin typeface="Lato"/>
+            </a:endParaRPr>
+          </a:p>
+          <a:p>
+            <a:pPr>
+              <a:lnSpc>
+                <a:spcPct val="50000"/>
+              </a:lnSpc>
+            </a:pPr>
+            <a:endParaRPr lang="en-US" sz="1300" spc="-1" dirty="0" smtClean="0">
+              <a:solidFill>
+                <a:srgbClr val="595959"/>
+              </a:solidFill>
+              <a:latin typeface="Lato"/>
+            </a:endParaRPr>
+          </a:p>
+          <a:p>
+            <a:pPr>
+              <a:lnSpc>
+                <a:spcPct val="50000"/>
+              </a:lnSpc>
+            </a:pPr>
+            <a:r>
+              <a:rPr lang="en-US" sz="1300" spc="-1" dirty="0" smtClean="0">
+                <a:solidFill>
+                  <a:srgbClr val="595959"/>
+                </a:solidFill>
+                <a:latin typeface="Lato"/>
+              </a:rPr>
+              <a:t>size – number of samples </a:t>
+            </a:r>
+            <a:endParaRPr lang="en-US" sz="1300" spc="-1" dirty="0">
+              <a:solidFill>
+                <a:srgbClr val="595959"/>
+              </a:solidFill>
+              <a:latin typeface="Lato"/>
+            </a:endParaRPr>
+          </a:p>
+          <a:p>
+            <a:pPr>
+              <a:lnSpc>
+                <a:spcPct val="50000"/>
+              </a:lnSpc>
+            </a:pPr>
+            <a:endParaRPr lang="en-US" sz="1300" spc="-1" dirty="0" smtClean="0">
+              <a:solidFill>
+                <a:srgbClr val="595959"/>
+              </a:solidFill>
+              <a:latin typeface="Lato"/>
+            </a:endParaRPr>
+          </a:p>
+          <a:p>
+            <a:pPr>
+              <a:lnSpc>
+                <a:spcPct val="50000"/>
+              </a:lnSpc>
+            </a:pPr>
+            <a:endParaRPr lang="en-US" sz="1300" spc="-1" dirty="0" smtClean="0">
+              <a:solidFill>
+                <a:srgbClr val="595959"/>
+              </a:solidFill>
+              <a:latin typeface="Lato"/>
+            </a:endParaRPr>
+          </a:p>
+          <a:p>
+            <a:pPr>
+              <a:lnSpc>
+                <a:spcPct val="50000"/>
+              </a:lnSpc>
+            </a:pPr>
+            <a:endParaRPr lang="en-US" sz="1300" spc="-1" dirty="0">
+              <a:solidFill>
+                <a:srgbClr val="595959"/>
+              </a:solidFill>
+              <a:latin typeface="Lato"/>
+            </a:endParaRPr>
+          </a:p>
+          <a:p>
+            <a:pPr>
+              <a:lnSpc>
+                <a:spcPct val="50000"/>
+              </a:lnSpc>
+            </a:pPr>
+            <a:endParaRPr lang="en-US" sz="1300" spc="-1" dirty="0">
+              <a:solidFill>
+                <a:srgbClr val="595959"/>
+              </a:solidFill>
+              <a:latin typeface="Lato"/>
+            </a:endParaRPr>
+          </a:p>
+          <a:p>
+            <a:pPr>
+              <a:lnSpc>
+                <a:spcPct val="50000"/>
+              </a:lnSpc>
+            </a:pPr>
+            <a:endParaRPr lang="en-US" sz="1300" spc="-1" dirty="0" smtClean="0">
+              <a:solidFill>
+                <a:srgbClr val="595959"/>
+              </a:solidFill>
+              <a:latin typeface="Lato"/>
+            </a:endParaRPr>
+          </a:p>
+          <a:p>
+            <a:pPr>
+              <a:lnSpc>
+                <a:spcPct val="50000"/>
+              </a:lnSpc>
+            </a:pPr>
+            <a:endParaRPr lang="en-US" sz="1300" spc="-1" dirty="0" smtClean="0">
+              <a:solidFill>
+                <a:srgbClr val="595959"/>
+              </a:solidFill>
+              <a:latin typeface="Lato"/>
+            </a:endParaRPr>
+          </a:p>
+          <a:p>
+            <a:pPr>
+              <a:lnSpc>
+                <a:spcPct val="50000"/>
+              </a:lnSpc>
+            </a:pPr>
+            <a:endParaRPr lang="en-US" sz="1300" spc="-1" dirty="0">
+              <a:solidFill>
+                <a:srgbClr val="595959"/>
+              </a:solidFill>
+              <a:latin typeface="Lato"/>
+            </a:endParaRPr>
+          </a:p>
+          <a:p>
+            <a:pPr>
+              <a:lnSpc>
+                <a:spcPct val="50000"/>
+              </a:lnSpc>
+            </a:pPr>
+            <a:endParaRPr lang="en-US" sz="1300" spc="-1" dirty="0" smtClean="0">
+              <a:solidFill>
+                <a:srgbClr val="595959"/>
+              </a:solidFill>
+              <a:latin typeface="Lato"/>
+            </a:endParaRPr>
+          </a:p>
+          <a:p>
+            <a:pPr>
+              <a:lnSpc>
+                <a:spcPct val="50000"/>
+              </a:lnSpc>
+            </a:pPr>
+            <a:endParaRPr lang="en-US" sz="1300" spc="-1" dirty="0">
+              <a:solidFill>
+                <a:srgbClr val="595959"/>
+              </a:solidFill>
+              <a:latin typeface="Lato"/>
+            </a:endParaRPr>
+          </a:p>
+          <a:p>
+            <a:pPr>
+              <a:lnSpc>
+                <a:spcPct val="50000"/>
+              </a:lnSpc>
+            </a:pPr>
+            <a:endParaRPr lang="en-US" sz="1300" spc="-1" dirty="0" smtClean="0">
+              <a:solidFill>
+                <a:srgbClr val="595959"/>
+              </a:solidFill>
+              <a:latin typeface="Lato"/>
+            </a:endParaRPr>
+          </a:p>
+          <a:p>
+            <a:pPr>
+              <a:lnSpc>
+                <a:spcPct val="50000"/>
+              </a:lnSpc>
+            </a:pPr>
+            <a:endParaRPr lang="en-US" sz="1300" spc="-1" dirty="0">
+              <a:solidFill>
+                <a:srgbClr val="595959"/>
+              </a:solidFill>
+              <a:latin typeface="Lato"/>
+            </a:endParaRPr>
+          </a:p>
+          <a:p>
+            <a:pPr>
+              <a:lnSpc>
+                <a:spcPct val="50000"/>
+              </a:lnSpc>
+            </a:pPr>
+            <a:endParaRPr lang="en-US" sz="1300" spc="-1" dirty="0">
+              <a:solidFill>
+                <a:srgbClr val="595959"/>
+              </a:solidFill>
+              <a:latin typeface="Lato"/>
+            </a:endParaRPr>
+          </a:p>
+        </p:txBody>
+      </p:sp>
+      <p:sp>
+        <p:nvSpPr>
+          <p:cNvPr id="4" name="CustomShape 2"/>
+          <p:cNvSpPr/>
+          <p:nvPr/>
+        </p:nvSpPr>
+        <p:spPr>
+          <a:xfrm>
+            <a:off x="4769164" y="592559"/>
+            <a:ext cx="3719161" cy="4340947"/>
+          </a:xfrm>
+          <a:prstGeom prst="rect">
+            <a:avLst/>
+          </a:prstGeom>
+          <a:noFill/>
+          <a:ln>
+            <a:noFill/>
+          </a:ln>
+        </p:spPr>
+        <p:style>
+          <a:lnRef idx="0">
+            <a:scrgbClr r="0" g="0" b="0"/>
+          </a:lnRef>
+          <a:fillRef idx="0">
+            <a:scrgbClr r="0" g="0" b="0"/>
+          </a:fillRef>
+          <a:effectRef idx="0">
+            <a:scrgbClr r="0" g="0" b="0"/>
+          </a:effectRef>
+          <a:fontRef idx="minor"/>
+        </p:style>
+        <p:txBody>
+          <a:bodyPr lIns="90000" tIns="91440" rIns="90000" bIns="91440"/>
+          <a:lstStyle/>
+          <a:p>
+            <a:pPr>
+              <a:lnSpc>
+                <a:spcPct val="50000"/>
+              </a:lnSpc>
+            </a:pPr>
+            <a:r>
+              <a:rPr lang="en-US" sz="1300" b="1" spc="-1" dirty="0" smtClean="0">
+                <a:solidFill>
+                  <a:srgbClr val="595959"/>
+                </a:solidFill>
+                <a:latin typeface="Lato"/>
+              </a:rPr>
+              <a:t>array can be reshaped!</a:t>
+            </a:r>
+          </a:p>
+          <a:p>
+            <a:pPr>
+              <a:lnSpc>
+                <a:spcPct val="50000"/>
+              </a:lnSpc>
+            </a:pPr>
+            <a:endParaRPr lang="en-US" sz="1300" b="1" spc="-1" dirty="0">
+              <a:solidFill>
+                <a:srgbClr val="595959"/>
+              </a:solidFill>
+              <a:latin typeface="Lato"/>
+            </a:endParaRPr>
+          </a:p>
+          <a:p>
+            <a:pPr>
+              <a:lnSpc>
+                <a:spcPct val="50000"/>
+              </a:lnSpc>
+            </a:pPr>
+            <a:endParaRPr lang="en-US" sz="1300" b="1" spc="-1" dirty="0" smtClean="0">
+              <a:solidFill>
+                <a:srgbClr val="595959"/>
+              </a:solidFill>
+              <a:latin typeface="Lato"/>
+            </a:endParaRPr>
+          </a:p>
+          <a:p>
+            <a:pPr>
+              <a:lnSpc>
+                <a:spcPct val="50000"/>
+              </a:lnSpc>
+            </a:pPr>
+            <a:r>
+              <a:rPr lang="en-US" sz="1300" spc="-1" dirty="0" smtClean="0">
+                <a:solidFill>
+                  <a:srgbClr val="595959"/>
+                </a:solidFill>
+                <a:latin typeface="Lato"/>
+              </a:rPr>
+              <a:t>ar1 = </a:t>
+            </a:r>
+            <a:r>
+              <a:rPr lang="en-US" sz="1300" spc="-1" dirty="0" err="1" smtClean="0">
+                <a:solidFill>
+                  <a:srgbClr val="595959"/>
+                </a:solidFill>
+                <a:latin typeface="Lato"/>
+              </a:rPr>
+              <a:t>np.array</a:t>
+            </a:r>
+            <a:r>
+              <a:rPr lang="en-US" sz="1300" spc="-1" dirty="0" smtClean="0">
+                <a:solidFill>
+                  <a:srgbClr val="595959"/>
+                </a:solidFill>
+                <a:latin typeface="Lato"/>
+              </a:rPr>
+              <a:t>([ [1, 2, 3, 4], [ 5, 6, 7, 8] ])</a:t>
+            </a:r>
+          </a:p>
+          <a:p>
+            <a:pPr>
+              <a:lnSpc>
+                <a:spcPct val="50000"/>
+              </a:lnSpc>
+            </a:pPr>
+            <a:endParaRPr lang="en-US" sz="1300" spc="-1" dirty="0">
+              <a:solidFill>
+                <a:srgbClr val="595959"/>
+              </a:solidFill>
+              <a:latin typeface="Lato"/>
+            </a:endParaRPr>
+          </a:p>
+          <a:p>
+            <a:pPr>
+              <a:lnSpc>
+                <a:spcPct val="50000"/>
+              </a:lnSpc>
+            </a:pPr>
+            <a:endParaRPr lang="en-US" sz="1300" spc="-1" dirty="0" smtClean="0">
+              <a:solidFill>
+                <a:srgbClr val="595959"/>
+              </a:solidFill>
+              <a:latin typeface="Lato"/>
+            </a:endParaRPr>
+          </a:p>
+          <a:p>
+            <a:pPr>
+              <a:lnSpc>
+                <a:spcPct val="50000"/>
+              </a:lnSpc>
+            </a:pPr>
+            <a:r>
+              <a:rPr lang="en-US" sz="1300" spc="-1" dirty="0" smtClean="0">
+                <a:solidFill>
+                  <a:srgbClr val="595959"/>
+                </a:solidFill>
+                <a:latin typeface="Lato"/>
+              </a:rPr>
+              <a:t>ar1.reshape(4, 2)      #does not change ar1</a:t>
+            </a:r>
+          </a:p>
+          <a:p>
+            <a:pPr>
+              <a:lnSpc>
+                <a:spcPct val="50000"/>
+              </a:lnSpc>
+            </a:pPr>
+            <a:endParaRPr lang="en-US" sz="1300" spc="-1" dirty="0">
+              <a:solidFill>
+                <a:srgbClr val="595959"/>
+              </a:solidFill>
+              <a:latin typeface="Lato"/>
+            </a:endParaRPr>
+          </a:p>
+          <a:p>
+            <a:pPr>
+              <a:lnSpc>
+                <a:spcPct val="50000"/>
+              </a:lnSpc>
+            </a:pPr>
+            <a:endParaRPr lang="en-US" sz="1300" spc="-1" dirty="0" smtClean="0">
+              <a:solidFill>
+                <a:srgbClr val="595959"/>
+              </a:solidFill>
+              <a:latin typeface="Lato"/>
+            </a:endParaRPr>
+          </a:p>
+          <a:p>
+            <a:pPr>
+              <a:lnSpc>
+                <a:spcPct val="50000"/>
+              </a:lnSpc>
+            </a:pPr>
+            <a:r>
+              <a:rPr lang="en-US" sz="1300" b="1" spc="-1" dirty="0" smtClean="0">
+                <a:solidFill>
+                  <a:srgbClr val="595959"/>
+                </a:solidFill>
+                <a:latin typeface="Lato"/>
+              </a:rPr>
+              <a:t>random number generator</a:t>
+            </a:r>
+          </a:p>
+          <a:p>
+            <a:pPr>
+              <a:lnSpc>
+                <a:spcPct val="50000"/>
+              </a:lnSpc>
+            </a:pPr>
+            <a:endParaRPr lang="en-US" sz="1300" b="1" spc="-1" dirty="0" smtClean="0">
+              <a:solidFill>
+                <a:srgbClr val="595959"/>
+              </a:solidFill>
+              <a:latin typeface="Lato"/>
+            </a:endParaRPr>
+          </a:p>
+          <a:p>
+            <a:pPr>
+              <a:lnSpc>
+                <a:spcPct val="50000"/>
+              </a:lnSpc>
+            </a:pPr>
+            <a:endParaRPr lang="en-US" sz="1300" spc="-1" dirty="0">
+              <a:solidFill>
+                <a:srgbClr val="595959"/>
+              </a:solidFill>
+              <a:latin typeface="Lato"/>
+            </a:endParaRPr>
+          </a:p>
+          <a:p>
+            <a:pPr>
+              <a:lnSpc>
+                <a:spcPct val="50000"/>
+              </a:lnSpc>
+            </a:pPr>
+            <a:r>
+              <a:rPr lang="en-US" sz="1300" spc="-1" dirty="0" err="1" smtClean="0">
+                <a:solidFill>
+                  <a:srgbClr val="595959"/>
+                </a:solidFill>
+                <a:latin typeface="Lato"/>
+              </a:rPr>
+              <a:t>np.random.rand</a:t>
+            </a:r>
+            <a:r>
+              <a:rPr lang="en-US" sz="1300" spc="-1" dirty="0" smtClean="0">
+                <a:solidFill>
+                  <a:srgbClr val="595959"/>
+                </a:solidFill>
+                <a:latin typeface="Lato"/>
+              </a:rPr>
+              <a:t>(10)</a:t>
+            </a:r>
+          </a:p>
+          <a:p>
+            <a:pPr>
+              <a:lnSpc>
+                <a:spcPct val="50000"/>
+              </a:lnSpc>
+            </a:pPr>
+            <a:endParaRPr lang="en-US" sz="1300" spc="-1" dirty="0">
+              <a:solidFill>
+                <a:srgbClr val="595959"/>
+              </a:solidFill>
+              <a:latin typeface="Lato"/>
+            </a:endParaRPr>
+          </a:p>
+          <a:p>
+            <a:pPr>
+              <a:lnSpc>
+                <a:spcPct val="50000"/>
+              </a:lnSpc>
+            </a:pPr>
+            <a:endParaRPr lang="en-US" sz="1300" spc="-1" dirty="0" smtClean="0">
+              <a:solidFill>
+                <a:srgbClr val="595959"/>
+              </a:solidFill>
+              <a:latin typeface="Lato"/>
+            </a:endParaRPr>
+          </a:p>
+          <a:p>
+            <a:pPr>
+              <a:lnSpc>
+                <a:spcPct val="50000"/>
+              </a:lnSpc>
+            </a:pPr>
+            <a:r>
+              <a:rPr lang="en-US" sz="1300" spc="-1" dirty="0" err="1" smtClean="0">
+                <a:solidFill>
+                  <a:srgbClr val="595959"/>
+                </a:solidFill>
+                <a:latin typeface="Lato"/>
+              </a:rPr>
+              <a:t>np.random.rand</a:t>
+            </a:r>
+            <a:r>
+              <a:rPr lang="en-US" sz="1300" spc="-1" dirty="0" smtClean="0">
+                <a:solidFill>
+                  <a:srgbClr val="595959"/>
+                </a:solidFill>
+                <a:latin typeface="Lato"/>
+              </a:rPr>
+              <a:t>(10).reshape(5, 2)</a:t>
+            </a:r>
+          </a:p>
+          <a:p>
+            <a:pPr>
+              <a:lnSpc>
+                <a:spcPct val="50000"/>
+              </a:lnSpc>
+            </a:pPr>
+            <a:endParaRPr lang="en-US" sz="1300" spc="-1" dirty="0">
+              <a:solidFill>
+                <a:srgbClr val="595959"/>
+              </a:solidFill>
+              <a:latin typeface="Lato"/>
+            </a:endParaRPr>
+          </a:p>
+          <a:p>
+            <a:pPr>
+              <a:lnSpc>
+                <a:spcPct val="50000"/>
+              </a:lnSpc>
+            </a:pPr>
+            <a:endParaRPr lang="en-US" sz="1300" spc="-1" dirty="0" smtClean="0">
+              <a:solidFill>
+                <a:srgbClr val="595959"/>
+              </a:solidFill>
+              <a:latin typeface="Lato"/>
+            </a:endParaRPr>
+          </a:p>
+          <a:p>
+            <a:pPr>
+              <a:lnSpc>
+                <a:spcPct val="50000"/>
+              </a:lnSpc>
+            </a:pPr>
+            <a:r>
+              <a:rPr lang="en-US" sz="1300" spc="-1" dirty="0" err="1" smtClean="0">
+                <a:solidFill>
+                  <a:srgbClr val="595959"/>
+                </a:solidFill>
+                <a:latin typeface="Lato"/>
+              </a:rPr>
+              <a:t>np.random.rand</a:t>
+            </a:r>
+            <a:r>
+              <a:rPr lang="en-US" sz="1300" spc="-1" dirty="0" smtClean="0">
+                <a:solidFill>
+                  <a:srgbClr val="595959"/>
+                </a:solidFill>
+                <a:latin typeface="Lato"/>
+              </a:rPr>
+              <a:t>(5, 2)</a:t>
+            </a:r>
+          </a:p>
+          <a:p>
+            <a:pPr>
+              <a:lnSpc>
+                <a:spcPct val="50000"/>
+              </a:lnSpc>
+            </a:pPr>
+            <a:endParaRPr lang="en-US" sz="1300" spc="-1" dirty="0">
+              <a:solidFill>
+                <a:srgbClr val="595959"/>
+              </a:solidFill>
+              <a:latin typeface="Lato"/>
+            </a:endParaRPr>
+          </a:p>
+          <a:p>
+            <a:pPr>
+              <a:lnSpc>
+                <a:spcPct val="50000"/>
+              </a:lnSpc>
+            </a:pPr>
+            <a:endParaRPr lang="en-US" sz="1300" spc="-1" dirty="0" smtClean="0">
+              <a:solidFill>
+                <a:srgbClr val="595959"/>
+              </a:solidFill>
+              <a:latin typeface="Lato"/>
+            </a:endParaRPr>
+          </a:p>
+          <a:p>
+            <a:pPr>
+              <a:lnSpc>
+                <a:spcPct val="50000"/>
+              </a:lnSpc>
+            </a:pPr>
+            <a:endParaRPr lang="en-US" sz="1300" spc="-1" dirty="0" smtClean="0">
+              <a:solidFill>
+                <a:srgbClr val="595959"/>
+              </a:solidFill>
+              <a:latin typeface="Lato"/>
+            </a:endParaRPr>
+          </a:p>
+          <a:p>
+            <a:pPr>
+              <a:lnSpc>
+                <a:spcPct val="50000"/>
+              </a:lnSpc>
+            </a:pPr>
+            <a:endParaRPr lang="en-US" sz="1300" spc="-1" dirty="0">
+              <a:solidFill>
+                <a:srgbClr val="595959"/>
+              </a:solidFill>
+              <a:latin typeface="Lato"/>
+            </a:endParaRPr>
+          </a:p>
+          <a:p>
+            <a:pPr>
+              <a:lnSpc>
+                <a:spcPct val="50000"/>
+              </a:lnSpc>
+            </a:pPr>
+            <a:r>
+              <a:rPr lang="en-US" sz="1300" spc="-1" dirty="0" err="1" smtClean="0">
+                <a:solidFill>
+                  <a:srgbClr val="595959"/>
+                </a:solidFill>
+                <a:latin typeface="Lato"/>
+              </a:rPr>
+              <a:t>np.random.randn</a:t>
+            </a:r>
+            <a:r>
+              <a:rPr lang="en-US" sz="1300" spc="-1" dirty="0" smtClean="0">
+                <a:solidFill>
+                  <a:srgbClr val="595959"/>
+                </a:solidFill>
+                <a:latin typeface="Lato"/>
+              </a:rPr>
+              <a:t>(5, 2)  #normal distribution</a:t>
+            </a:r>
+          </a:p>
+          <a:p>
+            <a:pPr>
+              <a:lnSpc>
+                <a:spcPct val="50000"/>
+              </a:lnSpc>
+            </a:pPr>
+            <a:endParaRPr lang="en-US" sz="1300" spc="-1" dirty="0">
+              <a:solidFill>
+                <a:srgbClr val="595959"/>
+              </a:solidFill>
+              <a:latin typeface="Lato"/>
+            </a:endParaRPr>
+          </a:p>
+          <a:p>
+            <a:pPr>
+              <a:lnSpc>
+                <a:spcPct val="50000"/>
+              </a:lnSpc>
+            </a:pPr>
+            <a:endParaRPr lang="en-US" sz="1300" spc="-1" dirty="0" smtClean="0">
+              <a:solidFill>
+                <a:srgbClr val="595959"/>
+              </a:solidFill>
+              <a:latin typeface="Lato"/>
+            </a:endParaRPr>
+          </a:p>
+          <a:p>
+            <a:pPr>
+              <a:lnSpc>
+                <a:spcPct val="50000"/>
+              </a:lnSpc>
+            </a:pPr>
+            <a:r>
+              <a:rPr lang="en-US" sz="1300" spc="-1" dirty="0" err="1" smtClean="0">
+                <a:solidFill>
+                  <a:srgbClr val="595959"/>
+                </a:solidFill>
+                <a:latin typeface="Lato"/>
+              </a:rPr>
+              <a:t>np.random.randn</a:t>
+            </a:r>
+            <a:r>
+              <a:rPr lang="en-US" sz="1300" spc="-1" dirty="0" smtClean="0">
+                <a:solidFill>
+                  <a:srgbClr val="595959"/>
+                </a:solidFill>
+                <a:latin typeface="Lato"/>
+              </a:rPr>
+              <a:t>(5,2) &gt; 1 # Boolean array</a:t>
+            </a:r>
+          </a:p>
+          <a:p>
+            <a:pPr>
+              <a:lnSpc>
+                <a:spcPct val="50000"/>
+              </a:lnSpc>
+            </a:pPr>
+            <a:endParaRPr lang="en-US" sz="1300" spc="-1" dirty="0" smtClean="0">
+              <a:solidFill>
+                <a:srgbClr val="595959"/>
+              </a:solidFill>
+              <a:latin typeface="Lato"/>
+            </a:endParaRPr>
+          </a:p>
+          <a:p>
+            <a:pPr>
+              <a:lnSpc>
+                <a:spcPct val="50000"/>
+              </a:lnSpc>
+            </a:pPr>
+            <a:endParaRPr lang="en-US" sz="1300" spc="-1" dirty="0" smtClean="0">
+              <a:solidFill>
+                <a:srgbClr val="595959"/>
+              </a:solidFill>
+              <a:latin typeface="Lato"/>
+            </a:endParaRPr>
+          </a:p>
+          <a:p>
+            <a:pPr>
+              <a:lnSpc>
+                <a:spcPct val="50000"/>
+              </a:lnSpc>
+            </a:pPr>
+            <a:endParaRPr lang="en-US" sz="1300" spc="-1" dirty="0">
+              <a:solidFill>
+                <a:srgbClr val="595959"/>
+              </a:solidFill>
+              <a:latin typeface="Lato"/>
+            </a:endParaRPr>
+          </a:p>
+          <a:p>
+            <a:pPr>
+              <a:lnSpc>
+                <a:spcPct val="50000"/>
+              </a:lnSpc>
+            </a:pPr>
+            <a:r>
+              <a:rPr lang="en-US" sz="1300" spc="-1" dirty="0" smtClean="0">
+                <a:solidFill>
+                  <a:srgbClr val="595959"/>
+                </a:solidFill>
+                <a:latin typeface="Lato"/>
+              </a:rPr>
+              <a:t>ar1 = </a:t>
+            </a:r>
+            <a:r>
+              <a:rPr lang="en-US" sz="1300" spc="-1" dirty="0" err="1" smtClean="0">
+                <a:solidFill>
+                  <a:srgbClr val="595959"/>
+                </a:solidFill>
+                <a:latin typeface="Lato"/>
+              </a:rPr>
+              <a:t>np.random.randn</a:t>
+            </a:r>
+            <a:r>
+              <a:rPr lang="en-US" sz="1300" spc="-1" dirty="0" smtClean="0">
+                <a:solidFill>
+                  <a:srgbClr val="595959"/>
+                </a:solidFill>
+                <a:latin typeface="Lato"/>
+              </a:rPr>
+              <a:t>(3, 4)</a:t>
+            </a:r>
+          </a:p>
+          <a:p>
+            <a:pPr>
+              <a:lnSpc>
+                <a:spcPct val="50000"/>
+              </a:lnSpc>
+            </a:pPr>
+            <a:endParaRPr lang="en-US" sz="1300" spc="-1" dirty="0">
+              <a:solidFill>
+                <a:srgbClr val="595959"/>
+              </a:solidFill>
+              <a:latin typeface="Lato"/>
+            </a:endParaRPr>
+          </a:p>
+          <a:p>
+            <a:pPr>
+              <a:lnSpc>
+                <a:spcPct val="50000"/>
+              </a:lnSpc>
+            </a:pPr>
+            <a:endParaRPr lang="en-US" sz="1300" spc="-1" dirty="0" smtClean="0">
+              <a:solidFill>
+                <a:srgbClr val="595959"/>
+              </a:solidFill>
+              <a:latin typeface="Lato"/>
+            </a:endParaRPr>
+          </a:p>
+          <a:p>
+            <a:pPr>
+              <a:lnSpc>
+                <a:spcPct val="50000"/>
+              </a:lnSpc>
+            </a:pPr>
+            <a:r>
+              <a:rPr lang="en-US" sz="1300" spc="-1" dirty="0" smtClean="0">
+                <a:solidFill>
+                  <a:srgbClr val="595959"/>
+                </a:solidFill>
+                <a:latin typeface="Lato"/>
+              </a:rPr>
+              <a:t>ar1&gt;0</a:t>
+            </a:r>
+          </a:p>
+          <a:p>
+            <a:pPr>
+              <a:lnSpc>
+                <a:spcPct val="50000"/>
+              </a:lnSpc>
+            </a:pPr>
+            <a:endParaRPr lang="en-US" sz="1300" spc="-1" dirty="0">
+              <a:solidFill>
+                <a:srgbClr val="595959"/>
+              </a:solidFill>
+              <a:latin typeface="Lato"/>
+            </a:endParaRPr>
+          </a:p>
+          <a:p>
+            <a:pPr>
+              <a:lnSpc>
+                <a:spcPct val="50000"/>
+              </a:lnSpc>
+            </a:pPr>
+            <a:endParaRPr lang="en-US" sz="1300" spc="-1" dirty="0" smtClean="0">
+              <a:solidFill>
+                <a:srgbClr val="595959"/>
+              </a:solidFill>
+              <a:latin typeface="Lato"/>
+            </a:endParaRPr>
+          </a:p>
+          <a:p>
+            <a:pPr>
+              <a:lnSpc>
+                <a:spcPct val="50000"/>
+              </a:lnSpc>
+            </a:pPr>
+            <a:r>
+              <a:rPr lang="en-US" sz="1300" spc="-1" dirty="0" smtClean="0">
+                <a:solidFill>
+                  <a:srgbClr val="595959"/>
+                </a:solidFill>
+                <a:latin typeface="Lato"/>
+              </a:rPr>
+              <a:t>ar1 * 3</a:t>
+            </a:r>
+          </a:p>
+          <a:p>
+            <a:pPr>
+              <a:lnSpc>
+                <a:spcPct val="50000"/>
+              </a:lnSpc>
+            </a:pPr>
+            <a:endParaRPr lang="en-US" sz="1300" spc="-1" dirty="0">
+              <a:solidFill>
+                <a:srgbClr val="595959"/>
+              </a:solidFill>
+              <a:latin typeface="Lato"/>
+            </a:endParaRPr>
+          </a:p>
+          <a:p>
+            <a:pPr>
+              <a:lnSpc>
+                <a:spcPct val="50000"/>
+              </a:lnSpc>
+            </a:pPr>
+            <a:endParaRPr lang="en-US" sz="1300" spc="-1" dirty="0" smtClean="0">
+              <a:solidFill>
+                <a:srgbClr val="595959"/>
+              </a:solidFill>
+              <a:latin typeface="Lato"/>
+            </a:endParaRPr>
+          </a:p>
+          <a:p>
+            <a:pPr>
+              <a:lnSpc>
+                <a:spcPct val="50000"/>
+              </a:lnSpc>
+            </a:pPr>
+            <a:r>
+              <a:rPr lang="en-US" sz="1300" spc="-1" dirty="0" smtClean="0">
+                <a:solidFill>
+                  <a:srgbClr val="595959"/>
+                </a:solidFill>
+                <a:latin typeface="Lato"/>
+              </a:rPr>
+              <a:t>ar1 + 1</a:t>
+            </a:r>
+          </a:p>
+          <a:p>
+            <a:pPr>
+              <a:lnSpc>
+                <a:spcPct val="50000"/>
+              </a:lnSpc>
+            </a:pPr>
+            <a:endParaRPr lang="en-US" sz="1300" spc="-1" dirty="0">
+              <a:solidFill>
+                <a:srgbClr val="595959"/>
+              </a:solidFill>
+              <a:latin typeface="Lato"/>
+            </a:endParaRPr>
+          </a:p>
+          <a:p>
+            <a:pPr>
+              <a:lnSpc>
+                <a:spcPct val="50000"/>
+              </a:lnSpc>
+            </a:pPr>
+            <a:endParaRPr lang="en-US" sz="1300" spc="-1" dirty="0" smtClean="0">
+              <a:solidFill>
+                <a:srgbClr val="595959"/>
+              </a:solidFill>
+              <a:latin typeface="Lato"/>
+            </a:endParaRPr>
+          </a:p>
+          <a:p>
+            <a:pPr>
+              <a:lnSpc>
+                <a:spcPct val="50000"/>
+              </a:lnSpc>
+            </a:pPr>
+            <a:endParaRPr lang="en-US" sz="1300" spc="-1" dirty="0" smtClean="0">
+              <a:solidFill>
+                <a:srgbClr val="595959"/>
+              </a:solidFill>
+              <a:latin typeface="Lato"/>
+            </a:endParaRPr>
+          </a:p>
+          <a:p>
+            <a:pPr>
+              <a:lnSpc>
+                <a:spcPct val="50000"/>
+              </a:lnSpc>
+            </a:pPr>
+            <a:endParaRPr lang="en-US" sz="1300" spc="-1" dirty="0" smtClean="0">
+              <a:solidFill>
+                <a:srgbClr val="595959"/>
+              </a:solidFill>
+              <a:latin typeface="Lato"/>
+            </a:endParaRPr>
+          </a:p>
+          <a:p>
+            <a:pPr>
+              <a:lnSpc>
+                <a:spcPct val="50000"/>
+              </a:lnSpc>
+            </a:pPr>
+            <a:endParaRPr lang="en-US" sz="1300" spc="-1" dirty="0">
+              <a:solidFill>
+                <a:srgbClr val="595959"/>
+              </a:solidFill>
+              <a:latin typeface="Lato"/>
+            </a:endParaRPr>
+          </a:p>
+          <a:p>
+            <a:pPr>
+              <a:lnSpc>
+                <a:spcPct val="50000"/>
+              </a:lnSpc>
+            </a:pPr>
+            <a:endParaRPr lang="en-US" sz="1300" spc="-1" dirty="0" smtClean="0">
+              <a:solidFill>
+                <a:srgbClr val="595959"/>
+              </a:solidFill>
+              <a:latin typeface="Lato"/>
+            </a:endParaRPr>
+          </a:p>
+          <a:p>
+            <a:pPr>
+              <a:lnSpc>
+                <a:spcPct val="50000"/>
+              </a:lnSpc>
+            </a:pPr>
+            <a:endParaRPr lang="en-US" sz="1300" spc="-1" dirty="0" smtClean="0">
+              <a:solidFill>
+                <a:srgbClr val="595959"/>
+              </a:solidFill>
+              <a:latin typeface="Lato"/>
+            </a:endParaRPr>
+          </a:p>
+          <a:p>
+            <a:pPr>
+              <a:lnSpc>
+                <a:spcPct val="50000"/>
+              </a:lnSpc>
+            </a:pPr>
+            <a:endParaRPr lang="en-US" sz="1300" spc="-1" dirty="0">
+              <a:solidFill>
+                <a:srgbClr val="595959"/>
+              </a:solidFill>
+              <a:latin typeface="Lato"/>
+            </a:endParaRPr>
+          </a:p>
+          <a:p>
+            <a:pPr>
+              <a:lnSpc>
+                <a:spcPct val="50000"/>
+              </a:lnSpc>
+            </a:pPr>
+            <a:endParaRPr lang="en-US" sz="1300" spc="-1" dirty="0" smtClean="0">
+              <a:solidFill>
+                <a:srgbClr val="595959"/>
+              </a:solidFill>
+              <a:latin typeface="Lato"/>
+            </a:endParaRPr>
+          </a:p>
+          <a:p>
+            <a:pPr>
+              <a:lnSpc>
+                <a:spcPct val="50000"/>
+              </a:lnSpc>
+            </a:pPr>
+            <a:endParaRPr lang="en-US" sz="1300" spc="-1" dirty="0">
+              <a:solidFill>
+                <a:srgbClr val="595959"/>
+              </a:solidFill>
+              <a:latin typeface="Lato"/>
+            </a:endParaRPr>
+          </a:p>
+          <a:p>
+            <a:pPr>
+              <a:lnSpc>
+                <a:spcPct val="50000"/>
+              </a:lnSpc>
+            </a:pPr>
+            <a:endParaRPr lang="en-US" sz="1300" spc="-1" dirty="0" smtClean="0">
+              <a:solidFill>
+                <a:srgbClr val="595959"/>
+              </a:solidFill>
+              <a:latin typeface="Lato"/>
+            </a:endParaRPr>
+          </a:p>
+          <a:p>
+            <a:pPr>
+              <a:lnSpc>
+                <a:spcPct val="50000"/>
+              </a:lnSpc>
+            </a:pPr>
+            <a:endParaRPr lang="en-US" sz="1300" spc="-1" dirty="0">
+              <a:solidFill>
+                <a:srgbClr val="595959"/>
+              </a:solidFill>
+              <a:latin typeface="Lato"/>
+            </a:endParaRPr>
+          </a:p>
+          <a:p>
+            <a:pPr>
+              <a:lnSpc>
+                <a:spcPct val="50000"/>
+              </a:lnSpc>
+            </a:pPr>
+            <a:endParaRPr lang="en-US" sz="1300" spc="-1" dirty="0">
+              <a:solidFill>
+                <a:srgbClr val="595959"/>
+              </a:solidFill>
+              <a:latin typeface="Lato"/>
+            </a:endParaRPr>
+          </a:p>
+        </p:txBody>
+      </p:sp>
+    </p:spTree>
+    <p:extLst>
+      <p:ext uri="{BB962C8B-B14F-4D97-AF65-F5344CB8AC3E}">
+        <p14:creationId xmlns:p14="http://schemas.microsoft.com/office/powerpoint/2010/main" val="974933612"/>
+      </p:ext>
+    </p:extLst>
+  </p:cSld>
+  <p:clrMapOvr>
+    <a:masterClrMapping/>
+  </p:clrMapOvr>
+  <p:timing>
+    <p:tnLst>
+      <p:par>
+        <p:cTn id="1" dur="indefinite" restart="never" nodeType="tmRoot">
+          <p:childTnLst>
+            <p:seq>
+              <p:cTn id="2" dur="indefinite" nodeType="mainSeq"/>
+              <p:prevCondLst>
+                <p:cond evt="onPrev" delay="0">
+                  <p:tgtEl>
+                    <p:sldTgt/>
+                  </p:tgtEl>
+                </p:cond>
+              </p:prevCondLst>
+              <p:nextCondLst>
+                <p:cond evt="onNext" delay="0">
+                  <p:tgtEl>
+                    <p:sldTgt/>
+                  </p:tgtEl>
+                </p:cond>
+              </p:nextCondLst>
+            </p:seq>
+          </p:childTnLst>
+        </p:cTn>
+      </p:par>
+    </p:tnLst>
+  </p:timing>
 </p:sld>
 </file>
 
